--- a/docs/webPDB.pptx
+++ b/docs/webPDB.pptx
@@ -1,6 +1,6 @@
 
 <file path=ppt/presentation.xml><?xml version="1.0" encoding="utf-8"?>
-<p:presentation xmlns:a="http://schemas.openxmlformats.org/drawingml/2006/main" xmlns:r="http://schemas.openxmlformats.org/officeDocument/2006/relationships" xmlns:mc="http://schemas.openxmlformats.org/markup-compatibility/2006" xmlns:mv="urn:schemas-microsoft-com:mac:vml" xmlns:p="http://schemas.openxmlformats.org/presentationml/2006/main" mc:Ignorable="mv" mc:PreserveAttributes="mv:*" saveSubsetFonts="1" autoCompressPictures="0">
+<p:presentation xmlns:a="http://schemas.openxmlformats.org/drawingml/2006/main" xmlns:r="http://schemas.openxmlformats.org/officeDocument/2006/relationships" xmlns:p="http://schemas.openxmlformats.org/presentationml/2006/main" saveSubsetFonts="1" autoCompressPictures="0">
   <p:sldMasterIdLst>
     <p:sldMasterId id="2147483648" r:id="rId1"/>
   </p:sldMasterIdLst>
@@ -10,6 +10,9 @@
     <p:sldId id="258" r:id="rId4"/>
     <p:sldId id="259" r:id="rId5"/>
     <p:sldId id="260" r:id="rId6"/>
+    <p:sldId id="261" r:id="rId7"/>
+    <p:sldId id="262" r:id="rId8"/>
+    <p:sldId id="263" r:id="rId9"/>
   </p:sldIdLst>
   <p:sldSz cx="9144000" cy="6858000" type="screen4x3"/>
   <p:notesSz cx="6858000" cy="9144000"/>
@@ -112,7 +115,7 @@
 </file>
 
 <file path=ppt/slideLayouts/slideLayout1.xml><?xml version="1.0" encoding="utf-8"?>
-<p:sldLayout xmlns:a="http://schemas.openxmlformats.org/drawingml/2006/main" xmlns:r="http://schemas.openxmlformats.org/officeDocument/2006/relationships" xmlns:mc="http://schemas.openxmlformats.org/markup-compatibility/2006" xmlns:mv="urn:schemas-microsoft-com:mac:vml" xmlns:p="http://schemas.openxmlformats.org/presentationml/2006/main" mc:Ignorable="mv" mc:PreserveAttributes="mv:*" type="title" preserve="1">
+<p:sldLayout xmlns:a="http://schemas.openxmlformats.org/drawingml/2006/main" xmlns:r="http://schemas.openxmlformats.org/officeDocument/2006/relationships" xmlns:p="http://schemas.openxmlformats.org/presentationml/2006/main" type="title" preserve="1">
   <p:cSld name="Diapositiva titolo">
     <p:spTree>
       <p:nvGrpSpPr>
@@ -292,7 +295,7 @@
           <a:p>
             <a:fld id="{0747035C-E568-9D4A-A4F2-0537E6791F68}" type="datetimeFigureOut">
               <a:rPr lang="it-IT" smtClean="0"/>
-              <a:t>3-05-2012</a:t>
+              <a:t>04/05/2012</a:t>
             </a:fld>
             <a:endParaRPr lang="it-IT"/>
           </a:p>
@@ -334,7 +337,7 @@
           <a:p>
             <a:fld id="{6918932F-4E72-B642-9F99-B1B229AB2C60}" type="slidenum">
               <a:rPr lang="it-IT" smtClean="0"/>
-              <a:t>‹n.›</a:t>
+              <a:t>‹N›</a:t>
             </a:fld>
             <a:endParaRPr lang="it-IT"/>
           </a:p>
@@ -349,7 +352,7 @@
 </file>
 
 <file path=ppt/slideLayouts/slideLayout10.xml><?xml version="1.0" encoding="utf-8"?>
-<p:sldLayout xmlns:a="http://schemas.openxmlformats.org/drawingml/2006/main" xmlns:r="http://schemas.openxmlformats.org/officeDocument/2006/relationships" xmlns:mc="http://schemas.openxmlformats.org/markup-compatibility/2006" xmlns:mv="urn:schemas-microsoft-com:mac:vml" xmlns:p="http://schemas.openxmlformats.org/presentationml/2006/main" mc:Ignorable="mv" mc:PreserveAttributes="mv:*" type="vertTx" preserve="1">
+<p:sldLayout xmlns:a="http://schemas.openxmlformats.org/drawingml/2006/main" xmlns:r="http://schemas.openxmlformats.org/officeDocument/2006/relationships" xmlns:p="http://schemas.openxmlformats.org/presentationml/2006/main" type="vertTx" preserve="1">
   <p:cSld name="Titolo e testo verticale">
     <p:spTree>
       <p:nvGrpSpPr>
@@ -457,7 +460,7 @@
           <a:p>
             <a:fld id="{0747035C-E568-9D4A-A4F2-0537E6791F68}" type="datetimeFigureOut">
               <a:rPr lang="it-IT" smtClean="0"/>
-              <a:t>3-05-2012</a:t>
+              <a:t>04/05/2012</a:t>
             </a:fld>
             <a:endParaRPr lang="it-IT"/>
           </a:p>
@@ -499,7 +502,7 @@
           <a:p>
             <a:fld id="{6918932F-4E72-B642-9F99-B1B229AB2C60}" type="slidenum">
               <a:rPr lang="it-IT" smtClean="0"/>
-              <a:t>‹n.›</a:t>
+              <a:t>‹N›</a:t>
             </a:fld>
             <a:endParaRPr lang="it-IT"/>
           </a:p>
@@ -514,7 +517,7 @@
 </file>
 
 <file path=ppt/slideLayouts/slideLayout11.xml><?xml version="1.0" encoding="utf-8"?>
-<p:sldLayout xmlns:a="http://schemas.openxmlformats.org/drawingml/2006/main" xmlns:r="http://schemas.openxmlformats.org/officeDocument/2006/relationships" xmlns:mc="http://schemas.openxmlformats.org/markup-compatibility/2006" xmlns:mv="urn:schemas-microsoft-com:mac:vml" xmlns:p="http://schemas.openxmlformats.org/presentationml/2006/main" mc:Ignorable="mv" mc:PreserveAttributes="mv:*" type="vertTitleAndTx" preserve="1">
+<p:sldLayout xmlns:a="http://schemas.openxmlformats.org/drawingml/2006/main" xmlns:r="http://schemas.openxmlformats.org/officeDocument/2006/relationships" xmlns:p="http://schemas.openxmlformats.org/presentationml/2006/main" type="vertTitleAndTx" preserve="1">
   <p:cSld name="Titolo verticale e testo">
     <p:spTree>
       <p:nvGrpSpPr>
@@ -632,7 +635,7 @@
           <a:p>
             <a:fld id="{0747035C-E568-9D4A-A4F2-0537E6791F68}" type="datetimeFigureOut">
               <a:rPr lang="it-IT" smtClean="0"/>
-              <a:t>3-05-2012</a:t>
+              <a:t>04/05/2012</a:t>
             </a:fld>
             <a:endParaRPr lang="it-IT"/>
           </a:p>
@@ -674,7 +677,7 @@
           <a:p>
             <a:fld id="{6918932F-4E72-B642-9F99-B1B229AB2C60}" type="slidenum">
               <a:rPr lang="it-IT" smtClean="0"/>
-              <a:t>‹n.›</a:t>
+              <a:t>‹N›</a:t>
             </a:fld>
             <a:endParaRPr lang="it-IT"/>
           </a:p>
@@ -689,7 +692,7 @@
 </file>
 
 <file path=ppt/slideLayouts/slideLayout2.xml><?xml version="1.0" encoding="utf-8"?>
-<p:sldLayout xmlns:a="http://schemas.openxmlformats.org/drawingml/2006/main" xmlns:r="http://schemas.openxmlformats.org/officeDocument/2006/relationships" xmlns:mc="http://schemas.openxmlformats.org/markup-compatibility/2006" xmlns:mv="urn:schemas-microsoft-com:mac:vml" xmlns:p="http://schemas.openxmlformats.org/presentationml/2006/main" mc:Ignorable="mv" mc:PreserveAttributes="mv:*" type="obj" preserve="1">
+<p:sldLayout xmlns:a="http://schemas.openxmlformats.org/drawingml/2006/main" xmlns:r="http://schemas.openxmlformats.org/officeDocument/2006/relationships" xmlns:p="http://schemas.openxmlformats.org/presentationml/2006/main" type="obj" preserve="1">
   <p:cSld name="Titolo e contenuto">
     <p:spTree>
       <p:nvGrpSpPr>
@@ -797,7 +800,7 @@
           <a:p>
             <a:fld id="{0747035C-E568-9D4A-A4F2-0537E6791F68}" type="datetimeFigureOut">
               <a:rPr lang="it-IT" smtClean="0"/>
-              <a:t>3-05-2012</a:t>
+              <a:t>04/05/2012</a:t>
             </a:fld>
             <a:endParaRPr lang="it-IT"/>
           </a:p>
@@ -839,7 +842,7 @@
           <a:p>
             <a:fld id="{6918932F-4E72-B642-9F99-B1B229AB2C60}" type="slidenum">
               <a:rPr lang="it-IT" smtClean="0"/>
-              <a:t>‹n.›</a:t>
+              <a:t>‹N›</a:t>
             </a:fld>
             <a:endParaRPr lang="it-IT"/>
           </a:p>
@@ -854,7 +857,7 @@
 </file>
 
 <file path=ppt/slideLayouts/slideLayout3.xml><?xml version="1.0" encoding="utf-8"?>
-<p:sldLayout xmlns:a="http://schemas.openxmlformats.org/drawingml/2006/main" xmlns:r="http://schemas.openxmlformats.org/officeDocument/2006/relationships" xmlns:mc="http://schemas.openxmlformats.org/markup-compatibility/2006" xmlns:mv="urn:schemas-microsoft-com:mac:vml" xmlns:p="http://schemas.openxmlformats.org/presentationml/2006/main" mc:Ignorable="mv" mc:PreserveAttributes="mv:*" type="secHead" preserve="1">
+<p:sldLayout xmlns:a="http://schemas.openxmlformats.org/drawingml/2006/main" xmlns:r="http://schemas.openxmlformats.org/officeDocument/2006/relationships" xmlns:p="http://schemas.openxmlformats.org/presentationml/2006/main" type="secHead" preserve="1">
   <p:cSld name="Intestazione sezione">
     <p:spTree>
       <p:nvGrpSpPr>
@@ -1038,7 +1041,7 @@
           <a:p>
             <a:fld id="{0747035C-E568-9D4A-A4F2-0537E6791F68}" type="datetimeFigureOut">
               <a:rPr lang="it-IT" smtClean="0"/>
-              <a:t>3-05-2012</a:t>
+              <a:t>04/05/2012</a:t>
             </a:fld>
             <a:endParaRPr lang="it-IT"/>
           </a:p>
@@ -1080,7 +1083,7 @@
           <a:p>
             <a:fld id="{6918932F-4E72-B642-9F99-B1B229AB2C60}" type="slidenum">
               <a:rPr lang="it-IT" smtClean="0"/>
-              <a:t>‹n.›</a:t>
+              <a:t>‹N›</a:t>
             </a:fld>
             <a:endParaRPr lang="it-IT"/>
           </a:p>
@@ -1095,7 +1098,7 @@
 </file>
 
 <file path=ppt/slideLayouts/slideLayout4.xml><?xml version="1.0" encoding="utf-8"?>
-<p:sldLayout xmlns:a="http://schemas.openxmlformats.org/drawingml/2006/main" xmlns:r="http://schemas.openxmlformats.org/officeDocument/2006/relationships" xmlns:mc="http://schemas.openxmlformats.org/markup-compatibility/2006" xmlns:mv="urn:schemas-microsoft-com:mac:vml" xmlns:p="http://schemas.openxmlformats.org/presentationml/2006/main" mc:Ignorable="mv" mc:PreserveAttributes="mv:*" type="twoObj" preserve="1">
+<p:sldLayout xmlns:a="http://schemas.openxmlformats.org/drawingml/2006/main" xmlns:r="http://schemas.openxmlformats.org/officeDocument/2006/relationships" xmlns:p="http://schemas.openxmlformats.org/presentationml/2006/main" type="twoObj" preserve="1">
   <p:cSld name="Contenuto 2">
     <p:spTree>
       <p:nvGrpSpPr>
@@ -1321,7 +1324,7 @@
           <a:p>
             <a:fld id="{0747035C-E568-9D4A-A4F2-0537E6791F68}" type="datetimeFigureOut">
               <a:rPr lang="it-IT" smtClean="0"/>
-              <a:t>3-05-2012</a:t>
+              <a:t>04/05/2012</a:t>
             </a:fld>
             <a:endParaRPr lang="it-IT"/>
           </a:p>
@@ -1363,7 +1366,7 @@
           <a:p>
             <a:fld id="{6918932F-4E72-B642-9F99-B1B229AB2C60}" type="slidenum">
               <a:rPr lang="it-IT" smtClean="0"/>
-              <a:t>‹n.›</a:t>
+              <a:t>‹N›</a:t>
             </a:fld>
             <a:endParaRPr lang="it-IT"/>
           </a:p>
@@ -1378,7 +1381,7 @@
 </file>
 
 <file path=ppt/slideLayouts/slideLayout5.xml><?xml version="1.0" encoding="utf-8"?>
-<p:sldLayout xmlns:a="http://schemas.openxmlformats.org/drawingml/2006/main" xmlns:r="http://schemas.openxmlformats.org/officeDocument/2006/relationships" xmlns:mc="http://schemas.openxmlformats.org/markup-compatibility/2006" xmlns:mv="urn:schemas-microsoft-com:mac:vml" xmlns:p="http://schemas.openxmlformats.org/presentationml/2006/main" mc:Ignorable="mv" mc:PreserveAttributes="mv:*" type="twoTxTwoObj" preserve="1">
+<p:sldLayout xmlns:a="http://schemas.openxmlformats.org/drawingml/2006/main" xmlns:r="http://schemas.openxmlformats.org/officeDocument/2006/relationships" xmlns:p="http://schemas.openxmlformats.org/presentationml/2006/main" type="twoTxTwoObj" preserve="1">
   <p:cSld name="Confronto">
     <p:spTree>
       <p:nvGrpSpPr>
@@ -1738,7 +1741,7 @@
           <a:p>
             <a:fld id="{0747035C-E568-9D4A-A4F2-0537E6791F68}" type="datetimeFigureOut">
               <a:rPr lang="it-IT" smtClean="0"/>
-              <a:t>3-05-2012</a:t>
+              <a:t>04/05/2012</a:t>
             </a:fld>
             <a:endParaRPr lang="it-IT"/>
           </a:p>
@@ -1780,7 +1783,7 @@
           <a:p>
             <a:fld id="{6918932F-4E72-B642-9F99-B1B229AB2C60}" type="slidenum">
               <a:rPr lang="it-IT" smtClean="0"/>
-              <a:t>‹n.›</a:t>
+              <a:t>‹N›</a:t>
             </a:fld>
             <a:endParaRPr lang="it-IT"/>
           </a:p>
@@ -1795,7 +1798,7 @@
 </file>
 
 <file path=ppt/slideLayouts/slideLayout6.xml><?xml version="1.0" encoding="utf-8"?>
-<p:sldLayout xmlns:a="http://schemas.openxmlformats.org/drawingml/2006/main" xmlns:r="http://schemas.openxmlformats.org/officeDocument/2006/relationships" xmlns:mc="http://schemas.openxmlformats.org/markup-compatibility/2006" xmlns:mv="urn:schemas-microsoft-com:mac:vml" xmlns:p="http://schemas.openxmlformats.org/presentationml/2006/main" mc:Ignorable="mv" mc:PreserveAttributes="mv:*" type="titleOnly" preserve="1">
+<p:sldLayout xmlns:a="http://schemas.openxmlformats.org/drawingml/2006/main" xmlns:r="http://schemas.openxmlformats.org/officeDocument/2006/relationships" xmlns:p="http://schemas.openxmlformats.org/presentationml/2006/main" type="titleOnly" preserve="1">
   <p:cSld name="Solo titolo">
     <p:spTree>
       <p:nvGrpSpPr>
@@ -1851,7 +1854,7 @@
           <a:p>
             <a:fld id="{0747035C-E568-9D4A-A4F2-0537E6791F68}" type="datetimeFigureOut">
               <a:rPr lang="it-IT" smtClean="0"/>
-              <a:t>3-05-2012</a:t>
+              <a:t>04/05/2012</a:t>
             </a:fld>
             <a:endParaRPr lang="it-IT"/>
           </a:p>
@@ -1893,7 +1896,7 @@
           <a:p>
             <a:fld id="{6918932F-4E72-B642-9F99-B1B229AB2C60}" type="slidenum">
               <a:rPr lang="it-IT" smtClean="0"/>
-              <a:t>‹n.›</a:t>
+              <a:t>‹N›</a:t>
             </a:fld>
             <a:endParaRPr lang="it-IT"/>
           </a:p>
@@ -1908,7 +1911,7 @@
 </file>
 
 <file path=ppt/slideLayouts/slideLayout7.xml><?xml version="1.0" encoding="utf-8"?>
-<p:sldLayout xmlns:a="http://schemas.openxmlformats.org/drawingml/2006/main" xmlns:r="http://schemas.openxmlformats.org/officeDocument/2006/relationships" xmlns:mc="http://schemas.openxmlformats.org/markup-compatibility/2006" xmlns:mv="urn:schemas-microsoft-com:mac:vml" xmlns:p="http://schemas.openxmlformats.org/presentationml/2006/main" mc:Ignorable="mv" mc:PreserveAttributes="mv:*" type="blank" preserve="1">
+<p:sldLayout xmlns:a="http://schemas.openxmlformats.org/drawingml/2006/main" xmlns:r="http://schemas.openxmlformats.org/officeDocument/2006/relationships" xmlns:p="http://schemas.openxmlformats.org/presentationml/2006/main" type="blank" preserve="1">
   <p:cSld name="Vuoto">
     <p:spTree>
       <p:nvGrpSpPr>
@@ -1941,7 +1944,7 @@
           <a:p>
             <a:fld id="{0747035C-E568-9D4A-A4F2-0537E6791F68}" type="datetimeFigureOut">
               <a:rPr lang="it-IT" smtClean="0"/>
-              <a:t>3-05-2012</a:t>
+              <a:t>04/05/2012</a:t>
             </a:fld>
             <a:endParaRPr lang="it-IT"/>
           </a:p>
@@ -1983,7 +1986,7 @@
           <a:p>
             <a:fld id="{6918932F-4E72-B642-9F99-B1B229AB2C60}" type="slidenum">
               <a:rPr lang="it-IT" smtClean="0"/>
-              <a:t>‹n.›</a:t>
+              <a:t>‹N›</a:t>
             </a:fld>
             <a:endParaRPr lang="it-IT"/>
           </a:p>
@@ -1998,7 +2001,7 @@
 </file>
 
 <file path=ppt/slideLayouts/slideLayout8.xml><?xml version="1.0" encoding="utf-8"?>
-<p:sldLayout xmlns:a="http://schemas.openxmlformats.org/drawingml/2006/main" xmlns:r="http://schemas.openxmlformats.org/officeDocument/2006/relationships" xmlns:mc="http://schemas.openxmlformats.org/markup-compatibility/2006" xmlns:mv="urn:schemas-microsoft-com:mac:vml" xmlns:p="http://schemas.openxmlformats.org/presentationml/2006/main" mc:Ignorable="mv" mc:PreserveAttributes="mv:*" type="objTx" preserve="1">
+<p:sldLayout xmlns:a="http://schemas.openxmlformats.org/drawingml/2006/main" xmlns:r="http://schemas.openxmlformats.org/officeDocument/2006/relationships" xmlns:p="http://schemas.openxmlformats.org/presentationml/2006/main" type="objTx" preserve="1">
   <p:cSld name="Contenuto con didascalia">
     <p:spTree>
       <p:nvGrpSpPr>
@@ -2213,7 +2216,7 @@
           <a:p>
             <a:fld id="{0747035C-E568-9D4A-A4F2-0537E6791F68}" type="datetimeFigureOut">
               <a:rPr lang="it-IT" smtClean="0"/>
-              <a:t>3-05-2012</a:t>
+              <a:t>04/05/2012</a:t>
             </a:fld>
             <a:endParaRPr lang="it-IT"/>
           </a:p>
@@ -2255,7 +2258,7 @@
           <a:p>
             <a:fld id="{6918932F-4E72-B642-9F99-B1B229AB2C60}" type="slidenum">
               <a:rPr lang="it-IT" smtClean="0"/>
-              <a:t>‹n.›</a:t>
+              <a:t>‹N›</a:t>
             </a:fld>
             <a:endParaRPr lang="it-IT"/>
           </a:p>
@@ -2270,7 +2273,7 @@
 </file>
 
 <file path=ppt/slideLayouts/slideLayout9.xml><?xml version="1.0" encoding="utf-8"?>
-<p:sldLayout xmlns:a="http://schemas.openxmlformats.org/drawingml/2006/main" xmlns:r="http://schemas.openxmlformats.org/officeDocument/2006/relationships" xmlns:mc="http://schemas.openxmlformats.org/markup-compatibility/2006" xmlns:mv="urn:schemas-microsoft-com:mac:vml" xmlns:p="http://schemas.openxmlformats.org/presentationml/2006/main" mc:Ignorable="mv" mc:PreserveAttributes="mv:*" type="picTx" preserve="1">
+<p:sldLayout xmlns:a="http://schemas.openxmlformats.org/drawingml/2006/main" xmlns:r="http://schemas.openxmlformats.org/officeDocument/2006/relationships" xmlns:p="http://schemas.openxmlformats.org/presentationml/2006/main" type="picTx" preserve="1">
   <p:cSld name="Immagine con didascalia">
     <p:spTree>
       <p:nvGrpSpPr>
@@ -2461,7 +2464,7 @@
           <a:p>
             <a:fld id="{0747035C-E568-9D4A-A4F2-0537E6791F68}" type="datetimeFigureOut">
               <a:rPr lang="it-IT" smtClean="0"/>
-              <a:t>3-05-2012</a:t>
+              <a:t>04/05/2012</a:t>
             </a:fld>
             <a:endParaRPr lang="it-IT"/>
           </a:p>
@@ -2503,7 +2506,7 @@
           <a:p>
             <a:fld id="{6918932F-4E72-B642-9F99-B1B229AB2C60}" type="slidenum">
               <a:rPr lang="it-IT" smtClean="0"/>
-              <a:t>‹n.›</a:t>
+              <a:t>‹N›</a:t>
             </a:fld>
             <a:endParaRPr lang="it-IT"/>
           </a:p>
@@ -2518,7 +2521,7 @@
 </file>
 
 <file path=ppt/slideMasters/slideMaster1.xml><?xml version="1.0" encoding="utf-8"?>
-<p:sldMaster xmlns:a="http://schemas.openxmlformats.org/drawingml/2006/main" xmlns:r="http://schemas.openxmlformats.org/officeDocument/2006/relationships" xmlns:mc="http://schemas.openxmlformats.org/markup-compatibility/2006" xmlns:mv="urn:schemas-microsoft-com:mac:vml" xmlns:p="http://schemas.openxmlformats.org/presentationml/2006/main" mc:Ignorable="mv" mc:PreserveAttributes="mv:*">
+<p:sldMaster xmlns:a="http://schemas.openxmlformats.org/drawingml/2006/main" xmlns:r="http://schemas.openxmlformats.org/officeDocument/2006/relationships" xmlns:p="http://schemas.openxmlformats.org/presentationml/2006/main">
   <p:cSld>
     <p:bg>
       <p:bgRef idx="1001">
@@ -2669,7 +2672,7 @@
           <a:p>
             <a:fld id="{0747035C-E568-9D4A-A4F2-0537E6791F68}" type="datetimeFigureOut">
               <a:rPr lang="it-IT" smtClean="0"/>
-              <a:t>3-05-2012</a:t>
+              <a:t>04/05/2012</a:t>
             </a:fld>
             <a:endParaRPr lang="it-IT"/>
           </a:p>
@@ -2747,7 +2750,7 @@
           <a:p>
             <a:fld id="{6918932F-4E72-B642-9F99-B1B229AB2C60}" type="slidenum">
               <a:rPr lang="it-IT" smtClean="0"/>
-              <a:t>‹n.›</a:t>
+              <a:t>‹N›</a:t>
             </a:fld>
             <a:endParaRPr lang="it-IT"/>
           </a:p>
@@ -3023,7 +3026,7 @@
 </file>
 
 <file path=ppt/slides/slide1.xml><?xml version="1.0" encoding="utf-8"?>
-<p:sld xmlns:a="http://schemas.openxmlformats.org/drawingml/2006/main" xmlns:r="http://schemas.openxmlformats.org/officeDocument/2006/relationships" xmlns:mc="http://schemas.openxmlformats.org/markup-compatibility/2006" xmlns:mv="urn:schemas-microsoft-com:mac:vml" xmlns:p="http://schemas.openxmlformats.org/presentationml/2006/main" mc:Ignorable="mv" mc:PreserveAttributes="mv:*">
+<p:sld xmlns:a="http://schemas.openxmlformats.org/drawingml/2006/main" xmlns:r="http://schemas.openxmlformats.org/officeDocument/2006/relationships" xmlns:p="http://schemas.openxmlformats.org/presentationml/2006/main">
   <p:cSld>
     <p:spTree>
       <p:nvGrpSpPr>
@@ -3121,6 +3124,13 @@
                 <a:solidFill>
                   <a:schemeClr val="tx1"/>
                 </a:solidFill>
+                <a:effectLst>
+                  <a:outerShdw blurRad="38100" dist="38100" dir="2700000" algn="tl">
+                    <a:srgbClr val="000000">
+                      <a:alpha val="43137"/>
+                    </a:srgbClr>
+                  </a:outerShdw>
+                </a:effectLst>
                 <a:latin typeface="+mj-lt"/>
                 <a:ea typeface="+mj-ea"/>
                 <a:cs typeface="+mj-cs"/>
@@ -3132,6 +3142,13 @@
                 <a:solidFill>
                   <a:schemeClr val="tx1"/>
                 </a:solidFill>
+                <a:effectLst>
+                  <a:outerShdw blurRad="38100" dist="38100" dir="2700000" algn="tl">
+                    <a:srgbClr val="000000">
+                      <a:alpha val="43137"/>
+                    </a:srgbClr>
+                  </a:outerShdw>
+                </a:effectLst>
                 <a:latin typeface="+mj-lt"/>
                 <a:ea typeface="+mj-ea"/>
                 <a:cs typeface="+mj-cs"/>
@@ -3143,6 +3160,13 @@
                 <a:solidFill>
                   <a:schemeClr val="tx1"/>
                 </a:solidFill>
+                <a:effectLst>
+                  <a:outerShdw blurRad="38100" dist="38100" dir="2700000" algn="tl">
+                    <a:srgbClr val="000000">
+                      <a:alpha val="43137"/>
+                    </a:srgbClr>
+                  </a:outerShdw>
+                </a:effectLst>
                 <a:latin typeface="+mj-lt"/>
                 <a:ea typeface="+mj-ea"/>
                 <a:cs typeface="+mj-cs"/>
@@ -3154,6 +3178,13 @@
                 <a:solidFill>
                   <a:schemeClr val="tx1"/>
                 </a:solidFill>
+                <a:effectLst>
+                  <a:outerShdw blurRad="38100" dist="38100" dir="2700000" algn="tl">
+                    <a:srgbClr val="000000">
+                      <a:alpha val="43137"/>
+                    </a:srgbClr>
+                  </a:outerShdw>
+                </a:effectLst>
                 <a:latin typeface="+mj-lt"/>
                 <a:ea typeface="+mj-ea"/>
                 <a:cs typeface="+mj-cs"/>
@@ -3165,6 +3196,13 @@
                 <a:solidFill>
                   <a:schemeClr val="tx1"/>
                 </a:solidFill>
+                <a:effectLst>
+                  <a:outerShdw blurRad="38100" dist="38100" dir="2700000" algn="tl">
+                    <a:srgbClr val="000000">
+                      <a:alpha val="43137"/>
+                    </a:srgbClr>
+                  </a:outerShdw>
+                </a:effectLst>
                 <a:latin typeface="+mj-lt"/>
                 <a:ea typeface="+mj-ea"/>
                 <a:cs typeface="+mj-cs"/>
@@ -3176,6 +3214,13 @@
                 <a:solidFill>
                   <a:schemeClr val="tx1"/>
                 </a:solidFill>
+                <a:effectLst>
+                  <a:outerShdw blurRad="38100" dist="38100" dir="2700000" algn="tl">
+                    <a:srgbClr val="000000">
+                      <a:alpha val="43137"/>
+                    </a:srgbClr>
+                  </a:outerShdw>
+                </a:effectLst>
                 <a:latin typeface="+mj-lt"/>
                 <a:ea typeface="+mj-ea"/>
                 <a:cs typeface="+mj-cs"/>
@@ -3187,6 +3232,13 @@
                 <a:solidFill>
                   <a:schemeClr val="tx1"/>
                 </a:solidFill>
+                <a:effectLst>
+                  <a:outerShdw blurRad="38100" dist="38100" dir="2700000" algn="tl">
+                    <a:srgbClr val="000000">
+                      <a:alpha val="43137"/>
+                    </a:srgbClr>
+                  </a:outerShdw>
+                </a:effectLst>
                 <a:latin typeface="+mj-lt"/>
                 <a:ea typeface="+mj-ea"/>
                 <a:cs typeface="+mj-cs"/>
@@ -3198,6 +3250,13 @@
                 <a:solidFill>
                   <a:schemeClr val="tx1"/>
                 </a:solidFill>
+                <a:effectLst>
+                  <a:outerShdw blurRad="38100" dist="38100" dir="2700000" algn="tl">
+                    <a:srgbClr val="000000">
+                      <a:alpha val="43137"/>
+                    </a:srgbClr>
+                  </a:outerShdw>
+                </a:effectLst>
                 <a:latin typeface="+mj-lt"/>
                 <a:ea typeface="+mj-ea"/>
                 <a:cs typeface="+mj-cs"/>
@@ -3208,6 +3267,13 @@
               <a:solidFill>
                 <a:schemeClr val="tx1"/>
               </a:solidFill>
+              <a:effectLst>
+                <a:outerShdw blurRad="38100" dist="38100" dir="2700000" algn="tl">
+                  <a:srgbClr val="000000">
+                    <a:alpha val="43137"/>
+                  </a:srgbClr>
+                </a:outerShdw>
+              </a:effectLst>
               <a:latin typeface="+mj-lt"/>
               <a:ea typeface="+mj-ea"/>
               <a:cs typeface="+mj-cs"/>
@@ -3303,7 +3369,7 @@
 </file>
 
 <file path=ppt/slides/slide2.xml><?xml version="1.0" encoding="utf-8"?>
-<p:sld xmlns:a="http://schemas.openxmlformats.org/drawingml/2006/main" xmlns:r="http://schemas.openxmlformats.org/officeDocument/2006/relationships" xmlns:mc="http://schemas.openxmlformats.org/markup-compatibility/2006" xmlns:mv="urn:schemas-microsoft-com:mac:vml" xmlns:p="http://schemas.openxmlformats.org/presentationml/2006/main" mc:Ignorable="mv" mc:PreserveAttributes="mv:*">
+<p:sld xmlns:a="http://schemas.openxmlformats.org/drawingml/2006/main" xmlns:r="http://schemas.openxmlformats.org/officeDocument/2006/relationships" xmlns:p="http://schemas.openxmlformats.org/presentationml/2006/main">
   <p:cSld>
     <p:spTree>
       <p:nvGrpSpPr>
@@ -3417,24 +3483,7 @@
                   </a:outerShdw>
                 </a:effectLst>
               </a:rPr>
-              <a:t>?</a:t>
-            </a:r>
-            <a:r>
-              <a:rPr lang="it-IT" dirty="0" smtClean="0">
-                <a:solidFill>
-                  <a:schemeClr val="accent2">
-                    <a:lumMod val="75000"/>
-                  </a:schemeClr>
-                </a:solidFill>
-                <a:effectLst>
-                  <a:outerShdw blurRad="50800" dist="38100" dir="2700000" algn="tl" rotWithShape="0">
-                    <a:srgbClr val="000000">
-                      <a:alpha val="26000"/>
-                    </a:srgbClr>
-                  </a:outerShdw>
-                </a:effectLst>
-              </a:rPr>
-              <a:t> </a:t>
+              <a:t>? </a:t>
             </a:r>
             <a:endParaRPr lang="it-IT" dirty="0">
               <a:solidFill>
@@ -3589,7 +3638,7 @@
 </file>
 
 <file path=ppt/slides/slide3.xml><?xml version="1.0" encoding="utf-8"?>
-<p:sld xmlns:a="http://schemas.openxmlformats.org/drawingml/2006/main" xmlns:r="http://schemas.openxmlformats.org/officeDocument/2006/relationships" xmlns:mc="http://schemas.openxmlformats.org/markup-compatibility/2006" xmlns:mv="urn:schemas-microsoft-com:mac:vml" xmlns:p="http://schemas.openxmlformats.org/presentationml/2006/main" mc:Ignorable="mv" mc:PreserveAttributes="mv:*">
+<p:sld xmlns:a="http://schemas.openxmlformats.org/drawingml/2006/main" xmlns:r="http://schemas.openxmlformats.org/officeDocument/2006/relationships" xmlns:p="http://schemas.openxmlformats.org/presentationml/2006/main">
   <p:cSld>
     <p:spTree>
       <p:nvGrpSpPr>
@@ -3621,8 +3670,8 @@
         </p:blipFill>
         <p:spPr>
           <a:xfrm>
-            <a:off x="218412" y="1003822"/>
-            <a:ext cx="8686800" cy="6145410"/>
+            <a:off x="0" y="823712"/>
+            <a:ext cx="9144000" cy="6034288"/>
           </a:xfrm>
           <a:prstGeom prst="rect">
             <a:avLst/>
@@ -3737,7 +3786,7 @@
 </file>
 
 <file path=ppt/slides/slide4.xml><?xml version="1.0" encoding="utf-8"?>
-<p:sld xmlns:a="http://schemas.openxmlformats.org/drawingml/2006/main" xmlns:r="http://schemas.openxmlformats.org/officeDocument/2006/relationships" xmlns:mc="http://schemas.openxmlformats.org/markup-compatibility/2006" xmlns:mv="urn:schemas-microsoft-com:mac:vml" xmlns:p="http://schemas.openxmlformats.org/presentationml/2006/main" mc:Ignorable="mv" mc:PreserveAttributes="mv:*">
+<p:sld xmlns:a="http://schemas.openxmlformats.org/drawingml/2006/main" xmlns:r="http://schemas.openxmlformats.org/officeDocument/2006/relationships" xmlns:p="http://schemas.openxmlformats.org/presentationml/2006/main">
   <p:cSld>
     <p:spTree>
       <p:nvGrpSpPr>
@@ -3799,24 +3848,29 @@
             <p:ph idx="1"/>
           </p:nvPr>
         </p:nvSpPr>
-        <p:spPr/>
+        <p:spPr>
+          <a:xfrm>
+            <a:off x="457200" y="1600200"/>
+            <a:ext cx="8229600" cy="5091545"/>
+          </a:xfrm>
+        </p:spPr>
         <p:txBody>
           <a:bodyPr>
-            <a:normAutofit fontScale="92500" lnSpcReduction="20000"/>
+            <a:normAutofit fontScale="92500" lnSpcReduction="10000"/>
           </a:bodyPr>
           <a:lstStyle/>
           <a:p>
             <a:r>
               <a:rPr lang="it-IT" dirty="0" smtClean="0"/>
-              <a:t> File system </a:t>
-            </a:r>
-            <a:r>
-              <a:rPr lang="it-IT" dirty="0" err="1" smtClean="0"/>
-              <a:t>with</a:t>
-            </a:r>
-            <a:r>
-              <a:rPr lang="it-IT" dirty="0" smtClean="0"/>
-              <a:t> high </a:t>
+              <a:t>A f</a:t>
+            </a:r>
+            <a:r>
+              <a:rPr lang="it-IT" dirty="0" smtClean="0"/>
+              <a:t>ile </a:t>
+            </a:r>
+            <a:r>
+              <a:rPr lang="it-IT" dirty="0" smtClean="0"/>
+              <a:t>system with high </a:t>
             </a:r>
             <a:r>
               <a:rPr lang="it-IT" dirty="0" err="1" smtClean="0"/>
@@ -3840,15 +3894,15 @@
             </a:r>
             <a:r>
               <a:rPr lang="it-IT" dirty="0" smtClean="0"/>
-              <a:t> </a:t>
-            </a:r>
-            <a:r>
-              <a:rPr lang="it-IT" dirty="0" err="1" smtClean="0"/>
-              <a:t>for</a:t>
-            </a:r>
-            <a:r>
-              <a:rPr lang="it-IT" dirty="0" smtClean="0"/>
-              <a:t> the database </a:t>
+              <a:t> for the database </a:t>
+            </a:r>
+            <a:r>
+              <a:rPr lang="it-IT" dirty="0" err="1" smtClean="0"/>
+              <a:t>storage</a:t>
+            </a:r>
+            <a:r>
+              <a:rPr lang="it-IT" dirty="0" smtClean="0"/>
+              <a:t> </a:t>
             </a:r>
             <a:r>
               <a:rPr lang="it-IT" dirty="0" err="1" smtClean="0"/>
@@ -3859,7 +3913,11 @@
           <a:p>
             <a:r>
               <a:rPr lang="it-IT" dirty="0" smtClean="0"/>
-              <a:t> A fast </a:t>
+              <a:t>A </a:t>
+            </a:r>
+            <a:r>
+              <a:rPr lang="it-IT" dirty="0" smtClean="0"/>
+              <a:t>fast </a:t>
             </a:r>
             <a:r>
               <a:rPr lang="it-IT" dirty="0" err="1" smtClean="0"/>
@@ -3867,15 +3925,7 @@
             </a:r>
             <a:r>
               <a:rPr lang="it-IT" dirty="0" smtClean="0"/>
-              <a:t> database </a:t>
-            </a:r>
-            <a:r>
-              <a:rPr lang="it-IT" dirty="0" err="1" smtClean="0"/>
-              <a:t>with</a:t>
-            </a:r>
-            <a:r>
-              <a:rPr lang="it-IT" dirty="0" smtClean="0"/>
-              <a:t> </a:t>
+              <a:t> database with </a:t>
             </a:r>
             <a:r>
               <a:rPr lang="it-IT" dirty="0" err="1" smtClean="0"/>
@@ -3958,7 +4008,11 @@
           <a:p>
             <a:r>
               <a:rPr lang="it-IT" dirty="0" smtClean="0"/>
-              <a:t> A light </a:t>
+              <a:t>A </a:t>
+            </a:r>
+            <a:r>
+              <a:rPr lang="it-IT" dirty="0" smtClean="0"/>
+              <a:t>light </a:t>
             </a:r>
             <a:r>
               <a:rPr lang="it-IT" dirty="0" err="1" smtClean="0"/>
@@ -3966,15 +4020,7 @@
             </a:r>
             <a:r>
               <a:rPr lang="it-IT" dirty="0" smtClean="0"/>
-              <a:t> format </a:t>
-            </a:r>
-            <a:r>
-              <a:rPr lang="it-IT" dirty="0" err="1" smtClean="0"/>
-              <a:t>to</a:t>
-            </a:r>
-            <a:r>
-              <a:rPr lang="it-IT" dirty="0" smtClean="0"/>
-              <a:t> </a:t>
+              <a:t> format to </a:t>
             </a:r>
             <a:r>
               <a:rPr lang="it-IT" dirty="0" err="1" smtClean="0"/>
@@ -4004,7 +4050,7 @@
           <a:p>
             <a:r>
               <a:rPr lang="it-IT" dirty="0" smtClean="0"/>
-              <a:t> A </a:t>
+              <a:t>A </a:t>
             </a:r>
             <a:r>
               <a:rPr lang="it-IT" dirty="0" err="1" smtClean="0"/>
@@ -4028,15 +4074,7 @@
             </a:r>
             <a:r>
               <a:rPr lang="it-IT" dirty="0" smtClean="0"/>
-              <a:t>, </a:t>
-            </a:r>
-            <a:r>
-              <a:rPr lang="it-IT" dirty="0" err="1" smtClean="0"/>
-              <a:t>with</a:t>
-            </a:r>
-            <a:r>
-              <a:rPr lang="it-IT" dirty="0" smtClean="0"/>
-              <a:t> minimal </a:t>
+              <a:t>, with minimal </a:t>
             </a:r>
             <a:r>
               <a:rPr lang="it-IT" dirty="0" err="1" smtClean="0"/>
@@ -4044,15 +4082,7 @@
             </a:r>
             <a:r>
               <a:rPr lang="it-IT" dirty="0" smtClean="0"/>
-              <a:t> and </a:t>
-            </a:r>
-            <a:r>
-              <a:rPr lang="it-IT" dirty="0" err="1" smtClean="0"/>
-              <a:t>maximum</a:t>
-            </a:r>
-            <a:r>
-              <a:rPr lang="it-IT" dirty="0" smtClean="0"/>
-              <a:t> </a:t>
+              <a:t> and maximum </a:t>
             </a:r>
             <a:r>
               <a:rPr lang="it-IT" dirty="0" err="1" smtClean="0"/>
@@ -4060,15 +4090,7 @@
             </a:r>
             <a:r>
               <a:rPr lang="it-IT" dirty="0" smtClean="0"/>
-              <a:t> </a:t>
-            </a:r>
-            <a:r>
-              <a:rPr lang="it-IT" dirty="0" err="1" smtClean="0"/>
-              <a:t>for</a:t>
-            </a:r>
-            <a:r>
-              <a:rPr lang="it-IT" dirty="0" smtClean="0"/>
-              <a:t> the </a:t>
+              <a:t> for the </a:t>
             </a:r>
             <a:r>
               <a:rPr lang="it-IT" dirty="0" err="1" smtClean="0"/>
@@ -4076,15 +4098,7 @@
             </a:r>
             <a:r>
               <a:rPr lang="it-IT" dirty="0" smtClean="0"/>
-              <a:t> </a:t>
-            </a:r>
-            <a:r>
-              <a:rPr lang="it-IT" dirty="0" err="1" smtClean="0"/>
-              <a:t>of</a:t>
-            </a:r>
-            <a:r>
-              <a:rPr lang="it-IT" dirty="0" smtClean="0"/>
-              <a:t> a REST web service</a:t>
+              <a:t> of a REST web service</a:t>
             </a:r>
           </a:p>
         </p:txBody>
@@ -4094,11 +4108,18 @@
   <p:clrMapOvr>
     <a:masterClrMapping/>
   </p:clrMapOvr>
+  <p:timing>
+    <p:tnLst>
+      <p:par>
+        <p:cTn id="1" dur="indefinite" restart="never" nodeType="tmRoot"/>
+      </p:par>
+    </p:tnLst>
+  </p:timing>
 </p:sld>
 </file>
 
 <file path=ppt/slides/slide5.xml><?xml version="1.0" encoding="utf-8"?>
-<p:sld xmlns:a="http://schemas.openxmlformats.org/drawingml/2006/main" xmlns:r="http://schemas.openxmlformats.org/officeDocument/2006/relationships" xmlns:mc="http://schemas.openxmlformats.org/markup-compatibility/2006" xmlns:mv="urn:schemas-microsoft-com:mac:vml" xmlns:p="http://schemas.openxmlformats.org/presentationml/2006/main" mc:Ignorable="mv" mc:PreserveAttributes="mv:*">
+<p:sld xmlns:a="http://schemas.openxmlformats.org/drawingml/2006/main" xmlns:r="http://schemas.openxmlformats.org/officeDocument/2006/relationships" xmlns:p="http://schemas.openxmlformats.org/presentationml/2006/main">
   <p:cSld>
     <p:spTree>
       <p:nvGrpSpPr>
@@ -4160,15 +4181,28 @@
             <p:ph idx="1"/>
           </p:nvPr>
         </p:nvSpPr>
-        <p:spPr/>
+        <p:spPr>
+          <a:xfrm>
+            <a:off x="457200" y="1410711"/>
+            <a:ext cx="8229600" cy="5257800"/>
+          </a:xfrm>
+        </p:spPr>
         <p:txBody>
           <a:bodyPr>
-            <a:normAutofit fontScale="55000" lnSpcReduction="20000"/>
+            <a:normAutofit fontScale="62500" lnSpcReduction="20000"/>
           </a:bodyPr>
           <a:lstStyle/>
           <a:p>
             <a:r>
-              <a:rPr lang="it-IT" dirty="0" smtClean="0"/>
+              <a:rPr lang="it-IT" dirty="0" smtClean="0">
+                <a:effectLst>
+                  <a:outerShdw blurRad="38100" dist="38100" dir="2700000" algn="tl">
+                    <a:srgbClr val="000000">
+                      <a:alpha val="43137"/>
+                    </a:srgbClr>
+                  </a:outerShdw>
+                </a:effectLst>
+              </a:rPr>
               <a:t>ZFS</a:t>
             </a:r>
           </a:p>
@@ -4303,10 +4337,26 @@
           </a:p>
           <a:p>
             <a:r>
-              <a:rPr lang="it-IT" dirty="0" err="1" smtClean="0"/>
+              <a:rPr lang="it-IT" dirty="0" err="1" smtClean="0">
+                <a:effectLst>
+                  <a:outerShdw blurRad="38100" dist="38100" dir="2700000" algn="tl">
+                    <a:srgbClr val="000000">
+                      <a:alpha val="43137"/>
+                    </a:srgbClr>
+                  </a:outerShdw>
+                </a:effectLst>
+              </a:rPr>
               <a:t>CouchDB</a:t>
             </a:r>
-            <a:endParaRPr lang="it-IT" dirty="0" smtClean="0"/>
+            <a:endParaRPr lang="it-IT" dirty="0" smtClean="0">
+              <a:effectLst>
+                <a:outerShdw blurRad="38100" dist="38100" dir="2700000" algn="tl">
+                  <a:srgbClr val="000000">
+                    <a:alpha val="43137"/>
+                  </a:srgbClr>
+                </a:outerShdw>
+              </a:effectLst>
+            </a:endParaRPr>
           </a:p>
           <a:p>
             <a:pPr lvl="1"/>
@@ -4438,7 +4488,15 @@
           </a:p>
           <a:p>
             <a:r>
-              <a:rPr lang="it-IT" dirty="0" smtClean="0"/>
+              <a:rPr lang="it-IT" dirty="0" smtClean="0">
+                <a:effectLst>
+                  <a:outerShdw blurRad="38100" dist="38100" dir="2700000" algn="tl">
+                    <a:srgbClr val="000000">
+                      <a:alpha val="43137"/>
+                    </a:srgbClr>
+                  </a:outerShdw>
+                </a:effectLst>
+              </a:rPr>
               <a:t>JSON</a:t>
             </a:r>
           </a:p>
@@ -4546,9 +4604,61 @@
               <a:t> </a:t>
             </a:r>
             <a:r>
-              <a:rPr lang="it-IT" dirty="0" err="1" smtClean="0"/>
+              <a:rPr lang="it-IT" dirty="0" err="1" smtClean="0">
+                <a:effectLst>
+                  <a:outerShdw blurRad="38100" dist="38100" dir="2700000" algn="tl">
+                    <a:srgbClr val="000000">
+                      <a:alpha val="43137"/>
+                    </a:srgbClr>
+                  </a:outerShdw>
+                </a:effectLst>
+              </a:rPr>
               <a:t>Node.js</a:t>
             </a:r>
+            <a:endParaRPr lang="it-IT" dirty="0" smtClean="0">
+              <a:effectLst>
+                <a:outerShdw blurRad="38100" dist="38100" dir="2700000" algn="tl">
+                  <a:srgbClr val="000000">
+                    <a:alpha val="43137"/>
+                  </a:srgbClr>
+                </a:outerShdw>
+              </a:effectLst>
+            </a:endParaRPr>
+          </a:p>
+          <a:p>
+            <a:pPr lvl="1"/>
+            <a:r>
+              <a:rPr lang="it-IT" dirty="0" smtClean="0"/>
+              <a:t> </a:t>
+            </a:r>
+            <a:r>
+              <a:rPr lang="it-IT" dirty="0" err="1" smtClean="0"/>
+              <a:t>Scalable</a:t>
+            </a:r>
+            <a:r>
+              <a:rPr lang="it-IT" dirty="0" smtClean="0"/>
+              <a:t> software system </a:t>
+            </a:r>
+            <a:r>
+              <a:rPr lang="it-IT" dirty="0" err="1" smtClean="0"/>
+              <a:t>for</a:t>
+            </a:r>
+            <a:r>
+              <a:rPr lang="it-IT" dirty="0" smtClean="0"/>
+              <a:t> </a:t>
+            </a:r>
+            <a:r>
+              <a:rPr lang="it-IT" dirty="0" err="1" smtClean="0"/>
+              <a:t>writing</a:t>
+            </a:r>
+            <a:r>
+              <a:rPr lang="it-IT" dirty="0" smtClean="0"/>
+              <a:t> Internet </a:t>
+            </a:r>
+            <a:r>
+              <a:rPr lang="it-IT" dirty="0" err="1" smtClean="0"/>
+              <a:t>applications</a:t>
+            </a:r>
             <a:endParaRPr lang="it-IT" dirty="0" smtClean="0"/>
           </a:p>
           <a:p>
@@ -4559,33 +4669,60 @@
             </a:r>
             <a:r>
               <a:rPr lang="it-IT" dirty="0" err="1" smtClean="0"/>
-              <a:t>Scalable</a:t>
-            </a:r>
-            <a:r>
-              <a:rPr lang="it-IT" dirty="0" smtClean="0"/>
-              <a:t> software system </a:t>
-            </a:r>
-            <a:r>
-              <a:rPr lang="it-IT" dirty="0" err="1" smtClean="0"/>
-              <a:t>for</a:t>
-            </a:r>
-            <a:r>
-              <a:rPr lang="it-IT" dirty="0" smtClean="0"/>
-              <a:t> </a:t>
-            </a:r>
-            <a:r>
-              <a:rPr lang="it-IT" dirty="0" err="1" smtClean="0"/>
-              <a:t>writing</a:t>
-            </a:r>
-            <a:r>
-              <a:rPr lang="it-IT" dirty="0" smtClean="0"/>
-              <a:t> Internet </a:t>
-            </a:r>
-            <a:r>
-              <a:rPr lang="it-IT" dirty="0" err="1" smtClean="0"/>
-              <a:t>applications</a:t>
-            </a:r>
-            <a:endParaRPr lang="it-IT" dirty="0" smtClean="0"/>
+              <a:t>Use</a:t>
+            </a:r>
+            <a:r>
+              <a:rPr lang="it-IT" dirty="0" smtClean="0"/>
+              <a:t> </a:t>
+            </a:r>
+            <a:r>
+              <a:rPr lang="it-IT" dirty="0" err="1" smtClean="0"/>
+              <a:t>JavaScript</a:t>
+            </a:r>
+            <a:r>
+              <a:rPr lang="it-IT" dirty="0" smtClean="0"/>
+              <a:t> </a:t>
+            </a:r>
+            <a:r>
+              <a:rPr lang="it-IT" dirty="0" err="1" smtClean="0"/>
+              <a:t>language</a:t>
+            </a:r>
+            <a:r>
+              <a:rPr lang="it-IT" dirty="0" smtClean="0"/>
+              <a:t> and V8 Google </a:t>
+            </a:r>
+            <a:r>
+              <a:rPr lang="it-IT" dirty="0" err="1" smtClean="0"/>
+              <a:t>JavaScript</a:t>
+            </a:r>
+            <a:r>
+              <a:rPr lang="it-IT" dirty="0" smtClean="0"/>
+              <a:t> </a:t>
+            </a:r>
+            <a:r>
+              <a:rPr lang="it-IT" dirty="0" err="1" smtClean="0"/>
+              <a:t>engine</a:t>
+            </a:r>
+            <a:r>
+              <a:rPr lang="it-IT" dirty="0" smtClean="0"/>
+              <a:t> (</a:t>
+            </a:r>
+            <a:r>
+              <a:rPr lang="it-IT" dirty="0" err="1" smtClean="0"/>
+              <a:t>CommonJS</a:t>
+            </a:r>
+            <a:r>
+              <a:rPr lang="it-IT" dirty="0" smtClean="0"/>
+              <a:t> </a:t>
+            </a:r>
+            <a:r>
+              <a:rPr lang="it-IT" dirty="0" err="1" smtClean="0"/>
+              <a:t>compliant</a:t>
+            </a:r>
+            <a:r>
+              <a:rPr lang="it-IT" dirty="0" smtClean="0"/>
+              <a:t>)</a:t>
+            </a:r>
           </a:p>
           <a:p>
             <a:pPr lvl="1"/>
@@ -4595,118 +4732,12 @@
             </a:r>
             <a:r>
               <a:rPr lang="it-IT" dirty="0" err="1" smtClean="0"/>
-              <a:t>Use</a:t>
-            </a:r>
-            <a:r>
-              <a:rPr lang="it-IT" dirty="0" smtClean="0"/>
-              <a:t> </a:t>
-            </a:r>
-            <a:r>
-              <a:rPr lang="it-IT" dirty="0" err="1" smtClean="0"/>
-              <a:t>JavaScript</a:t>
-            </a:r>
-            <a:r>
-              <a:rPr lang="it-IT" dirty="0" smtClean="0"/>
-              <a:t> </a:t>
-            </a:r>
-            <a:r>
-              <a:rPr lang="it-IT" dirty="0" err="1" smtClean="0"/>
-              <a:t>language</a:t>
-            </a:r>
-            <a:r>
-              <a:rPr lang="it-IT" dirty="0" smtClean="0"/>
-              <a:t> and V8 Google </a:t>
-            </a:r>
-            <a:r>
-              <a:rPr lang="it-IT" dirty="0" err="1" smtClean="0"/>
-              <a:t>JavaScript</a:t>
-            </a:r>
-            <a:r>
-              <a:rPr lang="it-IT" dirty="0" smtClean="0"/>
-              <a:t> </a:t>
-            </a:r>
-            <a:r>
-              <a:rPr lang="it-IT" dirty="0" err="1" smtClean="0"/>
-              <a:t>engine</a:t>
-            </a:r>
-            <a:r>
-              <a:rPr lang="it-IT" dirty="0" smtClean="0"/>
-              <a:t> (</a:t>
-            </a:r>
-            <a:r>
-              <a:rPr lang="it-IT" dirty="0" err="1" smtClean="0"/>
-              <a:t>CommonJS</a:t>
-            </a:r>
-            <a:r>
-              <a:rPr lang="it-IT" dirty="0" smtClean="0"/>
-              <a:t> </a:t>
-            </a:r>
-            <a:r>
-              <a:rPr lang="it-IT" dirty="0" err="1" smtClean="0"/>
-              <a:t>compliant</a:t>
-            </a:r>
-            <a:r>
-              <a:rPr lang="it-IT" dirty="0" smtClean="0"/>
-              <a:t>)</a:t>
-            </a:r>
-          </a:p>
-          <a:p>
-            <a:pPr lvl="1"/>
-            <a:r>
-              <a:rPr lang="it-IT" dirty="0" smtClean="0"/>
-              <a:t> </a:t>
-            </a:r>
-            <a:r>
-              <a:rPr lang="it-IT" dirty="0" err="1" smtClean="0"/>
               <a:t>Extremely</a:t>
             </a:r>
             <a:r>
               <a:rPr lang="it-IT" dirty="0" smtClean="0"/>
               <a:t> modular </a:t>
             </a:r>
-          </a:p>
-          <a:p>
-            <a:pPr lvl="1">
-              <a:buNone/>
-            </a:pPr>
-            <a:r>
-              <a:rPr lang="it-IT" dirty="0" smtClean="0"/>
-              <a:t/>
-            </a:r>
-            <a:br>
-              <a:rPr lang="it-IT" dirty="0" smtClean="0"/>
-            </a:br>
-            <a:endParaRPr lang="it-IT" dirty="0" smtClean="0"/>
-          </a:p>
-          <a:p>
-            <a:pPr lvl="1">
-              <a:buNone/>
-            </a:pPr>
-            <a:endParaRPr lang="it-IT" dirty="0" smtClean="0"/>
-          </a:p>
-          <a:p>
-            <a:pPr lvl="1">
-              <a:buNone/>
-            </a:pPr>
-            <a:endParaRPr lang="it-IT" dirty="0"/>
-          </a:p>
-          <a:p>
-            <a:pPr lvl="1">
-              <a:buNone/>
-            </a:pPr>
-            <a:endParaRPr lang="it-IT" dirty="0" smtClean="0"/>
-          </a:p>
-          <a:p>
-            <a:pPr lvl="1">
-              <a:buNone/>
-            </a:pPr>
-            <a:endParaRPr lang="it-IT" dirty="0" smtClean="0"/>
-          </a:p>
-          <a:p>
-            <a:pPr lvl="1">
-              <a:buNone/>
-            </a:pPr>
-            <a:endParaRPr lang="it-IT" dirty="0" smtClean="0"/>
           </a:p>
         </p:txBody>
       </p:sp>
@@ -4715,6 +4746,1370 @@
   <p:clrMapOvr>
     <a:masterClrMapping/>
   </p:clrMapOvr>
+  <p:timing>
+    <p:tnLst>
+      <p:par>
+        <p:cTn id="1" dur="indefinite" restart="never" nodeType="tmRoot"/>
+      </p:par>
+    </p:tnLst>
+  </p:timing>
+</p:sld>
+</file>
+
+<file path=ppt/slides/slide6.xml><?xml version="1.0" encoding="utf-8"?>
+<p:sld xmlns:a="http://schemas.openxmlformats.org/drawingml/2006/main" xmlns:r="http://schemas.openxmlformats.org/officeDocument/2006/relationships" xmlns:p="http://schemas.openxmlformats.org/presentationml/2006/main">
+  <p:cSld>
+    <p:spTree>
+      <p:nvGrpSpPr>
+        <p:cNvPr id="1" name=""/>
+        <p:cNvGrpSpPr/>
+        <p:nvPr/>
+      </p:nvGrpSpPr>
+      <p:grpSpPr>
+        <a:xfrm>
+          <a:off x="0" y="0"/>
+          <a:ext cx="0" cy="0"/>
+          <a:chOff x="0" y="0"/>
+          <a:chExt cx="0" cy="0"/>
+        </a:xfrm>
+      </p:grpSpPr>
+      <p:sp>
+        <p:nvSpPr>
+          <p:cNvPr id="2" name="Titolo 1"/>
+          <p:cNvSpPr>
+            <a:spLocks noGrp="1"/>
+          </p:cNvSpPr>
+          <p:nvPr>
+            <p:ph type="title"/>
+          </p:nvPr>
+        </p:nvSpPr>
+        <p:spPr/>
+        <p:txBody>
+          <a:bodyPr/>
+          <a:lstStyle/>
+          <a:p>
+            <a:r>
+              <a:rPr lang="it-IT" dirty="0" err="1" smtClean="0">
+                <a:solidFill>
+                  <a:schemeClr val="accent2">
+                    <a:lumMod val="75000"/>
+                  </a:schemeClr>
+                </a:solidFill>
+                <a:effectLst>
+                  <a:outerShdw blurRad="50800" dist="38100" dir="2700000" algn="tl" rotWithShape="0">
+                    <a:srgbClr val="000000">
+                      <a:alpha val="26000"/>
+                    </a:srgbClr>
+                  </a:outerShdw>
+                </a:effectLst>
+              </a:rPr>
+              <a:t>Current</a:t>
+            </a:r>
+            <a:r>
+              <a:rPr lang="it-IT" dirty="0" smtClean="0">
+                <a:solidFill>
+                  <a:schemeClr val="accent2">
+                    <a:lumMod val="75000"/>
+                  </a:schemeClr>
+                </a:solidFill>
+                <a:effectLst>
+                  <a:outerShdw blurRad="50800" dist="38100" dir="2700000" algn="tl" rotWithShape="0">
+                    <a:srgbClr val="000000">
+                      <a:alpha val="26000"/>
+                    </a:srgbClr>
+                  </a:outerShdw>
+                </a:effectLst>
+              </a:rPr>
+              <a:t> status</a:t>
+            </a:r>
+            <a:endParaRPr lang="it-IT" dirty="0"/>
+          </a:p>
+        </p:txBody>
+      </p:sp>
+      <p:sp>
+        <p:nvSpPr>
+          <p:cNvPr id="5" name="Segnaposto contenuto 2"/>
+          <p:cNvSpPr>
+            <a:spLocks noGrp="1"/>
+          </p:cNvSpPr>
+          <p:nvPr>
+            <p:ph idx="1"/>
+          </p:nvPr>
+        </p:nvSpPr>
+        <p:spPr>
+          <a:xfrm>
+            <a:off x="457200" y="1600200"/>
+            <a:ext cx="8229600" cy="5022273"/>
+          </a:xfrm>
+        </p:spPr>
+        <p:txBody>
+          <a:bodyPr>
+            <a:normAutofit fontScale="62500" lnSpcReduction="20000"/>
+          </a:bodyPr>
+          <a:lstStyle/>
+          <a:p>
+            <a:r>
+              <a:rPr lang="it-IT" dirty="0" err="1" smtClean="0">
+                <a:effectLst>
+                  <a:outerShdw blurRad="38100" dist="38100" dir="2700000" algn="tl">
+                    <a:srgbClr val="000000">
+                      <a:alpha val="43137"/>
+                    </a:srgbClr>
+                  </a:outerShdw>
+                </a:effectLst>
+              </a:rPr>
+              <a:t>Currently</a:t>
+            </a:r>
+            <a:r>
+              <a:rPr lang="it-IT" dirty="0" smtClean="0">
+                <a:effectLst>
+                  <a:outerShdw blurRad="38100" dist="38100" dir="2700000" algn="tl">
+                    <a:srgbClr val="000000">
+                      <a:alpha val="43137"/>
+                    </a:srgbClr>
+                  </a:outerShdw>
+                </a:effectLst>
+              </a:rPr>
+              <a:t> </a:t>
+            </a:r>
+            <a:r>
+              <a:rPr lang="it-IT" dirty="0" err="1" smtClean="0">
+                <a:effectLst>
+                  <a:outerShdw blurRad="38100" dist="38100" dir="2700000" algn="tl">
+                    <a:srgbClr val="000000">
+                      <a:alpha val="43137"/>
+                    </a:srgbClr>
+                  </a:outerShdw>
+                </a:effectLst>
+              </a:rPr>
+              <a:t>installed</a:t>
+            </a:r>
+            <a:r>
+              <a:rPr lang="it-IT" dirty="0" smtClean="0">
+                <a:effectLst>
+                  <a:outerShdw blurRad="38100" dist="38100" dir="2700000" algn="tl">
+                    <a:srgbClr val="000000">
+                      <a:alpha val="43137"/>
+                    </a:srgbClr>
+                  </a:outerShdw>
+                </a:effectLst>
+              </a:rPr>
+              <a:t> on a </a:t>
+            </a:r>
+            <a:r>
+              <a:rPr lang="it-IT" dirty="0" err="1" smtClean="0">
+                <a:effectLst>
+                  <a:outerShdw blurRad="38100" dist="38100" dir="2700000" algn="tl">
+                    <a:srgbClr val="000000">
+                      <a:alpha val="43137"/>
+                    </a:srgbClr>
+                  </a:outerShdw>
+                </a:effectLst>
+              </a:rPr>
+              <a:t>testing</a:t>
+            </a:r>
+            <a:r>
+              <a:rPr lang="it-IT" dirty="0" smtClean="0">
+                <a:effectLst>
+                  <a:outerShdw blurRad="38100" dist="38100" dir="2700000" algn="tl">
+                    <a:srgbClr val="000000">
+                      <a:alpha val="43137"/>
+                    </a:srgbClr>
+                  </a:outerShdw>
+                </a:effectLst>
+              </a:rPr>
+              <a:t> machine in the MAIS lab</a:t>
+            </a:r>
+          </a:p>
+          <a:p>
+            <a:r>
+              <a:rPr lang="it-IT" dirty="0" smtClean="0">
+                <a:effectLst>
+                  <a:outerShdw blurRad="38100" dist="38100" dir="2700000" algn="tl">
+                    <a:srgbClr val="000000">
+                      <a:alpha val="43137"/>
+                    </a:srgbClr>
+                  </a:outerShdw>
+                </a:effectLst>
+              </a:rPr>
+              <a:t>ZFS</a:t>
+            </a:r>
+          </a:p>
+          <a:p>
+            <a:pPr lvl="1"/>
+            <a:r>
+              <a:rPr lang="it-IT" dirty="0" err="1" smtClean="0"/>
+              <a:t>Installed</a:t>
+            </a:r>
+            <a:r>
+              <a:rPr lang="it-IT" dirty="0" smtClean="0"/>
+              <a:t> </a:t>
+            </a:r>
+            <a:r>
+              <a:rPr lang="it-IT" dirty="0" err="1" smtClean="0"/>
+              <a:t>as</a:t>
+            </a:r>
+            <a:r>
+              <a:rPr lang="it-IT" dirty="0" smtClean="0"/>
+              <a:t> </a:t>
+            </a:r>
+            <a:r>
+              <a:rPr lang="it-IT" dirty="0" err="1" smtClean="0"/>
+              <a:t>user</a:t>
+            </a:r>
+            <a:r>
+              <a:rPr lang="it-IT" dirty="0" smtClean="0"/>
+              <a:t> </a:t>
+            </a:r>
+            <a:r>
+              <a:rPr lang="it-IT" dirty="0" err="1" smtClean="0"/>
+              <a:t>space</a:t>
+            </a:r>
+            <a:r>
+              <a:rPr lang="it-IT" dirty="0" smtClean="0"/>
+              <a:t> </a:t>
+            </a:r>
+            <a:r>
+              <a:rPr lang="it-IT" dirty="0" err="1" smtClean="0"/>
+              <a:t>module</a:t>
+            </a:r>
+            <a:r>
+              <a:rPr lang="it-IT" dirty="0" smtClean="0"/>
+              <a:t>, </a:t>
+            </a:r>
+            <a:r>
+              <a:rPr lang="it-IT" dirty="0" err="1" smtClean="0"/>
+              <a:t>serving</a:t>
+            </a:r>
+            <a:r>
+              <a:rPr lang="it-IT" dirty="0" smtClean="0"/>
+              <a:t> </a:t>
+            </a:r>
+            <a:r>
+              <a:rPr lang="it-IT" dirty="0" err="1" smtClean="0"/>
+              <a:t>as</a:t>
+            </a:r>
+            <a:r>
+              <a:rPr lang="it-IT" dirty="0" smtClean="0"/>
+              <a:t> </a:t>
+            </a:r>
+            <a:r>
+              <a:rPr lang="it-IT" dirty="0" err="1" smtClean="0"/>
+              <a:t>storage</a:t>
+            </a:r>
+            <a:r>
+              <a:rPr lang="it-IT" dirty="0" smtClean="0"/>
+              <a:t> </a:t>
+            </a:r>
+            <a:r>
+              <a:rPr lang="it-IT" dirty="0" err="1" smtClean="0"/>
+              <a:t>space</a:t>
+            </a:r>
+            <a:r>
+              <a:rPr lang="it-IT" dirty="0" smtClean="0"/>
+              <a:t> for </a:t>
+            </a:r>
+            <a:r>
+              <a:rPr lang="it-IT" dirty="0" err="1" smtClean="0"/>
+              <a:t>CouchDB</a:t>
+            </a:r>
+            <a:endParaRPr lang="it-IT" dirty="0" smtClean="0"/>
+          </a:p>
+          <a:p>
+            <a:r>
+              <a:rPr lang="it-IT" dirty="0" smtClean="0">
+                <a:effectLst>
+                  <a:outerShdw blurRad="38100" dist="38100" dir="2700000" algn="tl">
+                    <a:srgbClr val="000000">
+                      <a:alpha val="43137"/>
+                    </a:srgbClr>
+                  </a:outerShdw>
+                </a:effectLst>
+              </a:rPr>
+              <a:t>PDB to JSON </a:t>
+            </a:r>
+            <a:r>
+              <a:rPr lang="it-IT" dirty="0" err="1" smtClean="0">
+                <a:effectLst>
+                  <a:outerShdw blurRad="38100" dist="38100" dir="2700000" algn="tl">
+                    <a:srgbClr val="000000">
+                      <a:alpha val="43137"/>
+                    </a:srgbClr>
+                  </a:outerShdw>
+                </a:effectLst>
+              </a:rPr>
+              <a:t>parser</a:t>
+            </a:r>
+            <a:endParaRPr lang="it-IT" dirty="0" smtClean="0">
+              <a:effectLst>
+                <a:outerShdw blurRad="38100" dist="38100" dir="2700000" algn="tl">
+                  <a:srgbClr val="000000">
+                    <a:alpha val="43137"/>
+                  </a:srgbClr>
+                </a:outerShdw>
+              </a:effectLst>
+            </a:endParaRPr>
+          </a:p>
+          <a:p>
+            <a:pPr lvl="1"/>
+            <a:r>
+              <a:rPr lang="it-IT" dirty="0" err="1" smtClean="0"/>
+              <a:t>Currently</a:t>
+            </a:r>
+            <a:r>
+              <a:rPr lang="it-IT" dirty="0" smtClean="0"/>
+              <a:t> </a:t>
+            </a:r>
+            <a:r>
+              <a:rPr lang="it-IT" dirty="0" err="1" smtClean="0"/>
+              <a:t>extracting</a:t>
+            </a:r>
+            <a:r>
+              <a:rPr lang="it-IT" dirty="0" smtClean="0"/>
+              <a:t> </a:t>
+            </a:r>
+            <a:r>
+              <a:rPr lang="it-IT" dirty="0" err="1" smtClean="0"/>
+              <a:t>all</a:t>
+            </a:r>
+            <a:r>
+              <a:rPr lang="it-IT" dirty="0" smtClean="0"/>
+              <a:t> the </a:t>
+            </a:r>
+            <a:r>
+              <a:rPr lang="it-IT" dirty="0" err="1" smtClean="0"/>
+              <a:t>necessary</a:t>
+            </a:r>
+            <a:r>
+              <a:rPr lang="it-IT" dirty="0" smtClean="0"/>
+              <a:t> infos for a PDB </a:t>
+            </a:r>
+            <a:r>
+              <a:rPr lang="it-IT" dirty="0" err="1" smtClean="0"/>
+              <a:t>entity</a:t>
+            </a:r>
+            <a:r>
+              <a:rPr lang="it-IT" dirty="0" smtClean="0"/>
+              <a:t> file. </a:t>
+            </a:r>
+            <a:r>
+              <a:rPr lang="it-IT" dirty="0" err="1" smtClean="0"/>
+              <a:t>Very</a:t>
+            </a:r>
+            <a:r>
+              <a:rPr lang="it-IT" dirty="0" smtClean="0"/>
+              <a:t> </a:t>
+            </a:r>
+            <a:r>
+              <a:rPr lang="it-IT" dirty="0" err="1" smtClean="0"/>
+              <a:t>flat</a:t>
+            </a:r>
+            <a:r>
+              <a:rPr lang="it-IT" dirty="0" smtClean="0"/>
+              <a:t> </a:t>
+            </a:r>
+            <a:r>
+              <a:rPr lang="it-IT" dirty="0" err="1" smtClean="0"/>
+              <a:t>structure</a:t>
+            </a:r>
+            <a:r>
+              <a:rPr lang="it-IT" dirty="0" smtClean="0"/>
+              <a:t>.</a:t>
+            </a:r>
+          </a:p>
+          <a:p>
+            <a:pPr lvl="1"/>
+            <a:r>
+              <a:rPr lang="it-IT" dirty="0" err="1" smtClean="0"/>
+              <a:t>Ironing</a:t>
+            </a:r>
+            <a:r>
+              <a:rPr lang="it-IT" dirty="0" smtClean="0"/>
+              <a:t> out the last </a:t>
+            </a:r>
+            <a:r>
+              <a:rPr lang="it-IT" dirty="0" err="1" smtClean="0"/>
+              <a:t>bugs</a:t>
+            </a:r>
+            <a:r>
+              <a:rPr lang="it-IT" dirty="0" smtClean="0"/>
+              <a:t>.</a:t>
+            </a:r>
+          </a:p>
+          <a:p>
+            <a:pPr lvl="1"/>
+            <a:r>
+              <a:rPr lang="it-IT" dirty="0" smtClean="0"/>
+              <a:t>Work in progress for the </a:t>
+            </a:r>
+            <a:r>
+              <a:rPr lang="it-IT" dirty="0" err="1" smtClean="0"/>
+              <a:t>monomers</a:t>
+            </a:r>
+            <a:r>
+              <a:rPr lang="it-IT" dirty="0" smtClean="0"/>
+              <a:t> </a:t>
+            </a:r>
+            <a:r>
+              <a:rPr lang="it-IT" dirty="0" err="1" smtClean="0"/>
+              <a:t>section</a:t>
+            </a:r>
+            <a:r>
+              <a:rPr lang="it-IT" dirty="0" smtClean="0"/>
+              <a:t> (</a:t>
+            </a:r>
+            <a:r>
+              <a:rPr lang="it-IT" dirty="0" err="1" smtClean="0"/>
+              <a:t>different</a:t>
+            </a:r>
+            <a:r>
+              <a:rPr lang="it-IT" dirty="0" smtClean="0"/>
+              <a:t> standard </a:t>
+            </a:r>
+            <a:r>
+              <a:rPr lang="it-IT" dirty="0" err="1" smtClean="0"/>
+              <a:t>used</a:t>
+            </a:r>
+            <a:r>
+              <a:rPr lang="it-IT" dirty="0" smtClean="0"/>
+              <a:t>)</a:t>
+            </a:r>
+          </a:p>
+          <a:p>
+            <a:r>
+              <a:rPr lang="it-IT" dirty="0" smtClean="0">
+                <a:effectLst>
+                  <a:outerShdw blurRad="38100" dist="38100" dir="2700000" algn="tl">
+                    <a:srgbClr val="000000">
+                      <a:alpha val="43137"/>
+                    </a:srgbClr>
+                  </a:outerShdw>
+                </a:effectLst>
+              </a:rPr>
+              <a:t>Background </a:t>
+            </a:r>
+            <a:r>
+              <a:rPr lang="it-IT" dirty="0" err="1" smtClean="0">
+                <a:effectLst>
+                  <a:outerShdw blurRad="38100" dist="38100" dir="2700000" algn="tl">
+                    <a:srgbClr val="000000">
+                      <a:alpha val="43137"/>
+                    </a:srgbClr>
+                  </a:outerShdw>
+                </a:effectLst>
+              </a:rPr>
+              <a:t>importer</a:t>
+            </a:r>
+            <a:endParaRPr lang="it-IT" dirty="0" smtClean="0">
+              <a:effectLst>
+                <a:outerShdw blurRad="38100" dist="38100" dir="2700000" algn="tl">
+                  <a:srgbClr val="000000">
+                    <a:alpha val="43137"/>
+                  </a:srgbClr>
+                </a:outerShdw>
+              </a:effectLst>
+            </a:endParaRPr>
+          </a:p>
+          <a:p>
+            <a:pPr lvl="1"/>
+            <a:r>
+              <a:rPr lang="it-IT" dirty="0" err="1" smtClean="0"/>
+              <a:t>Working</a:t>
+            </a:r>
+            <a:r>
+              <a:rPr lang="it-IT" dirty="0" smtClean="0"/>
+              <a:t> </a:t>
+            </a:r>
+            <a:r>
+              <a:rPr lang="it-IT" dirty="0" err="1" smtClean="0"/>
+              <a:t>nicely</a:t>
+            </a:r>
+            <a:r>
+              <a:rPr lang="it-IT" dirty="0" smtClean="0"/>
+              <a:t>, can import </a:t>
+            </a:r>
+            <a:r>
+              <a:rPr lang="it-IT" dirty="0" err="1" smtClean="0"/>
+              <a:t>thousand</a:t>
+            </a:r>
+            <a:r>
+              <a:rPr lang="it-IT" dirty="0" smtClean="0"/>
+              <a:t> of </a:t>
+            </a:r>
+            <a:r>
+              <a:rPr lang="it-IT" dirty="0" err="1" smtClean="0"/>
+              <a:t>proteins</a:t>
+            </a:r>
+            <a:r>
+              <a:rPr lang="it-IT" dirty="0" smtClean="0"/>
+              <a:t> </a:t>
+            </a:r>
+            <a:r>
+              <a:rPr lang="it-IT" dirty="0" err="1" smtClean="0"/>
+              <a:t>into</a:t>
+            </a:r>
+            <a:r>
+              <a:rPr lang="it-IT" dirty="0" smtClean="0"/>
+              <a:t> </a:t>
+            </a:r>
+            <a:r>
+              <a:rPr lang="it-IT" dirty="0" err="1" smtClean="0"/>
+              <a:t>CouchDB</a:t>
+            </a:r>
+            <a:r>
+              <a:rPr lang="it-IT" dirty="0" smtClean="0"/>
+              <a:t> in minutes.</a:t>
+            </a:r>
+          </a:p>
+          <a:p>
+            <a:r>
+              <a:rPr lang="it-IT" dirty="0" err="1" smtClean="0">
+                <a:effectLst>
+                  <a:outerShdw blurRad="38100" dist="38100" dir="2700000" algn="tl">
+                    <a:srgbClr val="000000">
+                      <a:alpha val="43137"/>
+                    </a:srgbClr>
+                  </a:outerShdw>
+                </a:effectLst>
+              </a:rPr>
+              <a:t>CouchDB</a:t>
+            </a:r>
+            <a:r>
+              <a:rPr lang="it-IT" dirty="0" smtClean="0">
+                <a:effectLst>
+                  <a:outerShdw blurRad="38100" dist="38100" dir="2700000" algn="tl">
+                    <a:srgbClr val="000000">
+                      <a:alpha val="43137"/>
+                    </a:srgbClr>
+                  </a:outerShdw>
+                </a:effectLst>
+              </a:rPr>
+              <a:t> api for </a:t>
+            </a:r>
+            <a:r>
+              <a:rPr lang="it-IT" dirty="0" err="1" smtClean="0">
+                <a:effectLst>
+                  <a:outerShdw blurRad="38100" dist="38100" dir="2700000" algn="tl">
+                    <a:srgbClr val="000000">
+                      <a:alpha val="43137"/>
+                    </a:srgbClr>
+                  </a:outerShdw>
+                </a:effectLst>
+              </a:rPr>
+              <a:t>retrieval</a:t>
+            </a:r>
+            <a:r>
+              <a:rPr lang="it-IT" dirty="0" smtClean="0">
+                <a:effectLst>
+                  <a:outerShdw blurRad="38100" dist="38100" dir="2700000" algn="tl">
+                    <a:srgbClr val="000000">
+                      <a:alpha val="43137"/>
+                    </a:srgbClr>
+                  </a:outerShdw>
+                </a:effectLst>
+              </a:rPr>
+              <a:t> and </a:t>
+            </a:r>
+            <a:r>
+              <a:rPr lang="it-IT" dirty="0" err="1" smtClean="0">
+                <a:effectLst>
+                  <a:outerShdw blurRad="38100" dist="38100" dir="2700000" algn="tl">
+                    <a:srgbClr val="000000">
+                      <a:alpha val="43137"/>
+                    </a:srgbClr>
+                  </a:outerShdw>
+                </a:effectLst>
+              </a:rPr>
+              <a:t>insertion</a:t>
+            </a:r>
+            <a:endParaRPr lang="it-IT" dirty="0" smtClean="0">
+              <a:effectLst>
+                <a:outerShdw blurRad="38100" dist="38100" dir="2700000" algn="tl">
+                  <a:srgbClr val="000000">
+                    <a:alpha val="43137"/>
+                  </a:srgbClr>
+                </a:outerShdw>
+              </a:effectLst>
+            </a:endParaRPr>
+          </a:p>
+          <a:p>
+            <a:pPr lvl="1"/>
+            <a:r>
+              <a:rPr lang="it-IT" dirty="0" err="1" smtClean="0"/>
+              <a:t>Currently</a:t>
+            </a:r>
+            <a:r>
+              <a:rPr lang="it-IT" dirty="0" smtClean="0"/>
+              <a:t> in </a:t>
+            </a:r>
+            <a:r>
+              <a:rPr lang="it-IT" dirty="0" err="1" smtClean="0"/>
+              <a:t>stable</a:t>
+            </a:r>
+            <a:r>
+              <a:rPr lang="it-IT" dirty="0" smtClean="0"/>
+              <a:t> </a:t>
+            </a:r>
+            <a:r>
+              <a:rPr lang="it-IT" dirty="0" err="1" smtClean="0"/>
+              <a:t>version</a:t>
+            </a:r>
+            <a:endParaRPr lang="it-IT" dirty="0"/>
+          </a:p>
+          <a:p>
+            <a:pPr lvl="1"/>
+            <a:r>
+              <a:rPr lang="it-IT" dirty="0" smtClean="0"/>
+              <a:t>Can be </a:t>
+            </a:r>
+            <a:r>
+              <a:rPr lang="it-IT" dirty="0" err="1" smtClean="0"/>
+              <a:t>easily</a:t>
+            </a:r>
+            <a:r>
+              <a:rPr lang="it-IT" dirty="0" smtClean="0"/>
+              <a:t> </a:t>
+            </a:r>
+            <a:r>
+              <a:rPr lang="it-IT" dirty="0" err="1" smtClean="0"/>
+              <a:t>modified</a:t>
+            </a:r>
+            <a:r>
+              <a:rPr lang="it-IT" dirty="0" smtClean="0"/>
+              <a:t> to </a:t>
+            </a:r>
+            <a:r>
+              <a:rPr lang="it-IT" dirty="0" err="1" smtClean="0"/>
+              <a:t>allow</a:t>
+            </a:r>
+            <a:r>
+              <a:rPr lang="it-IT" dirty="0" smtClean="0"/>
+              <a:t> custom </a:t>
+            </a:r>
+            <a:r>
+              <a:rPr lang="it-IT" dirty="0" err="1" smtClean="0"/>
+              <a:t>query</a:t>
+            </a:r>
+            <a:r>
+              <a:rPr lang="it-IT" dirty="0" smtClean="0"/>
+              <a:t> </a:t>
+            </a:r>
+            <a:r>
+              <a:rPr lang="it-IT" dirty="0" err="1" smtClean="0"/>
+              <a:t>through</a:t>
+            </a:r>
+            <a:r>
+              <a:rPr lang="it-IT" dirty="0" smtClean="0"/>
+              <a:t> </a:t>
+            </a:r>
+            <a:r>
+              <a:rPr lang="it-IT" dirty="0" err="1" smtClean="0"/>
+              <a:t>MapReduce</a:t>
+            </a:r>
+            <a:endParaRPr lang="it-IT" dirty="0"/>
+          </a:p>
+          <a:p>
+            <a:r>
+              <a:rPr lang="it-IT" dirty="0" smtClean="0">
+                <a:effectLst>
+                  <a:outerShdw blurRad="38100" dist="38100" dir="2700000" algn="tl">
+                    <a:srgbClr val="000000">
+                      <a:alpha val="43137"/>
+                    </a:srgbClr>
+                  </a:outerShdw>
+                </a:effectLst>
+              </a:rPr>
+              <a:t>REST service</a:t>
+            </a:r>
+          </a:p>
+          <a:p>
+            <a:pPr lvl="1"/>
+            <a:r>
+              <a:rPr lang="it-IT" dirty="0" err="1" smtClean="0"/>
+              <a:t>Testing</a:t>
+            </a:r>
+            <a:r>
+              <a:rPr lang="it-IT" dirty="0" smtClean="0"/>
+              <a:t> in progress</a:t>
+            </a:r>
+          </a:p>
+          <a:p>
+            <a:r>
+              <a:rPr lang="it-IT" dirty="0" smtClean="0">
+                <a:effectLst>
+                  <a:outerShdw blurRad="38100" dist="38100" dir="2700000" algn="tl">
+                    <a:srgbClr val="000000">
+                      <a:alpha val="43137"/>
+                    </a:srgbClr>
+                  </a:outerShdw>
+                </a:effectLst>
+              </a:rPr>
+              <a:t>Administration Interface</a:t>
+            </a:r>
+          </a:p>
+          <a:p>
+            <a:pPr lvl="1"/>
+            <a:r>
+              <a:rPr lang="it-IT" dirty="0" smtClean="0"/>
+              <a:t>Work in Progress</a:t>
+            </a:r>
+            <a:endParaRPr lang="it-IT" dirty="0" smtClean="0"/>
+          </a:p>
+          <a:p>
+            <a:pPr lvl="1">
+              <a:buNone/>
+            </a:pPr>
+            <a:endParaRPr lang="it-IT" dirty="0" smtClean="0"/>
+          </a:p>
+          <a:p>
+            <a:pPr lvl="1">
+              <a:buNone/>
+            </a:pPr>
+            <a:endParaRPr lang="it-IT" dirty="0" smtClean="0"/>
+          </a:p>
+        </p:txBody>
+      </p:sp>
+    </p:spTree>
+    <p:extLst>
+      <p:ext uri="{BB962C8B-B14F-4D97-AF65-F5344CB8AC3E}">
+        <p14:creationId xmlns:p14="http://schemas.microsoft.com/office/powerpoint/2010/main" val="1089228512"/>
+      </p:ext>
+    </p:extLst>
+  </p:cSld>
+  <p:clrMapOvr>
+    <a:masterClrMapping/>
+  </p:clrMapOvr>
+  <p:timing>
+    <p:tnLst>
+      <p:par>
+        <p:cTn id="1" dur="indefinite" restart="never" nodeType="tmRoot"/>
+      </p:par>
+    </p:tnLst>
+  </p:timing>
+</p:sld>
+</file>
+
+<file path=ppt/slides/slide7.xml><?xml version="1.0" encoding="utf-8"?>
+<p:sld xmlns:a="http://schemas.openxmlformats.org/drawingml/2006/main" xmlns:r="http://schemas.openxmlformats.org/officeDocument/2006/relationships" xmlns:p="http://schemas.openxmlformats.org/presentationml/2006/main">
+  <p:cSld>
+    <p:spTree>
+      <p:nvGrpSpPr>
+        <p:cNvPr id="1" name=""/>
+        <p:cNvGrpSpPr/>
+        <p:nvPr/>
+      </p:nvGrpSpPr>
+      <p:grpSpPr>
+        <a:xfrm>
+          <a:off x="0" y="0"/>
+          <a:ext cx="0" cy="0"/>
+          <a:chOff x="0" y="0"/>
+          <a:chExt cx="0" cy="0"/>
+        </a:xfrm>
+      </p:grpSpPr>
+      <p:sp>
+        <p:nvSpPr>
+          <p:cNvPr id="2" name="Titolo 1"/>
+          <p:cNvSpPr>
+            <a:spLocks noGrp="1"/>
+          </p:cNvSpPr>
+          <p:nvPr>
+            <p:ph type="title"/>
+          </p:nvPr>
+        </p:nvSpPr>
+        <p:spPr/>
+        <p:txBody>
+          <a:bodyPr/>
+          <a:lstStyle/>
+          <a:p>
+            <a:r>
+              <a:rPr lang="it-IT" dirty="0" err="1" smtClean="0">
+                <a:solidFill>
+                  <a:schemeClr val="accent2">
+                    <a:lumMod val="75000"/>
+                  </a:schemeClr>
+                </a:solidFill>
+                <a:effectLst>
+                  <a:outerShdw blurRad="50800" dist="38100" dir="2700000" algn="tl" rotWithShape="0">
+                    <a:srgbClr val="000000">
+                      <a:alpha val="26000"/>
+                    </a:srgbClr>
+                  </a:outerShdw>
+                </a:effectLst>
+              </a:rPr>
+              <a:t>What’s</a:t>
+            </a:r>
+            <a:r>
+              <a:rPr lang="it-IT" dirty="0" smtClean="0">
+                <a:solidFill>
+                  <a:schemeClr val="accent2">
+                    <a:lumMod val="75000"/>
+                  </a:schemeClr>
+                </a:solidFill>
+                <a:effectLst>
+                  <a:outerShdw blurRad="50800" dist="38100" dir="2700000" algn="tl" rotWithShape="0">
+                    <a:srgbClr val="000000">
+                      <a:alpha val="26000"/>
+                    </a:srgbClr>
+                  </a:outerShdw>
+                </a:effectLst>
+              </a:rPr>
+              <a:t> </a:t>
+            </a:r>
+            <a:r>
+              <a:rPr lang="it-IT" dirty="0" err="1" smtClean="0">
+                <a:solidFill>
+                  <a:schemeClr val="accent2">
+                    <a:lumMod val="75000"/>
+                  </a:schemeClr>
+                </a:solidFill>
+                <a:effectLst>
+                  <a:outerShdw blurRad="50800" dist="38100" dir="2700000" algn="tl" rotWithShape="0">
+                    <a:srgbClr val="000000">
+                      <a:alpha val="26000"/>
+                    </a:srgbClr>
+                  </a:outerShdw>
+                </a:effectLst>
+              </a:rPr>
+              <a:t>next</a:t>
+            </a:r>
+            <a:r>
+              <a:rPr lang="it-IT" dirty="0" smtClean="0">
+                <a:solidFill>
+                  <a:schemeClr val="accent2">
+                    <a:lumMod val="75000"/>
+                  </a:schemeClr>
+                </a:solidFill>
+                <a:effectLst>
+                  <a:outerShdw blurRad="50800" dist="38100" dir="2700000" algn="tl" rotWithShape="0">
+                    <a:srgbClr val="000000">
+                      <a:alpha val="26000"/>
+                    </a:srgbClr>
+                  </a:outerShdw>
+                </a:effectLst>
+              </a:rPr>
+              <a:t>?</a:t>
+            </a:r>
+            <a:endParaRPr lang="it-IT" dirty="0"/>
+          </a:p>
+        </p:txBody>
+      </p:sp>
+      <p:sp>
+        <p:nvSpPr>
+          <p:cNvPr id="4" name="Segnaposto contenuto 2"/>
+          <p:cNvSpPr>
+            <a:spLocks noGrp="1"/>
+          </p:cNvSpPr>
+          <p:nvPr>
+            <p:ph idx="1"/>
+          </p:nvPr>
+        </p:nvSpPr>
+        <p:spPr>
+          <a:xfrm>
+            <a:off x="457200" y="1600200"/>
+            <a:ext cx="8229600" cy="5022273"/>
+          </a:xfrm>
+        </p:spPr>
+        <p:txBody>
+          <a:bodyPr>
+            <a:normAutofit fontScale="92500" lnSpcReduction="20000"/>
+          </a:bodyPr>
+          <a:lstStyle/>
+          <a:p>
+            <a:r>
+              <a:rPr lang="it-IT" dirty="0" err="1" smtClean="0">
+                <a:effectLst>
+                  <a:outerShdw blurRad="38100" dist="38100" dir="2700000" algn="tl">
+                    <a:srgbClr val="000000">
+                      <a:alpha val="43137"/>
+                    </a:srgbClr>
+                  </a:outerShdw>
+                </a:effectLst>
+              </a:rPr>
+              <a:t>Moving</a:t>
+            </a:r>
+            <a:r>
+              <a:rPr lang="it-IT" dirty="0" smtClean="0">
+                <a:effectLst>
+                  <a:outerShdw blurRad="38100" dist="38100" dir="2700000" algn="tl">
+                    <a:srgbClr val="000000">
+                      <a:alpha val="43137"/>
+                    </a:srgbClr>
+                  </a:outerShdw>
+                </a:effectLst>
+              </a:rPr>
+              <a:t> the </a:t>
+            </a:r>
+            <a:r>
+              <a:rPr lang="it-IT" dirty="0" err="1" smtClean="0">
+                <a:effectLst>
+                  <a:outerShdw blurRad="38100" dist="38100" dir="2700000" algn="tl">
+                    <a:srgbClr val="000000">
+                      <a:alpha val="43137"/>
+                    </a:srgbClr>
+                  </a:outerShdw>
+                </a:effectLst>
+              </a:rPr>
+              <a:t>instance</a:t>
+            </a:r>
+            <a:r>
+              <a:rPr lang="it-IT" dirty="0" smtClean="0">
+                <a:effectLst>
+                  <a:outerShdw blurRad="38100" dist="38100" dir="2700000" algn="tl">
+                    <a:srgbClr val="000000">
+                      <a:alpha val="43137"/>
+                    </a:srgbClr>
+                  </a:outerShdw>
+                </a:effectLst>
+              </a:rPr>
+              <a:t> on the Apple Storage Server</a:t>
+            </a:r>
+          </a:p>
+          <a:p>
+            <a:r>
+              <a:rPr lang="it-IT" dirty="0" smtClean="0">
+                <a:effectLst>
+                  <a:outerShdw blurRad="38100" dist="38100" dir="2700000" algn="tl">
+                    <a:srgbClr val="000000">
+                      <a:alpha val="43137"/>
+                    </a:srgbClr>
+                  </a:outerShdw>
+                </a:effectLst>
+              </a:rPr>
+              <a:t>PDB to JSON </a:t>
+            </a:r>
+            <a:r>
+              <a:rPr lang="it-IT" dirty="0" err="1" smtClean="0">
+                <a:effectLst>
+                  <a:outerShdw blurRad="38100" dist="38100" dir="2700000" algn="tl">
+                    <a:srgbClr val="000000">
+                      <a:alpha val="43137"/>
+                    </a:srgbClr>
+                  </a:outerShdw>
+                </a:effectLst>
+              </a:rPr>
+              <a:t>parser</a:t>
+            </a:r>
+            <a:endParaRPr lang="it-IT" dirty="0" smtClean="0">
+              <a:effectLst>
+                <a:outerShdw blurRad="38100" dist="38100" dir="2700000" algn="tl">
+                  <a:srgbClr val="000000">
+                    <a:alpha val="43137"/>
+                  </a:srgbClr>
+                </a:outerShdw>
+              </a:effectLst>
+            </a:endParaRPr>
+          </a:p>
+          <a:p>
+            <a:pPr lvl="1"/>
+            <a:r>
+              <a:rPr lang="it-IT" dirty="0" err="1" smtClean="0"/>
+              <a:t>Less</a:t>
+            </a:r>
+            <a:r>
+              <a:rPr lang="it-IT" dirty="0" smtClean="0"/>
+              <a:t> </a:t>
+            </a:r>
+            <a:r>
+              <a:rPr lang="it-IT" dirty="0" err="1" smtClean="0"/>
+              <a:t>flat</a:t>
+            </a:r>
+            <a:r>
+              <a:rPr lang="it-IT" dirty="0" smtClean="0"/>
+              <a:t> </a:t>
+            </a:r>
+            <a:r>
+              <a:rPr lang="it-IT" dirty="0" err="1" smtClean="0"/>
+              <a:t>structure</a:t>
+            </a:r>
+            <a:r>
+              <a:rPr lang="it-IT" dirty="0" smtClean="0"/>
+              <a:t> to be </a:t>
+            </a:r>
+            <a:r>
+              <a:rPr lang="it-IT" dirty="0" err="1" smtClean="0"/>
+              <a:t>used</a:t>
+            </a:r>
+            <a:r>
+              <a:rPr lang="it-IT" dirty="0" smtClean="0"/>
+              <a:t> </a:t>
+            </a:r>
+            <a:r>
+              <a:rPr lang="it-IT" dirty="0" err="1" smtClean="0"/>
+              <a:t>easily</a:t>
+            </a:r>
+            <a:r>
+              <a:rPr lang="it-IT" dirty="0" smtClean="0"/>
+              <a:t> with </a:t>
+            </a:r>
+            <a:r>
+              <a:rPr lang="it-IT" dirty="0" err="1" smtClean="0"/>
+              <a:t>map-like</a:t>
+            </a:r>
+            <a:r>
+              <a:rPr lang="it-IT" dirty="0" smtClean="0"/>
+              <a:t> </a:t>
+            </a:r>
+            <a:r>
+              <a:rPr lang="it-IT" dirty="0" err="1" smtClean="0"/>
+              <a:t>javascript</a:t>
+            </a:r>
+            <a:r>
+              <a:rPr lang="it-IT" dirty="0" smtClean="0"/>
+              <a:t> </a:t>
+            </a:r>
+            <a:r>
+              <a:rPr lang="it-IT" dirty="0" err="1" smtClean="0"/>
+              <a:t>operators</a:t>
+            </a:r>
+            <a:endParaRPr lang="it-IT" dirty="0" smtClean="0"/>
+          </a:p>
+          <a:p>
+            <a:pPr lvl="1"/>
+            <a:r>
+              <a:rPr lang="it-IT" dirty="0" err="1" smtClean="0"/>
+              <a:t>Monomers</a:t>
+            </a:r>
+            <a:endParaRPr lang="it-IT" dirty="0" smtClean="0"/>
+          </a:p>
+          <a:p>
+            <a:r>
+              <a:rPr lang="it-IT" dirty="0" err="1" smtClean="0">
+                <a:effectLst>
+                  <a:outerShdw blurRad="38100" dist="38100" dir="2700000" algn="tl">
+                    <a:srgbClr val="000000">
+                      <a:alpha val="43137"/>
+                    </a:srgbClr>
+                  </a:outerShdw>
+                </a:effectLst>
+              </a:rPr>
+              <a:t>CouchDB</a:t>
+            </a:r>
+            <a:r>
+              <a:rPr lang="it-IT" dirty="0" smtClean="0">
+                <a:effectLst>
+                  <a:outerShdw blurRad="38100" dist="38100" dir="2700000" algn="tl">
+                    <a:srgbClr val="000000">
+                      <a:alpha val="43137"/>
+                    </a:srgbClr>
+                  </a:outerShdw>
+                </a:effectLst>
+              </a:rPr>
+              <a:t> api for </a:t>
+            </a:r>
+            <a:r>
+              <a:rPr lang="it-IT" dirty="0" err="1" smtClean="0">
+                <a:effectLst>
+                  <a:outerShdw blurRad="38100" dist="38100" dir="2700000" algn="tl">
+                    <a:srgbClr val="000000">
+                      <a:alpha val="43137"/>
+                    </a:srgbClr>
+                  </a:outerShdw>
+                </a:effectLst>
+              </a:rPr>
+              <a:t>retrieval</a:t>
+            </a:r>
+            <a:r>
+              <a:rPr lang="it-IT" dirty="0" smtClean="0">
+                <a:effectLst>
+                  <a:outerShdw blurRad="38100" dist="38100" dir="2700000" algn="tl">
+                    <a:srgbClr val="000000">
+                      <a:alpha val="43137"/>
+                    </a:srgbClr>
+                  </a:outerShdw>
+                </a:effectLst>
+              </a:rPr>
+              <a:t> and </a:t>
+            </a:r>
+            <a:r>
+              <a:rPr lang="it-IT" dirty="0" err="1" smtClean="0">
+                <a:effectLst>
+                  <a:outerShdw blurRad="38100" dist="38100" dir="2700000" algn="tl">
+                    <a:srgbClr val="000000">
+                      <a:alpha val="43137"/>
+                    </a:srgbClr>
+                  </a:outerShdw>
+                </a:effectLst>
+              </a:rPr>
+              <a:t>insertion</a:t>
+            </a:r>
+            <a:endParaRPr lang="it-IT" dirty="0" smtClean="0">
+              <a:effectLst>
+                <a:outerShdw blurRad="38100" dist="38100" dir="2700000" algn="tl">
+                  <a:srgbClr val="000000">
+                    <a:alpha val="43137"/>
+                  </a:srgbClr>
+                </a:outerShdw>
+              </a:effectLst>
+            </a:endParaRPr>
+          </a:p>
+          <a:p>
+            <a:pPr lvl="1"/>
+            <a:r>
+              <a:rPr lang="it-IT" dirty="0" smtClean="0"/>
+              <a:t>More </a:t>
+            </a:r>
+            <a:r>
+              <a:rPr lang="it-IT" dirty="0" err="1" smtClean="0"/>
+              <a:t>complex</a:t>
+            </a:r>
+            <a:r>
+              <a:rPr lang="it-IT" dirty="0" smtClean="0"/>
+              <a:t> </a:t>
+            </a:r>
+            <a:r>
+              <a:rPr lang="it-IT" dirty="0" err="1" smtClean="0"/>
+              <a:t>queries</a:t>
+            </a:r>
+            <a:endParaRPr lang="it-IT" dirty="0"/>
+          </a:p>
+          <a:p>
+            <a:r>
+              <a:rPr lang="it-IT" dirty="0" smtClean="0">
+                <a:effectLst>
+                  <a:outerShdw blurRad="38100" dist="38100" dir="2700000" algn="tl">
+                    <a:srgbClr val="000000">
+                      <a:alpha val="43137"/>
+                    </a:srgbClr>
+                  </a:outerShdw>
+                </a:effectLst>
+              </a:rPr>
+              <a:t>REST service</a:t>
+            </a:r>
+          </a:p>
+          <a:p>
+            <a:pPr lvl="1"/>
+            <a:r>
+              <a:rPr lang="it-IT" dirty="0" err="1" smtClean="0"/>
+              <a:t>Exporting</a:t>
+            </a:r>
+            <a:r>
+              <a:rPr lang="it-IT" dirty="0" smtClean="0"/>
+              <a:t> </a:t>
+            </a:r>
+            <a:r>
+              <a:rPr lang="it-IT" dirty="0" err="1" smtClean="0"/>
+              <a:t>interface</a:t>
+            </a:r>
+            <a:r>
+              <a:rPr lang="it-IT" dirty="0" smtClean="0"/>
+              <a:t> for </a:t>
+            </a:r>
+            <a:r>
+              <a:rPr lang="it-IT" dirty="0" err="1" smtClean="0"/>
+              <a:t>complex</a:t>
+            </a:r>
+            <a:r>
+              <a:rPr lang="it-IT" dirty="0" smtClean="0"/>
+              <a:t> </a:t>
+            </a:r>
+            <a:r>
+              <a:rPr lang="it-IT" dirty="0" err="1" smtClean="0"/>
+              <a:t>queries</a:t>
+            </a:r>
+            <a:endParaRPr lang="it-IT" dirty="0" smtClean="0"/>
+          </a:p>
+          <a:p>
+            <a:r>
+              <a:rPr lang="it-IT" dirty="0" smtClean="0">
+                <a:effectLst>
+                  <a:outerShdw blurRad="38100" dist="38100" dir="2700000" algn="tl">
+                    <a:srgbClr val="000000">
+                      <a:alpha val="43137"/>
+                    </a:srgbClr>
+                  </a:outerShdw>
+                </a:effectLst>
+              </a:rPr>
+              <a:t>Administration Interface</a:t>
+            </a:r>
+          </a:p>
+          <a:p>
+            <a:pPr lvl="1"/>
+            <a:r>
+              <a:rPr lang="it-IT" dirty="0" err="1" smtClean="0"/>
+              <a:t>Easily</a:t>
+            </a:r>
+            <a:r>
+              <a:rPr lang="it-IT" dirty="0" smtClean="0"/>
+              <a:t> </a:t>
+            </a:r>
+            <a:r>
+              <a:rPr lang="it-IT" dirty="0" err="1" smtClean="0"/>
+              <a:t>administrate</a:t>
+            </a:r>
+            <a:r>
+              <a:rPr lang="it-IT" dirty="0" smtClean="0"/>
+              <a:t> the </a:t>
+            </a:r>
+            <a:r>
+              <a:rPr lang="it-IT" dirty="0" err="1" smtClean="0"/>
+              <a:t>whole</a:t>
+            </a:r>
+            <a:r>
+              <a:rPr lang="it-IT" dirty="0" smtClean="0"/>
+              <a:t> </a:t>
+            </a:r>
+            <a:r>
+              <a:rPr lang="it-IT" dirty="0" err="1" smtClean="0"/>
+              <a:t>system</a:t>
+            </a:r>
+            <a:r>
+              <a:rPr lang="it-IT" dirty="0" smtClean="0"/>
+              <a:t> </a:t>
+            </a:r>
+            <a:r>
+              <a:rPr lang="it-IT" dirty="0" err="1" smtClean="0"/>
+              <a:t>through</a:t>
+            </a:r>
+            <a:r>
+              <a:rPr lang="it-IT" dirty="0" smtClean="0"/>
+              <a:t> a </a:t>
+            </a:r>
+            <a:r>
+              <a:rPr lang="it-IT" dirty="0" err="1" smtClean="0"/>
+              <a:t>nice</a:t>
+            </a:r>
+            <a:r>
+              <a:rPr lang="it-IT" dirty="0" smtClean="0"/>
+              <a:t> HTML </a:t>
+            </a:r>
+            <a:r>
+              <a:rPr lang="it-IT" dirty="0" err="1" smtClean="0"/>
+              <a:t>interface</a:t>
+            </a:r>
+            <a:endParaRPr lang="it-IT" dirty="0" smtClean="0"/>
+          </a:p>
+          <a:p>
+            <a:pPr lvl="1">
+              <a:buNone/>
+            </a:pPr>
+            <a:endParaRPr lang="it-IT" dirty="0" smtClean="0"/>
+          </a:p>
+          <a:p>
+            <a:pPr lvl="1">
+              <a:buNone/>
+            </a:pPr>
+            <a:endParaRPr lang="it-IT" dirty="0" smtClean="0"/>
+          </a:p>
+        </p:txBody>
+      </p:sp>
+    </p:spTree>
+    <p:extLst>
+      <p:ext uri="{BB962C8B-B14F-4D97-AF65-F5344CB8AC3E}">
+        <p14:creationId xmlns:p14="http://schemas.microsoft.com/office/powerpoint/2010/main" val="3603572614"/>
+      </p:ext>
+    </p:extLst>
+  </p:cSld>
+  <p:clrMapOvr>
+    <a:masterClrMapping/>
+  </p:clrMapOvr>
+  <p:timing>
+    <p:tnLst>
+      <p:par>
+        <p:cTn id="1" dur="indefinite" restart="never" nodeType="tmRoot"/>
+      </p:par>
+    </p:tnLst>
+  </p:timing>
+</p:sld>
+</file>
+
+<file path=ppt/slides/slide8.xml><?xml version="1.0" encoding="utf-8"?>
+<p:sld xmlns:a="http://schemas.openxmlformats.org/drawingml/2006/main" xmlns:r="http://schemas.openxmlformats.org/officeDocument/2006/relationships" xmlns:p="http://schemas.openxmlformats.org/presentationml/2006/main">
+  <p:cSld>
+    <p:spTree>
+      <p:nvGrpSpPr>
+        <p:cNvPr id="1" name=""/>
+        <p:cNvGrpSpPr/>
+        <p:nvPr/>
+      </p:nvGrpSpPr>
+      <p:grpSpPr>
+        <a:xfrm>
+          <a:off x="0" y="0"/>
+          <a:ext cx="0" cy="0"/>
+          <a:chOff x="0" y="0"/>
+          <a:chExt cx="0" cy="0"/>
+        </a:xfrm>
+      </p:grpSpPr>
+      <p:pic>
+        <p:nvPicPr>
+          <p:cNvPr id="1027" name="Picture 3"/>
+          <p:cNvPicPr>
+            <a:picLocks noChangeAspect="1" noChangeArrowheads="1"/>
+          </p:cNvPicPr>
+          <p:nvPr/>
+        </p:nvPicPr>
+        <p:blipFill>
+          <a:blip r:embed="rId2">
+            <a:extLst>
+              <a:ext uri="{28A0092B-C50C-407E-A947-70E740481C1C}">
+                <a14:useLocalDpi xmlns:a14="http://schemas.microsoft.com/office/drawing/2010/main" val="0"/>
+              </a:ext>
+            </a:extLst>
+          </a:blip>
+          <a:srcRect/>
+          <a:stretch>
+            <a:fillRect/>
+          </a:stretch>
+        </p:blipFill>
+        <p:spPr bwMode="auto">
+          <a:xfrm>
+            <a:off x="474517" y="321251"/>
+            <a:ext cx="8226137" cy="6169602"/>
+          </a:xfrm>
+          <a:prstGeom prst="rect">
+            <a:avLst/>
+          </a:prstGeom>
+          <a:noFill/>
+          <a:ln>
+            <a:noFill/>
+          </a:ln>
+          <a:effectLst/>
+          <a:extLst>
+            <a:ext uri="{909E8E84-426E-40DD-AFC4-6F175D3DCCD1}">
+              <a14:hiddenFill xmlns:a14="http://schemas.microsoft.com/office/drawing/2010/main">
+                <a:solidFill>
+                  <a:schemeClr val="accent1"/>
+                </a:solidFill>
+              </a14:hiddenFill>
+            </a:ext>
+            <a:ext uri="{91240B29-F687-4F45-9708-019B960494DF}">
+              <a14:hiddenLine xmlns:a14="http://schemas.microsoft.com/office/drawing/2010/main" w="9525">
+                <a:solidFill>
+                  <a:schemeClr val="tx1"/>
+                </a:solidFill>
+                <a:miter lim="800000"/>
+                <a:headEnd/>
+                <a:tailEnd/>
+              </a14:hiddenLine>
+            </a:ext>
+            <a:ext uri="{AF507438-7753-43E0-B8FC-AC1667EBCBE1}">
+              <a14:hiddenEffects xmlns:a14="http://schemas.microsoft.com/office/drawing/2010/main">
+                <a:effectLst>
+                  <a:outerShdw dist="35921" dir="2700000" algn="ctr" rotWithShape="0">
+                    <a:schemeClr val="bg2"/>
+                  </a:outerShdw>
+                </a:effectLst>
+              </a14:hiddenEffects>
+            </a:ext>
+          </a:extLst>
+        </p:spPr>
+      </p:pic>
+    </p:spTree>
+    <p:extLst>
+      <p:ext uri="{BB962C8B-B14F-4D97-AF65-F5344CB8AC3E}">
+        <p14:creationId xmlns:p14="http://schemas.microsoft.com/office/powerpoint/2010/main" val="747065925"/>
+      </p:ext>
+    </p:extLst>
+  </p:cSld>
+  <p:clrMapOvr>
+    <a:masterClrMapping/>
+  </p:clrMapOvr>
+  <p:timing>
+    <p:tnLst>
+      <p:par>
+        <p:cTn id="1" dur="indefinite" restart="never" nodeType="tmRoot"/>
+      </p:par>
+    </p:tnLst>
+  </p:timing>
 </p:sld>
 </file>
 

--- a/docs/webPDB.pptx
+++ b/docs/webPDB.pptx
@@ -295,7 +295,7 @@
           <a:p>
             <a:fld id="{0747035C-E568-9D4A-A4F2-0537E6791F68}" type="datetimeFigureOut">
               <a:rPr lang="it-IT" smtClean="0"/>
-              <a:t>04/05/2012</a:t>
+              <a:t>06/05/2012</a:t>
             </a:fld>
             <a:endParaRPr lang="it-IT"/>
           </a:p>
@@ -460,7 +460,7 @@
           <a:p>
             <a:fld id="{0747035C-E568-9D4A-A4F2-0537E6791F68}" type="datetimeFigureOut">
               <a:rPr lang="it-IT" smtClean="0"/>
-              <a:t>04/05/2012</a:t>
+              <a:t>06/05/2012</a:t>
             </a:fld>
             <a:endParaRPr lang="it-IT"/>
           </a:p>
@@ -635,7 +635,7 @@
           <a:p>
             <a:fld id="{0747035C-E568-9D4A-A4F2-0537E6791F68}" type="datetimeFigureOut">
               <a:rPr lang="it-IT" smtClean="0"/>
-              <a:t>04/05/2012</a:t>
+              <a:t>06/05/2012</a:t>
             </a:fld>
             <a:endParaRPr lang="it-IT"/>
           </a:p>
@@ -800,7 +800,7 @@
           <a:p>
             <a:fld id="{0747035C-E568-9D4A-A4F2-0537E6791F68}" type="datetimeFigureOut">
               <a:rPr lang="it-IT" smtClean="0"/>
-              <a:t>04/05/2012</a:t>
+              <a:t>06/05/2012</a:t>
             </a:fld>
             <a:endParaRPr lang="it-IT"/>
           </a:p>
@@ -1041,7 +1041,7 @@
           <a:p>
             <a:fld id="{0747035C-E568-9D4A-A4F2-0537E6791F68}" type="datetimeFigureOut">
               <a:rPr lang="it-IT" smtClean="0"/>
-              <a:t>04/05/2012</a:t>
+              <a:t>06/05/2012</a:t>
             </a:fld>
             <a:endParaRPr lang="it-IT"/>
           </a:p>
@@ -1324,7 +1324,7 @@
           <a:p>
             <a:fld id="{0747035C-E568-9D4A-A4F2-0537E6791F68}" type="datetimeFigureOut">
               <a:rPr lang="it-IT" smtClean="0"/>
-              <a:t>04/05/2012</a:t>
+              <a:t>06/05/2012</a:t>
             </a:fld>
             <a:endParaRPr lang="it-IT"/>
           </a:p>
@@ -1741,7 +1741,7 @@
           <a:p>
             <a:fld id="{0747035C-E568-9D4A-A4F2-0537E6791F68}" type="datetimeFigureOut">
               <a:rPr lang="it-IT" smtClean="0"/>
-              <a:t>04/05/2012</a:t>
+              <a:t>06/05/2012</a:t>
             </a:fld>
             <a:endParaRPr lang="it-IT"/>
           </a:p>
@@ -1854,7 +1854,7 @@
           <a:p>
             <a:fld id="{0747035C-E568-9D4A-A4F2-0537E6791F68}" type="datetimeFigureOut">
               <a:rPr lang="it-IT" smtClean="0"/>
-              <a:t>04/05/2012</a:t>
+              <a:t>06/05/2012</a:t>
             </a:fld>
             <a:endParaRPr lang="it-IT"/>
           </a:p>
@@ -1944,7 +1944,7 @@
           <a:p>
             <a:fld id="{0747035C-E568-9D4A-A4F2-0537E6791F68}" type="datetimeFigureOut">
               <a:rPr lang="it-IT" smtClean="0"/>
-              <a:t>04/05/2012</a:t>
+              <a:t>06/05/2012</a:t>
             </a:fld>
             <a:endParaRPr lang="it-IT"/>
           </a:p>
@@ -2216,7 +2216,7 @@
           <a:p>
             <a:fld id="{0747035C-E568-9D4A-A4F2-0537E6791F68}" type="datetimeFigureOut">
               <a:rPr lang="it-IT" smtClean="0"/>
-              <a:t>04/05/2012</a:t>
+              <a:t>06/05/2012</a:t>
             </a:fld>
             <a:endParaRPr lang="it-IT"/>
           </a:p>
@@ -2464,7 +2464,7 @@
           <a:p>
             <a:fld id="{0747035C-E568-9D4A-A4F2-0537E6791F68}" type="datetimeFigureOut">
               <a:rPr lang="it-IT" smtClean="0"/>
-              <a:t>04/05/2012</a:t>
+              <a:t>06/05/2012</a:t>
             </a:fld>
             <a:endParaRPr lang="it-IT"/>
           </a:p>
@@ -2672,7 +2672,7 @@
           <a:p>
             <a:fld id="{0747035C-E568-9D4A-A4F2-0537E6791F68}" type="datetimeFigureOut">
               <a:rPr lang="it-IT" smtClean="0"/>
-              <a:t>04/05/2012</a:t>
+              <a:t>06/05/2012</a:t>
             </a:fld>
             <a:endParaRPr lang="it-IT"/>
           </a:p>
@@ -3052,13 +3052,18 @@
             <p:ph type="ctrTitle"/>
           </p:nvPr>
         </p:nvSpPr>
-        <p:spPr/>
-        <p:txBody>
-          <a:bodyPr/>
-          <a:lstStyle/>
-          <a:p>
-            <a:r>
-              <a:rPr lang="it-IT" sz="5400" i="1" cap="small" dirty="0" err="1" smtClean="0">
+        <p:spPr>
+          <a:xfrm>
+            <a:off x="696015" y="1756600"/>
+            <a:ext cx="7772400" cy="1470025"/>
+          </a:xfrm>
+        </p:spPr>
+        <p:txBody>
+          <a:bodyPr/>
+          <a:lstStyle/>
+          <a:p>
+            <a:r>
+              <a:rPr lang="en-GB" sz="5400" i="1" cap="small" dirty="0" smtClean="0">
                 <a:solidFill>
                   <a:srgbClr val="FF0000"/>
                 </a:solidFill>
@@ -3073,7 +3078,7 @@
               <a:t>web</a:t>
             </a:r>
             <a:r>
-              <a:rPr lang="it-IT" sz="5400" dirty="0" err="1" smtClean="0">
+              <a:rPr lang="en-GB" sz="5400" dirty="0" smtClean="0">
                 <a:solidFill>
                   <a:srgbClr val="FF0000"/>
                 </a:solidFill>
@@ -3087,7 +3092,7 @@
               </a:rPr>
               <a:t>PDB</a:t>
             </a:r>
-            <a:endParaRPr lang="it-IT" sz="5400" dirty="0">
+            <a:endParaRPr lang="en-GB" sz="5400" dirty="0">
               <a:solidFill>
                 <a:srgbClr val="FF0000"/>
               </a:solidFill>
@@ -3112,7 +3117,12 @@
             <p:ph type="subTitle" idx="1"/>
           </p:nvPr>
         </p:nvSpPr>
-        <p:spPr/>
+        <p:spPr>
+          <a:xfrm>
+            <a:off x="696015" y="3146524"/>
+            <a:ext cx="8043947" cy="2026956"/>
+          </a:xfrm>
+        </p:spPr>
         <p:txBody>
           <a:bodyPr>
             <a:normAutofit/>
@@ -3120,7 +3130,7 @@
           <a:lstStyle/>
           <a:p>
             <a:r>
-              <a:rPr lang="it-IT" sz="2800" dirty="0" smtClean="0">
+              <a:rPr lang="en-US" sz="2800" dirty="0" smtClean="0">
                 <a:solidFill>
                   <a:schemeClr val="tx1"/>
                 </a:solidFill>
@@ -3135,10 +3145,29 @@
                 <a:ea typeface="+mj-ea"/>
                 <a:cs typeface="+mj-cs"/>
               </a:rPr>
-              <a:t>A fast </a:t>
-            </a:r>
-            <a:r>
-              <a:rPr lang="it-IT" sz="2800" dirty="0" err="1" smtClean="0">
+              <a:t>A fast storage and retrieval web-service for proteins</a:t>
+            </a:r>
+          </a:p>
+          <a:p>
+            <a:endParaRPr lang="en-US" sz="2800" dirty="0" smtClean="0">
+              <a:solidFill>
+                <a:schemeClr val="tx1"/>
+              </a:solidFill>
+              <a:effectLst>
+                <a:outerShdw blurRad="38100" dist="38100" dir="2700000" algn="tl">
+                  <a:srgbClr val="000000">
+                    <a:alpha val="43137"/>
+                  </a:srgbClr>
+                </a:outerShdw>
+              </a:effectLst>
+              <a:latin typeface="+mj-lt"/>
+              <a:ea typeface="+mj-ea"/>
+              <a:cs typeface="+mj-cs"/>
+            </a:endParaRPr>
+          </a:p>
+          <a:p>
+            <a:r>
+              <a:rPr lang="en-US" sz="2000" dirty="0" smtClean="0">
                 <a:solidFill>
                   <a:schemeClr val="tx1"/>
                 </a:solidFill>
@@ -3153,10 +3182,12 @@
                 <a:ea typeface="+mj-ea"/>
                 <a:cs typeface="+mj-cs"/>
               </a:rPr>
-              <a:t>storage</a:t>
-            </a:r>
-            <a:r>
-              <a:rPr lang="it-IT" sz="2800" dirty="0" smtClean="0">
+              <a:t>by</a:t>
+            </a:r>
+          </a:p>
+          <a:p>
+            <a:r>
+              <a:rPr lang="en-US" sz="2000" dirty="0" smtClean="0">
                 <a:solidFill>
                   <a:schemeClr val="tx1"/>
                 </a:solidFill>
@@ -3171,10 +3202,10 @@
                 <a:ea typeface="+mj-ea"/>
                 <a:cs typeface="+mj-cs"/>
               </a:rPr>
-              <a:t> and </a:t>
-            </a:r>
-            <a:r>
-              <a:rPr lang="it-IT" sz="2800" dirty="0" err="1" smtClean="0">
+              <a:t>Conte, </a:t>
+            </a:r>
+            <a:r>
+              <a:rPr lang="en-US" sz="2000" dirty="0" err="1" smtClean="0">
                 <a:solidFill>
                   <a:schemeClr val="tx1"/>
                 </a:solidFill>
@@ -3189,10 +3220,10 @@
                 <a:ea typeface="+mj-ea"/>
                 <a:cs typeface="+mj-cs"/>
               </a:rPr>
-              <a:t>retrieval</a:t>
-            </a:r>
-            <a:r>
-              <a:rPr lang="it-IT" sz="2800" dirty="0" smtClean="0">
+              <a:t>Furiani</a:t>
+            </a:r>
+            <a:r>
+              <a:rPr lang="en-US" sz="2000" dirty="0" smtClean="0">
                 <a:solidFill>
                   <a:schemeClr val="tx1"/>
                 </a:solidFill>
@@ -3207,10 +3238,10 @@
                 <a:ea typeface="+mj-ea"/>
                 <a:cs typeface="+mj-cs"/>
               </a:rPr>
-              <a:t> web-service </a:t>
-            </a:r>
-            <a:r>
-              <a:rPr lang="it-IT" sz="2800" dirty="0" err="1" smtClean="0">
+              <a:t>, </a:t>
+            </a:r>
+            <a:r>
+              <a:rPr lang="en-US" sz="2000" dirty="0" err="1" smtClean="0">
                 <a:solidFill>
                   <a:schemeClr val="tx1"/>
                 </a:solidFill>
@@ -3225,10 +3256,10 @@
                 <a:ea typeface="+mj-ea"/>
                 <a:cs typeface="+mj-cs"/>
               </a:rPr>
-              <a:t>for</a:t>
-            </a:r>
-            <a:r>
-              <a:rPr lang="it-IT" sz="2800" dirty="0" smtClean="0">
+              <a:t>Nardini</a:t>
+            </a:r>
+            <a:r>
+              <a:rPr lang="en-US" sz="2000" dirty="0" smtClean="0">
                 <a:solidFill>
                   <a:schemeClr val="tx1"/>
                 </a:solidFill>
@@ -3243,10 +3274,10 @@
                 <a:ea typeface="+mj-ea"/>
                 <a:cs typeface="+mj-cs"/>
               </a:rPr>
-              <a:t> </a:t>
-            </a:r>
-            <a:r>
-              <a:rPr lang="it-IT" sz="2800" dirty="0" err="1" smtClean="0">
+              <a:t>, </a:t>
+            </a:r>
+            <a:r>
+              <a:rPr lang="en-US" sz="2000" dirty="0" err="1" smtClean="0">
                 <a:solidFill>
                   <a:schemeClr val="tx1"/>
                 </a:solidFill>
@@ -3261,9 +3292,45 @@
                 <a:ea typeface="+mj-ea"/>
                 <a:cs typeface="+mj-cs"/>
               </a:rPr>
-              <a:t>proteins</a:t>
-            </a:r>
-            <a:endParaRPr lang="it-IT" sz="2800" dirty="0">
+              <a:t>Pasquantonio</a:t>
+            </a:r>
+            <a:r>
+              <a:rPr lang="en-US" sz="2000" dirty="0" smtClean="0">
+                <a:solidFill>
+                  <a:schemeClr val="tx1"/>
+                </a:solidFill>
+                <a:effectLst>
+                  <a:outerShdw blurRad="38100" dist="38100" dir="2700000" algn="tl">
+                    <a:srgbClr val="000000">
+                      <a:alpha val="43137"/>
+                    </a:srgbClr>
+                  </a:outerShdw>
+                </a:effectLst>
+                <a:latin typeface="+mj-lt"/>
+                <a:ea typeface="+mj-ea"/>
+                <a:cs typeface="+mj-cs"/>
+              </a:rPr>
+              <a:t>, </a:t>
+            </a:r>
+            <a:r>
+              <a:rPr lang="en-US" sz="2000" dirty="0" err="1" smtClean="0">
+                <a:solidFill>
+                  <a:schemeClr val="tx1"/>
+                </a:solidFill>
+                <a:effectLst>
+                  <a:outerShdw blurRad="38100" dist="38100" dir="2700000" algn="tl">
+                    <a:srgbClr val="000000">
+                      <a:alpha val="43137"/>
+                    </a:srgbClr>
+                  </a:outerShdw>
+                </a:effectLst>
+                <a:latin typeface="+mj-lt"/>
+                <a:ea typeface="+mj-ea"/>
+                <a:cs typeface="+mj-cs"/>
+              </a:rPr>
+              <a:t>Ungania</a:t>
+            </a:r>
+            <a:endParaRPr lang="en-US" sz="2000" dirty="0">
               <a:solidFill>
                 <a:schemeClr val="tx1"/>
               </a:solidFill>
@@ -3401,7 +3468,7 @@
           <a:lstStyle/>
           <a:p>
             <a:r>
-              <a:rPr lang="it-IT" dirty="0" err="1" smtClean="0">
+              <a:rPr lang="en-US" smtClean="0">
                 <a:solidFill>
                   <a:schemeClr val="accent2">
                     <a:lumMod val="75000"/>
@@ -3415,27 +3482,10 @@
                   </a:outerShdw>
                 </a:effectLst>
               </a:rPr>
-              <a:t>Why</a:t>
-            </a:r>
-            <a:r>
-              <a:rPr lang="it-IT" dirty="0" smtClean="0">
-                <a:solidFill>
-                  <a:schemeClr val="accent2">
-                    <a:lumMod val="75000"/>
-                  </a:schemeClr>
-                </a:solidFill>
-                <a:effectLst>
-                  <a:outerShdw blurRad="50800" dist="38100" dir="2700000" algn="tl" rotWithShape="0">
-                    <a:srgbClr val="000000">
-                      <a:alpha val="26000"/>
-                    </a:srgbClr>
-                  </a:outerShdw>
-                </a:effectLst>
-              </a:rPr>
-              <a:t> </a:t>
-            </a:r>
-            <a:r>
-              <a:rPr lang="it-IT" i="1" cap="small" dirty="0" err="1" smtClean="0">
+              <a:t>Why </a:t>
+            </a:r>
+            <a:r>
+              <a:rPr lang="en-US" i="1" cap="small" smtClean="0">
                 <a:solidFill>
                   <a:schemeClr val="accent2">
                     <a:lumMod val="75000"/>
@@ -3452,7 +3502,7 @@
               <a:t>web</a:t>
             </a:r>
             <a:r>
-              <a:rPr lang="it-IT" dirty="0" err="1" smtClean="0">
+              <a:rPr lang="en-US" smtClean="0">
                 <a:solidFill>
                   <a:schemeClr val="accent2">
                     <a:lumMod val="75000"/>
@@ -3466,26 +3516,9 @@
                   </a:outerShdw>
                 </a:effectLst>
               </a:rPr>
-              <a:t>PDB</a:t>
-            </a:r>
-            <a:r>
-              <a:rPr lang="it-IT" dirty="0" smtClean="0">
-                <a:solidFill>
-                  <a:schemeClr val="accent2">
-                    <a:lumMod val="75000"/>
-                  </a:schemeClr>
-                </a:solidFill>
-                <a:effectLst>
-                  <a:outerShdw blurRad="50800" dist="38100" dir="2700000" algn="tl" rotWithShape="0">
-                    <a:srgbClr val="000000">
-                      <a:alpha val="26000"/>
-                    </a:srgbClr>
-                  </a:outerShdw>
-                </a:effectLst>
-              </a:rPr>
-              <a:t>? </a:t>
-            </a:r>
-            <a:endParaRPr lang="it-IT" dirty="0">
+              <a:t>PDB? </a:t>
+            </a:r>
+            <a:endParaRPr lang="en-US">
               <a:solidFill>
                 <a:schemeClr val="accent2">
                   <a:lumMod val="75000"/>
@@ -3525,40 +3558,8 @@
               <a:buChar char="ü"/>
             </a:pPr>
             <a:r>
-              <a:rPr lang="it-IT" dirty="0" smtClean="0"/>
-              <a:t> </a:t>
-            </a:r>
-            <a:r>
-              <a:rPr lang="it-IT" dirty="0" err="1" smtClean="0"/>
-              <a:t>Rapid</a:t>
-            </a:r>
-            <a:r>
-              <a:rPr lang="it-IT" dirty="0" smtClean="0"/>
-              <a:t> </a:t>
-            </a:r>
-            <a:r>
-              <a:rPr lang="it-IT" dirty="0" err="1" smtClean="0"/>
-              <a:t>lookup</a:t>
-            </a:r>
-            <a:r>
-              <a:rPr lang="it-IT" dirty="0" smtClean="0"/>
-              <a:t> </a:t>
-            </a:r>
-            <a:r>
-              <a:rPr lang="it-IT" dirty="0" err="1" smtClean="0"/>
-              <a:t>of</a:t>
-            </a:r>
-            <a:r>
-              <a:rPr lang="it-IT" dirty="0" smtClean="0"/>
-              <a:t> </a:t>
-            </a:r>
-            <a:r>
-              <a:rPr lang="it-IT" dirty="0" err="1" smtClean="0"/>
-              <a:t>protein</a:t>
-            </a:r>
-            <a:r>
-              <a:rPr lang="it-IT" dirty="0" smtClean="0"/>
-              <a:t> data</a:t>
+              <a:rPr lang="en-US" smtClean="0"/>
+              <a:t> Rapid lookup of protein data</a:t>
             </a:r>
           </a:p>
           <a:p>
@@ -3570,16 +3571,8 @@
               <a:buChar char="ü"/>
             </a:pPr>
             <a:r>
-              <a:rPr lang="it-IT" dirty="0" smtClean="0"/>
-              <a:t> JSON </a:t>
-            </a:r>
-            <a:r>
-              <a:rPr lang="it-IT" dirty="0" err="1" smtClean="0"/>
-              <a:t>slim</a:t>
-            </a:r>
-            <a:r>
-              <a:rPr lang="it-IT" dirty="0" smtClean="0"/>
-              <a:t> format </a:t>
+              <a:rPr lang="en-US" smtClean="0"/>
+              <a:t> JSON slim format </a:t>
             </a:r>
           </a:p>
           <a:p>
@@ -3591,34 +3584,21 @@
               <a:buChar char="ü"/>
             </a:pPr>
             <a:r>
-              <a:rPr lang="it-IT" dirty="0" smtClean="0"/>
-              <a:t> </a:t>
-            </a:r>
-            <a:r>
-              <a:rPr lang="it-IT" dirty="0" err="1" smtClean="0"/>
-              <a:t>Maintenable</a:t>
-            </a:r>
-            <a:r>
-              <a:rPr lang="it-IT" dirty="0" smtClean="0"/>
-              <a:t> </a:t>
-            </a:r>
-            <a:r>
-              <a:rPr lang="it-IT" dirty="0" err="1" smtClean="0"/>
-              <a:t>infrastructure</a:t>
-            </a:r>
-            <a:endParaRPr lang="it-IT" dirty="0" smtClean="0"/>
+              <a:rPr lang="en-US" smtClean="0"/>
+              <a:t> Maintenable infrastructure</a:t>
+            </a:r>
           </a:p>
           <a:p>
             <a:pPr>
               <a:buNone/>
             </a:pPr>
-            <a:endParaRPr lang="it-IT" dirty="0" smtClean="0"/>
+            <a:endParaRPr lang="en-US" smtClean="0"/>
           </a:p>
           <a:p>
             <a:pPr>
               <a:buNone/>
             </a:pPr>
-            <a:endParaRPr lang="it-IT" dirty="0"/>
+            <a:endParaRPr lang="en-US"/>
           </a:p>
         </p:txBody>
       </p:sp>
@@ -3699,7 +3679,7 @@
           <a:lstStyle/>
           <a:p>
             <a:r>
-              <a:rPr lang="it-IT" i="1" cap="small" dirty="0" err="1" smtClean="0">
+              <a:rPr lang="en-US" i="1" cap="small" smtClean="0">
                 <a:solidFill>
                   <a:schemeClr val="accent2">
                     <a:lumMod val="75000"/>
@@ -3716,7 +3696,7 @@
               <a:t>web</a:t>
             </a:r>
             <a:r>
-              <a:rPr lang="it-IT" dirty="0" err="1" smtClean="0">
+              <a:rPr lang="en-US" smtClean="0">
                 <a:solidFill>
                   <a:schemeClr val="accent2">
                     <a:lumMod val="75000"/>
@@ -3730,43 +3710,9 @@
                   </a:outerShdw>
                 </a:effectLst>
               </a:rPr>
-              <a:t>PDB</a:t>
-            </a:r>
-            <a:r>
-              <a:rPr lang="it-IT" dirty="0" smtClean="0">
-                <a:solidFill>
-                  <a:schemeClr val="accent2">
-                    <a:lumMod val="75000"/>
-                  </a:schemeClr>
-                </a:solidFill>
-                <a:effectLst>
-                  <a:outerShdw blurRad="50800" dist="38100" dir="2700000" algn="tl" rotWithShape="0">
-                    <a:srgbClr val="000000">
-                      <a:alpha val="26000"/>
-                    </a:srgbClr>
-                  </a:outerShdw>
-                </a:effectLst>
-              </a:rPr>
-              <a:t> </a:t>
-            </a:r>
-            <a:r>
-              <a:rPr lang="it-IT" dirty="0" err="1" smtClean="0">
-                <a:solidFill>
-                  <a:schemeClr val="accent2">
-                    <a:lumMod val="75000"/>
-                  </a:schemeClr>
-                </a:solidFill>
-                <a:effectLst>
-                  <a:outerShdw blurRad="50800" dist="38100" dir="2700000" algn="tl" rotWithShape="0">
-                    <a:srgbClr val="000000">
-                      <a:alpha val="26000"/>
-                    </a:srgbClr>
-                  </a:outerShdw>
-                </a:effectLst>
-              </a:rPr>
-              <a:t>structure</a:t>
-            </a:r>
-            <a:endParaRPr lang="it-IT" dirty="0"/>
+              <a:t>PDB structure</a:t>
+            </a:r>
+            <a:endParaRPr lang="en-US"/>
           </a:p>
         </p:txBody>
       </p:sp>
@@ -3818,7 +3764,7 @@
           <a:lstStyle/>
           <a:p>
             <a:r>
-              <a:rPr lang="it-IT" dirty="0" err="1" smtClean="0">
+              <a:rPr lang="en-US" smtClean="0">
                 <a:solidFill>
                   <a:schemeClr val="accent2">
                     <a:lumMod val="75000"/>
@@ -3834,7 +3780,7 @@
               </a:rPr>
               <a:t>Issues</a:t>
             </a:r>
-            <a:endParaRPr lang="it-IT" dirty="0"/>
+            <a:endParaRPr lang="en-US"/>
           </a:p>
         </p:txBody>
       </p:sp>
@@ -3861,245 +3807,36 @@
           <a:lstStyle/>
           <a:p>
             <a:r>
-              <a:rPr lang="it-IT" dirty="0" smtClean="0"/>
-              <a:t>A f</a:t>
-            </a:r>
-            <a:r>
-              <a:rPr lang="it-IT" dirty="0" smtClean="0"/>
-              <a:t>ile </a:t>
-            </a:r>
-            <a:r>
-              <a:rPr lang="it-IT" dirty="0" smtClean="0"/>
-              <a:t>system with high </a:t>
-            </a:r>
-            <a:r>
-              <a:rPr lang="it-IT" dirty="0" err="1" smtClean="0"/>
-              <a:t>storage</a:t>
-            </a:r>
-            <a:r>
-              <a:rPr lang="it-IT" dirty="0" smtClean="0"/>
-              <a:t> </a:t>
-            </a:r>
-            <a:r>
-              <a:rPr lang="it-IT" dirty="0" err="1" smtClean="0"/>
-              <a:t>capacity</a:t>
-            </a:r>
-            <a:r>
-              <a:rPr lang="it-IT" dirty="0" smtClean="0"/>
-              <a:t> and data </a:t>
-            </a:r>
-            <a:r>
-              <a:rPr lang="it-IT" dirty="0" err="1" smtClean="0"/>
-              <a:t>integrity</a:t>
-            </a:r>
-            <a:r>
-              <a:rPr lang="it-IT" dirty="0" smtClean="0"/>
-              <a:t> for the database </a:t>
-            </a:r>
-            <a:r>
-              <a:rPr lang="it-IT" dirty="0" err="1" smtClean="0"/>
-              <a:t>storage</a:t>
-            </a:r>
-            <a:r>
-              <a:rPr lang="it-IT" dirty="0" smtClean="0"/>
-              <a:t> </a:t>
-            </a:r>
-            <a:r>
-              <a:rPr lang="it-IT" dirty="0" err="1" smtClean="0"/>
-              <a:t>files</a:t>
-            </a:r>
-            <a:endParaRPr lang="it-IT" dirty="0" smtClean="0"/>
-          </a:p>
-          <a:p>
-            <a:r>
-              <a:rPr lang="it-IT" dirty="0" smtClean="0"/>
-              <a:t>A </a:t>
-            </a:r>
-            <a:r>
-              <a:rPr lang="it-IT" dirty="0" smtClean="0"/>
-              <a:t>fast </a:t>
-            </a:r>
-            <a:r>
-              <a:rPr lang="it-IT" dirty="0" err="1" smtClean="0"/>
-              <a:t>scalable</a:t>
-            </a:r>
-            <a:r>
-              <a:rPr lang="it-IT" dirty="0" smtClean="0"/>
-              <a:t> database with </a:t>
-            </a:r>
-            <a:r>
-              <a:rPr lang="it-IT" dirty="0" err="1" smtClean="0"/>
-              <a:t>document</a:t>
-            </a:r>
-            <a:r>
-              <a:rPr lang="it-IT" dirty="0" smtClean="0"/>
-              <a:t> </a:t>
-            </a:r>
-            <a:r>
-              <a:rPr lang="it-IT" dirty="0" err="1" smtClean="0"/>
-              <a:t>storage</a:t>
-            </a:r>
-            <a:r>
-              <a:rPr lang="it-IT" dirty="0" smtClean="0"/>
-              <a:t>, ACID </a:t>
-            </a:r>
-            <a:r>
-              <a:rPr lang="it-IT" dirty="0" err="1" smtClean="0"/>
-              <a:t>semantic</a:t>
-            </a:r>
-            <a:r>
-              <a:rPr lang="it-IT" dirty="0" smtClean="0"/>
-              <a:t>, </a:t>
-            </a:r>
-            <a:r>
-              <a:rPr lang="it-IT" dirty="0" err="1" smtClean="0"/>
-              <a:t>eventual</a:t>
-            </a:r>
-            <a:r>
-              <a:rPr lang="it-IT" dirty="0" smtClean="0"/>
-              <a:t> </a:t>
-            </a:r>
-            <a:r>
-              <a:rPr lang="it-IT" dirty="0" err="1" smtClean="0"/>
-              <a:t>consistency</a:t>
-            </a:r>
-            <a:r>
-              <a:rPr lang="it-IT" dirty="0" smtClean="0"/>
-              <a:t>, </a:t>
-            </a:r>
-            <a:r>
-              <a:rPr lang="it-IT" dirty="0" err="1" smtClean="0"/>
-              <a:t>MapReduce</a:t>
-            </a:r>
-            <a:r>
-              <a:rPr lang="it-IT" dirty="0" smtClean="0"/>
-              <a:t> </a:t>
-            </a:r>
-            <a:r>
-              <a:rPr lang="it-IT" dirty="0" err="1" smtClean="0"/>
-              <a:t>support</a:t>
-            </a:r>
-            <a:r>
-              <a:rPr lang="it-IT" dirty="0" smtClean="0"/>
-              <a:t>, </a:t>
-            </a:r>
-            <a:r>
-              <a:rPr lang="it-IT" dirty="0" err="1" smtClean="0"/>
-              <a:t>incremental</a:t>
-            </a:r>
-            <a:r>
-              <a:rPr lang="it-IT" dirty="0" smtClean="0"/>
-              <a:t> </a:t>
-            </a:r>
-            <a:r>
-              <a:rPr lang="it-IT" dirty="0" err="1" smtClean="0"/>
-              <a:t>replication</a:t>
-            </a:r>
-            <a:r>
-              <a:rPr lang="it-IT" dirty="0" smtClean="0"/>
-              <a:t> and fault </a:t>
-            </a:r>
-            <a:r>
-              <a:rPr lang="it-IT" dirty="0" err="1" smtClean="0"/>
-              <a:t>tolerance</a:t>
-            </a:r>
-            <a:endParaRPr lang="it-IT" dirty="0" smtClean="0"/>
-          </a:p>
-          <a:p>
-            <a:r>
-              <a:rPr lang="it-IT" dirty="0" smtClean="0"/>
-              <a:t>A </a:t>
-            </a:r>
-            <a:r>
-              <a:rPr lang="it-IT" dirty="0" smtClean="0"/>
-              <a:t>light </a:t>
-            </a:r>
-            <a:r>
-              <a:rPr lang="it-IT" dirty="0" err="1" smtClean="0"/>
-              <a:t>weight</a:t>
-            </a:r>
-            <a:r>
-              <a:rPr lang="it-IT" dirty="0" smtClean="0"/>
-              <a:t> format to </a:t>
-            </a:r>
-            <a:r>
-              <a:rPr lang="it-IT" dirty="0" err="1" smtClean="0"/>
-              <a:t>store</a:t>
-            </a:r>
-            <a:r>
-              <a:rPr lang="it-IT" dirty="0" smtClean="0"/>
-              <a:t> and </a:t>
-            </a:r>
-            <a:r>
-              <a:rPr lang="it-IT" dirty="0" err="1" smtClean="0"/>
-              <a:t>distribute</a:t>
-            </a:r>
-            <a:r>
-              <a:rPr lang="it-IT" dirty="0" smtClean="0"/>
-              <a:t> </a:t>
-            </a:r>
-            <a:r>
-              <a:rPr lang="it-IT" dirty="0" err="1" smtClean="0"/>
-              <a:t>protein</a:t>
-            </a:r>
-            <a:r>
-              <a:rPr lang="it-IT" dirty="0" smtClean="0"/>
-              <a:t> data</a:t>
-            </a:r>
-          </a:p>
-          <a:p>
-            <a:r>
-              <a:rPr lang="it-IT" dirty="0" smtClean="0"/>
-              <a:t>A </a:t>
-            </a:r>
-            <a:r>
-              <a:rPr lang="it-IT" dirty="0" err="1" smtClean="0"/>
-              <a:t>scalable</a:t>
-            </a:r>
-            <a:r>
-              <a:rPr lang="it-IT" dirty="0" smtClean="0"/>
-              <a:t> software system, </a:t>
-            </a:r>
-            <a:r>
-              <a:rPr lang="it-IT" dirty="0" err="1" smtClean="0"/>
-              <a:t>event</a:t>
-            </a:r>
-            <a:r>
-              <a:rPr lang="it-IT" dirty="0" smtClean="0"/>
-              <a:t> </a:t>
-            </a:r>
-            <a:r>
-              <a:rPr lang="it-IT" dirty="0" err="1" smtClean="0"/>
-              <a:t>driven</a:t>
-            </a:r>
-            <a:r>
-              <a:rPr lang="it-IT" dirty="0" smtClean="0"/>
-              <a:t>, with minimal </a:t>
-            </a:r>
-            <a:r>
-              <a:rPr lang="it-IT" dirty="0" err="1" smtClean="0"/>
-              <a:t>overhead</a:t>
-            </a:r>
-            <a:r>
-              <a:rPr lang="it-IT" dirty="0" smtClean="0"/>
-              <a:t> and maximum </a:t>
-            </a:r>
-            <a:r>
-              <a:rPr lang="it-IT" dirty="0" err="1" smtClean="0"/>
+              <a:rPr lang="en-US" dirty="0" smtClean="0"/>
+              <a:t>A file system with high storage capacity and data integrity for the database storage files</a:t>
+            </a:r>
+          </a:p>
+          <a:p>
+            <a:r>
+              <a:rPr lang="en-US" dirty="0" smtClean="0"/>
+              <a:t>A fast scalable database with document storage, ACID semantic, eventual consistency, MapReduce support, incremental replication and fault tolerance</a:t>
+            </a:r>
+          </a:p>
+          <a:p>
+            <a:r>
+              <a:rPr lang="en-US" dirty="0" smtClean="0"/>
+              <a:t>A light weight format to store and distribute protein data</a:t>
+            </a:r>
+          </a:p>
+          <a:p>
+            <a:r>
+              <a:rPr lang="en-US" dirty="0" smtClean="0"/>
+              <a:t>A scalable software system, event driven, with minimal overhead and maximum </a:t>
+            </a:r>
+            <a:r>
+              <a:rPr lang="en-US" dirty="0" err="1" smtClean="0"/>
               <a:t>scalabilty</a:t>
             </a:r>
             <a:r>
-              <a:rPr lang="it-IT" dirty="0" smtClean="0"/>
-              <a:t> for the </a:t>
-            </a:r>
-            <a:r>
-              <a:rPr lang="it-IT" dirty="0" err="1" smtClean="0"/>
-              <a:t>deploy</a:t>
-            </a:r>
-            <a:r>
-              <a:rPr lang="it-IT" dirty="0" smtClean="0"/>
-              <a:t> of a REST web service</a:t>
-            </a:r>
+              <a:rPr lang="en-US" dirty="0" smtClean="0"/>
+              <a:t> for the deploy of a REST web service</a:t>
+            </a:r>
+            <a:endParaRPr lang="en-US" dirty="0" smtClean="0"/>
           </a:p>
         </p:txBody>
       </p:sp>
@@ -4151,7 +3888,7 @@
           <a:lstStyle/>
           <a:p>
             <a:r>
-              <a:rPr lang="it-IT" dirty="0" err="1" smtClean="0">
+              <a:rPr lang="en-US" smtClean="0">
                 <a:solidFill>
                   <a:schemeClr val="accent2">
                     <a:lumMod val="75000"/>
@@ -4167,7 +3904,7 @@
               </a:rPr>
               <a:t>Solutions</a:t>
             </a:r>
-            <a:endParaRPr lang="it-IT" dirty="0"/>
+            <a:endParaRPr lang="en-US"/>
           </a:p>
         </p:txBody>
       </p:sp>
@@ -4194,7 +3931,7 @@
           <a:lstStyle/>
           <a:p>
             <a:r>
-              <a:rPr lang="it-IT" dirty="0" smtClean="0">
+              <a:rPr lang="en-US" dirty="0" smtClean="0">
                 <a:effectLst>
                   <a:outerShdw blurRad="38100" dist="38100" dir="2700000" algn="tl">
                     <a:srgbClr val="000000">
@@ -4209,135 +3946,26 @@
           <a:p>
             <a:pPr lvl="1"/>
             <a:r>
-              <a:rPr lang="it-IT" dirty="0" smtClean="0"/>
-              <a:t> An open source file system </a:t>
-            </a:r>
-            <a:r>
-              <a:rPr lang="it-IT" dirty="0" err="1" smtClean="0"/>
-              <a:t>supported</a:t>
-            </a:r>
-            <a:r>
-              <a:rPr lang="it-IT" dirty="0" smtClean="0"/>
-              <a:t> </a:t>
-            </a:r>
-            <a:r>
-              <a:rPr lang="it-IT" dirty="0" err="1" smtClean="0"/>
-              <a:t>by</a:t>
-            </a:r>
-            <a:r>
-              <a:rPr lang="it-IT" dirty="0" smtClean="0"/>
-              <a:t> NIX </a:t>
-            </a:r>
-            <a:r>
-              <a:rPr lang="it-IT" dirty="0" err="1" smtClean="0"/>
-              <a:t>operating</a:t>
-            </a:r>
-            <a:r>
-              <a:rPr lang="it-IT" dirty="0" smtClean="0"/>
-              <a:t> </a:t>
-            </a:r>
-            <a:r>
-              <a:rPr lang="it-IT" dirty="0" err="1" smtClean="0"/>
-              <a:t>systems</a:t>
-            </a:r>
-            <a:endParaRPr lang="it-IT" dirty="0" smtClean="0"/>
+              <a:rPr lang="en-US" dirty="0" smtClean="0"/>
+              <a:t> An open source file system supported by NIX operating systems</a:t>
+            </a:r>
           </a:p>
           <a:p>
             <a:pPr lvl="1"/>
             <a:r>
-              <a:rPr lang="it-IT" dirty="0" smtClean="0"/>
-              <a:t> </a:t>
-            </a:r>
-            <a:r>
-              <a:rPr lang="it-IT" dirty="0" err="1" smtClean="0"/>
-              <a:t>Working</a:t>
-            </a:r>
-            <a:r>
-              <a:rPr lang="it-IT" dirty="0" smtClean="0"/>
-              <a:t> </a:t>
-            </a:r>
-            <a:r>
-              <a:rPr lang="it-IT" dirty="0" err="1" smtClean="0"/>
-              <a:t>as</a:t>
-            </a:r>
-            <a:r>
-              <a:rPr lang="it-IT" dirty="0" smtClean="0"/>
-              <a:t> </a:t>
-            </a:r>
-            <a:r>
-              <a:rPr lang="it-IT" dirty="0" err="1" smtClean="0"/>
-              <a:t>user</a:t>
-            </a:r>
-            <a:r>
-              <a:rPr lang="it-IT" dirty="0" smtClean="0"/>
-              <a:t> </a:t>
-            </a:r>
-            <a:r>
-              <a:rPr lang="it-IT" dirty="0" err="1" smtClean="0"/>
-              <a:t>space</a:t>
-            </a:r>
-            <a:r>
-              <a:rPr lang="it-IT" dirty="0" smtClean="0"/>
-              <a:t> </a:t>
-            </a:r>
-            <a:r>
-              <a:rPr lang="it-IT" dirty="0" err="1" smtClean="0"/>
-              <a:t>module</a:t>
-            </a:r>
-            <a:r>
-              <a:rPr lang="it-IT" dirty="0" smtClean="0"/>
-              <a:t> (</a:t>
-            </a:r>
-            <a:r>
-              <a:rPr lang="it-IT" dirty="0" err="1" smtClean="0"/>
-              <a:t>kernel</a:t>
-            </a:r>
-            <a:r>
-              <a:rPr lang="it-IT" dirty="0" smtClean="0"/>
-              <a:t> </a:t>
-            </a:r>
-            <a:r>
-              <a:rPr lang="it-IT" dirty="0" err="1" smtClean="0"/>
-              <a:t>module</a:t>
-            </a:r>
-            <a:r>
-              <a:rPr lang="it-IT" dirty="0" smtClean="0"/>
-              <a:t> </a:t>
-            </a:r>
-            <a:r>
-              <a:rPr lang="it-IT" dirty="0" err="1" smtClean="0"/>
-              <a:t>is</a:t>
-            </a:r>
-            <a:r>
-              <a:rPr lang="it-IT" dirty="0" smtClean="0"/>
-              <a:t> </a:t>
-            </a:r>
-            <a:r>
-              <a:rPr lang="it-IT" dirty="0" err="1" smtClean="0"/>
-              <a:t>still</a:t>
-            </a:r>
-            <a:r>
-              <a:rPr lang="it-IT" dirty="0" smtClean="0"/>
-              <a:t> </a:t>
-            </a:r>
-            <a:r>
-              <a:rPr lang="it-IT" dirty="0" err="1" smtClean="0"/>
-              <a:t>bugged</a:t>
-            </a:r>
-            <a:r>
-              <a:rPr lang="it-IT" dirty="0" smtClean="0"/>
-              <a:t>)</a:t>
+              <a:rPr lang="en-US" dirty="0" smtClean="0"/>
+              <a:t> Working as user space module (kernel module is still bugged)</a:t>
             </a:r>
           </a:p>
           <a:p>
             <a:pPr lvl="1">
               <a:buNone/>
             </a:pPr>
-            <a:endParaRPr lang="it-IT" dirty="0" smtClean="0"/>
-          </a:p>
-          <a:p>
-            <a:r>
-              <a:rPr lang="it-IT" dirty="0" err="1" smtClean="0">
+            <a:endParaRPr lang="en-US" dirty="0" smtClean="0"/>
+          </a:p>
+          <a:p>
+            <a:r>
+              <a:rPr lang="en-US" dirty="0" smtClean="0">
                 <a:effectLst>
                   <a:outerShdw blurRad="38100" dist="38100" dir="2700000" algn="tl">
                     <a:srgbClr val="000000">
@@ -4348,147 +3976,37 @@
               </a:rPr>
               <a:t>CouchDB</a:t>
             </a:r>
-            <a:endParaRPr lang="it-IT" dirty="0" smtClean="0">
-              <a:effectLst>
-                <a:outerShdw blurRad="38100" dist="38100" dir="2700000" algn="tl">
-                  <a:srgbClr val="000000">
-                    <a:alpha val="43137"/>
-                  </a:srgbClr>
-                </a:outerShdw>
-              </a:effectLst>
-            </a:endParaRPr>
           </a:p>
           <a:p>
             <a:pPr lvl="1"/>
             <a:r>
-              <a:rPr lang="it-IT" dirty="0" smtClean="0"/>
-              <a:t> </a:t>
-            </a:r>
-            <a:r>
-              <a:rPr lang="it-IT" dirty="0" err="1" smtClean="0"/>
-              <a:t>NoSQL</a:t>
-            </a:r>
-            <a:r>
-              <a:rPr lang="it-IT" dirty="0" smtClean="0"/>
-              <a:t> </a:t>
-            </a:r>
-            <a:r>
-              <a:rPr lang="it-IT" dirty="0" err="1" smtClean="0"/>
-              <a:t>document</a:t>
-            </a:r>
-            <a:r>
-              <a:rPr lang="it-IT" dirty="0" smtClean="0"/>
-              <a:t> </a:t>
-            </a:r>
-            <a:r>
-              <a:rPr lang="it-IT" dirty="0" err="1" smtClean="0"/>
-              <a:t>storage</a:t>
-            </a:r>
-            <a:r>
-              <a:rPr lang="it-IT" dirty="0" smtClean="0"/>
-              <a:t> </a:t>
-            </a:r>
-            <a:r>
-              <a:rPr lang="it-IT" dirty="0" err="1" smtClean="0"/>
-              <a:t>with</a:t>
-            </a:r>
-            <a:r>
-              <a:rPr lang="it-IT" dirty="0" smtClean="0"/>
-              <a:t> </a:t>
-            </a:r>
-            <a:r>
-              <a:rPr lang="it-IT" dirty="0" err="1" smtClean="0"/>
-              <a:t>multiversion</a:t>
-            </a:r>
-            <a:r>
-              <a:rPr lang="it-IT" dirty="0" smtClean="0"/>
-              <a:t> </a:t>
-            </a:r>
-            <a:r>
-              <a:rPr lang="it-IT" dirty="0" err="1" smtClean="0"/>
-              <a:t>concurrency</a:t>
-            </a:r>
-            <a:r>
-              <a:rPr lang="it-IT" dirty="0" smtClean="0"/>
-              <a:t> </a:t>
-            </a:r>
-            <a:r>
-              <a:rPr lang="it-IT" dirty="0" err="1" smtClean="0"/>
-              <a:t>control</a:t>
-            </a:r>
-            <a:r>
-              <a:rPr lang="it-IT" dirty="0" smtClean="0"/>
-              <a:t> </a:t>
+              <a:rPr lang="en-US" dirty="0" smtClean="0"/>
+              <a:t> NoSQL document storage with multi version concurrency control </a:t>
             </a:r>
           </a:p>
           <a:p>
             <a:pPr lvl="1"/>
             <a:r>
-              <a:rPr lang="it-IT" dirty="0" smtClean="0"/>
-              <a:t> </a:t>
-            </a:r>
-            <a:r>
-              <a:rPr lang="it-IT" dirty="0" err="1" smtClean="0"/>
-              <a:t>Extremely</a:t>
-            </a:r>
-            <a:r>
-              <a:rPr lang="it-IT" dirty="0" smtClean="0"/>
-              <a:t> fast and </a:t>
-            </a:r>
-            <a:r>
-              <a:rPr lang="it-IT" dirty="0" err="1" smtClean="0"/>
-              <a:t>scalable</a:t>
-            </a:r>
-            <a:endParaRPr lang="it-IT" dirty="0" smtClean="0"/>
+              <a:rPr lang="en-US" dirty="0" smtClean="0"/>
+              <a:t> Extremely fast and scalable</a:t>
+            </a:r>
           </a:p>
           <a:p>
             <a:pPr lvl="1"/>
             <a:r>
-              <a:rPr lang="it-IT" dirty="0" smtClean="0"/>
-              <a:t> </a:t>
-            </a:r>
-            <a:r>
-              <a:rPr lang="it-IT" dirty="0" err="1" smtClean="0"/>
-              <a:t>Document</a:t>
-            </a:r>
-            <a:r>
-              <a:rPr lang="it-IT" dirty="0" smtClean="0"/>
-              <a:t> </a:t>
-            </a:r>
-            <a:r>
-              <a:rPr lang="it-IT" dirty="0" err="1" smtClean="0"/>
-              <a:t>storage</a:t>
-            </a:r>
-            <a:r>
-              <a:rPr lang="it-IT" dirty="0" smtClean="0"/>
-              <a:t> </a:t>
-            </a:r>
-            <a:r>
-              <a:rPr lang="it-IT" dirty="0" err="1" smtClean="0"/>
-              <a:t>is</a:t>
-            </a:r>
-            <a:r>
-              <a:rPr lang="it-IT" dirty="0" smtClean="0"/>
-              <a:t> </a:t>
-            </a:r>
-            <a:r>
-              <a:rPr lang="it-IT" dirty="0" err="1" smtClean="0"/>
-              <a:t>done</a:t>
-            </a:r>
-            <a:r>
-              <a:rPr lang="it-IT" dirty="0" smtClean="0"/>
-              <a:t> in JSON</a:t>
+              <a:rPr lang="en-US" dirty="0" smtClean="0"/>
+              <a:t> Document storage is done in JSON</a:t>
             </a:r>
           </a:p>
           <a:p>
             <a:pPr lvl="1">
               <a:buNone/>
             </a:pPr>
-            <a:endParaRPr lang="it-IT" dirty="0" smtClean="0"/>
-          </a:p>
-          <a:p>
-            <a:r>
-              <a:rPr lang="it-IT" dirty="0" smtClean="0">
+            <a:endParaRPr lang="en-US" dirty="0" smtClean="0"/>
+          </a:p>
+          <a:p>
+            <a:r>
+              <a:rPr lang="en-US" dirty="0" smtClean="0">
                 <a:effectLst>
                   <a:outerShdw blurRad="38100" dist="38100" dir="2700000" algn="tl">
                     <a:srgbClr val="000000">
@@ -4503,108 +4021,30 @@
           <a:p>
             <a:pPr lvl="1"/>
             <a:r>
-              <a:rPr lang="it-IT" dirty="0" smtClean="0"/>
-              <a:t>Light </a:t>
-            </a:r>
-            <a:r>
-              <a:rPr lang="it-IT" dirty="0" err="1" smtClean="0"/>
-              <a:t>weight</a:t>
-            </a:r>
-            <a:r>
-              <a:rPr lang="it-IT" dirty="0" smtClean="0"/>
+              <a:rPr lang="en-US" dirty="0" smtClean="0"/>
+              <a:t>Light weight text-based open standard designed for human readable data interchange</a:t>
+            </a:r>
+          </a:p>
+          <a:p>
+            <a:pPr lvl="1"/>
+            <a:r>
+              <a:rPr lang="en-US" dirty="0" smtClean="0"/>
+              <a:t>Derived from JavaScript language</a:t>
+            </a:r>
+          </a:p>
+          <a:p>
+            <a:pPr lvl="1">
+              <a:buNone/>
+            </a:pPr>
+            <a:endParaRPr lang="en-US" dirty="0" smtClean="0"/>
+          </a:p>
+          <a:p>
+            <a:r>
+              <a:rPr lang="en-US" dirty="0" smtClean="0"/>
               <a:t> </a:t>
             </a:r>
             <a:r>
-              <a:rPr lang="it-IT" dirty="0" err="1" smtClean="0"/>
-              <a:t>text-based</a:t>
-            </a:r>
-            <a:r>
-              <a:rPr lang="it-IT" dirty="0" smtClean="0"/>
-              <a:t> open standard </a:t>
-            </a:r>
-            <a:r>
-              <a:rPr lang="it-IT" dirty="0" err="1" smtClean="0"/>
-              <a:t>designed</a:t>
-            </a:r>
-            <a:r>
-              <a:rPr lang="it-IT" dirty="0" smtClean="0"/>
-              <a:t> </a:t>
-            </a:r>
-            <a:r>
-              <a:rPr lang="it-IT" dirty="0" err="1" smtClean="0"/>
-              <a:t>for</a:t>
-            </a:r>
-            <a:r>
-              <a:rPr lang="it-IT" dirty="0" smtClean="0"/>
-              <a:t> </a:t>
-            </a:r>
-            <a:r>
-              <a:rPr lang="it-IT" dirty="0" err="1" smtClean="0"/>
-              <a:t>human</a:t>
-            </a:r>
-            <a:r>
-              <a:rPr lang="it-IT" dirty="0" smtClean="0"/>
-              <a:t> </a:t>
-            </a:r>
-            <a:r>
-              <a:rPr lang="it-IT" dirty="0" err="1" smtClean="0"/>
-              <a:t>readable</a:t>
-            </a:r>
-            <a:r>
-              <a:rPr lang="it-IT" dirty="0" smtClean="0"/>
-              <a:t> data </a:t>
-            </a:r>
-            <a:r>
-              <a:rPr lang="it-IT" dirty="0" err="1" smtClean="0"/>
-              <a:t>interchange</a:t>
-            </a:r>
-            <a:endParaRPr lang="it-IT" dirty="0" smtClean="0"/>
-          </a:p>
-          <a:p>
-            <a:pPr lvl="1"/>
-            <a:r>
-              <a:rPr lang="it-IT" dirty="0" err="1" smtClean="0"/>
-              <a:t>Derived</a:t>
-            </a:r>
-            <a:r>
-              <a:rPr lang="it-IT" dirty="0" smtClean="0"/>
-              <a:t> </a:t>
-            </a:r>
-            <a:r>
-              <a:rPr lang="it-IT" dirty="0" err="1" smtClean="0"/>
-              <a:t>from</a:t>
-            </a:r>
-            <a:r>
-              <a:rPr lang="it-IT" dirty="0" smtClean="0"/>
-              <a:t> </a:t>
-            </a:r>
-            <a:r>
-              <a:rPr lang="it-IT" dirty="0" err="1" smtClean="0"/>
-              <a:t>JavaScript</a:t>
-            </a:r>
-            <a:r>
-              <a:rPr lang="it-IT" dirty="0" smtClean="0"/>
-              <a:t> </a:t>
-            </a:r>
-            <a:r>
-              <a:rPr lang="it-IT" dirty="0" err="1" smtClean="0"/>
-              <a:t>language</a:t>
-            </a:r>
-            <a:endParaRPr lang="it-IT" dirty="0" smtClean="0"/>
-          </a:p>
-          <a:p>
-            <a:pPr lvl="1">
-              <a:buNone/>
-            </a:pPr>
-            <a:endParaRPr lang="it-IT" dirty="0" smtClean="0"/>
-          </a:p>
-          <a:p>
-            <a:r>
-              <a:rPr lang="it-IT" dirty="0" smtClean="0"/>
-              <a:t> </a:t>
-            </a:r>
-            <a:r>
-              <a:rPr lang="it-IT" dirty="0" err="1" smtClean="0">
+              <a:rPr lang="en-US" dirty="0" smtClean="0">
                 <a:effectLst>
                   <a:outerShdw blurRad="38100" dist="38100" dir="2700000" algn="tl">
                     <a:srgbClr val="000000">
@@ -4615,129 +4055,36 @@
               </a:rPr>
               <a:t>Node.js</a:t>
             </a:r>
-            <a:endParaRPr lang="it-IT" dirty="0" smtClean="0">
-              <a:effectLst>
-                <a:outerShdw blurRad="38100" dist="38100" dir="2700000" algn="tl">
-                  <a:srgbClr val="000000">
-                    <a:alpha val="43137"/>
-                  </a:srgbClr>
-                </a:outerShdw>
-              </a:effectLst>
-            </a:endParaRPr>
           </a:p>
           <a:p>
             <a:pPr lvl="1"/>
             <a:r>
-              <a:rPr lang="it-IT" dirty="0" smtClean="0"/>
-              <a:t> </a:t>
-            </a:r>
-            <a:r>
-              <a:rPr lang="it-IT" dirty="0" err="1" smtClean="0"/>
-              <a:t>Scalable</a:t>
-            </a:r>
-            <a:r>
-              <a:rPr lang="it-IT" dirty="0" smtClean="0"/>
-              <a:t> software system </a:t>
-            </a:r>
-            <a:r>
-              <a:rPr lang="it-IT" dirty="0" err="1" smtClean="0"/>
-              <a:t>for</a:t>
-            </a:r>
-            <a:r>
-              <a:rPr lang="it-IT" dirty="0" smtClean="0"/>
-              <a:t> </a:t>
-            </a:r>
-            <a:r>
-              <a:rPr lang="it-IT" dirty="0" err="1" smtClean="0"/>
-              <a:t>writing</a:t>
-            </a:r>
-            <a:r>
-              <a:rPr lang="it-IT" dirty="0" smtClean="0"/>
-              <a:t> Internet </a:t>
-            </a:r>
-            <a:r>
-              <a:rPr lang="it-IT" dirty="0" err="1" smtClean="0"/>
-              <a:t>applications</a:t>
-            </a:r>
-            <a:endParaRPr lang="it-IT" dirty="0" smtClean="0"/>
+              <a:rPr lang="en-US" dirty="0" smtClean="0"/>
+              <a:t> Scalable software system for writing Internet applications</a:t>
+            </a:r>
           </a:p>
           <a:p>
             <a:pPr lvl="1"/>
             <a:r>
-              <a:rPr lang="it-IT" dirty="0" smtClean="0"/>
-              <a:t> </a:t>
-            </a:r>
-            <a:r>
-              <a:rPr lang="it-IT" dirty="0" err="1" smtClean="0"/>
-              <a:t>Use</a:t>
-            </a:r>
-            <a:r>
-              <a:rPr lang="it-IT" dirty="0" smtClean="0"/>
-              <a:t> </a:t>
-            </a:r>
-            <a:r>
-              <a:rPr lang="it-IT" dirty="0" err="1" smtClean="0"/>
-              <a:t>JavaScript</a:t>
-            </a:r>
-            <a:r>
-              <a:rPr lang="it-IT" dirty="0" smtClean="0"/>
-              <a:t> </a:t>
-            </a:r>
-            <a:r>
-              <a:rPr lang="it-IT" dirty="0" err="1" smtClean="0"/>
-              <a:t>language</a:t>
-            </a:r>
-            <a:r>
-              <a:rPr lang="it-IT" dirty="0" smtClean="0"/>
-              <a:t> and V8 Google </a:t>
-            </a:r>
-            <a:r>
-              <a:rPr lang="it-IT" dirty="0" err="1" smtClean="0"/>
-              <a:t>JavaScript</a:t>
-            </a:r>
-            <a:r>
-              <a:rPr lang="it-IT" dirty="0" smtClean="0"/>
-              <a:t> </a:t>
-            </a:r>
-            <a:r>
-              <a:rPr lang="it-IT" dirty="0" err="1" smtClean="0"/>
-              <a:t>engine</a:t>
-            </a:r>
-            <a:r>
-              <a:rPr lang="it-IT" dirty="0" smtClean="0"/>
-              <a:t> (</a:t>
-            </a:r>
-            <a:r>
-              <a:rPr lang="it-IT" dirty="0" err="1" smtClean="0"/>
+              <a:rPr lang="en-US" dirty="0" smtClean="0"/>
+              <a:t> Use JavaScript language and V8 Google JavaScript engine (</a:t>
+            </a:r>
+            <a:r>
+              <a:rPr lang="en-US" dirty="0" err="1" smtClean="0"/>
               <a:t>CommonJS</a:t>
             </a:r>
             <a:r>
-              <a:rPr lang="it-IT" dirty="0" smtClean="0"/>
-              <a:t> </a:t>
-            </a:r>
-            <a:r>
-              <a:rPr lang="it-IT" dirty="0" err="1" smtClean="0"/>
-              <a:t>compliant</a:t>
-            </a:r>
-            <a:r>
-              <a:rPr lang="it-IT" dirty="0" smtClean="0"/>
-              <a:t>)</a:t>
+              <a:rPr lang="en-US" dirty="0" smtClean="0"/>
+              <a:t> compliant)</a:t>
             </a:r>
           </a:p>
           <a:p>
             <a:pPr lvl="1"/>
             <a:r>
-              <a:rPr lang="it-IT" dirty="0" smtClean="0"/>
-              <a:t> </a:t>
-            </a:r>
-            <a:r>
-              <a:rPr lang="it-IT" dirty="0" err="1" smtClean="0"/>
-              <a:t>Extremely</a:t>
-            </a:r>
-            <a:r>
-              <a:rPr lang="it-IT" dirty="0" smtClean="0"/>
-              <a:t> modular </a:t>
-            </a:r>
+              <a:rPr lang="en-US" dirty="0" smtClean="0"/>
+              <a:t> Extremely modular </a:t>
+            </a:r>
+            <a:endParaRPr lang="en-US" dirty="0" smtClean="0"/>
           </a:p>
         </p:txBody>
       </p:sp>
@@ -4789,7 +4136,7 @@
           <a:lstStyle/>
           <a:p>
             <a:r>
-              <a:rPr lang="it-IT" dirty="0" err="1" smtClean="0">
+              <a:rPr lang="en-US" smtClean="0">
                 <a:solidFill>
                   <a:schemeClr val="accent2">
                     <a:lumMod val="75000"/>
@@ -4803,26 +4150,9 @@
                   </a:outerShdw>
                 </a:effectLst>
               </a:rPr>
-              <a:t>Current</a:t>
-            </a:r>
-            <a:r>
-              <a:rPr lang="it-IT" dirty="0" smtClean="0">
-                <a:solidFill>
-                  <a:schemeClr val="accent2">
-                    <a:lumMod val="75000"/>
-                  </a:schemeClr>
-                </a:solidFill>
-                <a:effectLst>
-                  <a:outerShdw blurRad="50800" dist="38100" dir="2700000" algn="tl" rotWithShape="0">
-                    <a:srgbClr val="000000">
-                      <a:alpha val="26000"/>
-                    </a:srgbClr>
-                  </a:outerShdw>
-                </a:effectLst>
-              </a:rPr>
-              <a:t> status</a:t>
-            </a:r>
-            <a:endParaRPr lang="it-IT" dirty="0"/>
+              <a:t>Current status</a:t>
+            </a:r>
+            <a:endParaRPr lang="en-US"/>
           </a:p>
         </p:txBody>
       </p:sp>
@@ -4849,7 +4179,7 @@
           <a:lstStyle/>
           <a:p>
             <a:r>
-              <a:rPr lang="it-IT" dirty="0" err="1" smtClean="0">
+              <a:rPr lang="en-US" dirty="0" smtClean="0">
                 <a:effectLst>
                   <a:outerShdw blurRad="38100" dist="38100" dir="2700000" algn="tl">
                     <a:srgbClr val="000000">
@@ -4858,72 +4188,12 @@
                   </a:outerShdw>
                 </a:effectLst>
               </a:rPr>
-              <a:t>Currently</a:t>
-            </a:r>
-            <a:r>
-              <a:rPr lang="it-IT" dirty="0" smtClean="0">
-                <a:effectLst>
-                  <a:outerShdw blurRad="38100" dist="38100" dir="2700000" algn="tl">
-                    <a:srgbClr val="000000">
-                      <a:alpha val="43137"/>
-                    </a:srgbClr>
-                  </a:outerShdw>
-                </a:effectLst>
-              </a:rPr>
-              <a:t> </a:t>
-            </a:r>
-            <a:r>
-              <a:rPr lang="it-IT" dirty="0" err="1" smtClean="0">
-                <a:effectLst>
-                  <a:outerShdw blurRad="38100" dist="38100" dir="2700000" algn="tl">
-                    <a:srgbClr val="000000">
-                      <a:alpha val="43137"/>
-                    </a:srgbClr>
-                  </a:outerShdw>
-                </a:effectLst>
-              </a:rPr>
-              <a:t>installed</a:t>
-            </a:r>
-            <a:r>
-              <a:rPr lang="it-IT" dirty="0" smtClean="0">
-                <a:effectLst>
-                  <a:outerShdw blurRad="38100" dist="38100" dir="2700000" algn="tl">
-                    <a:srgbClr val="000000">
-                      <a:alpha val="43137"/>
-                    </a:srgbClr>
-                  </a:outerShdw>
-                </a:effectLst>
-              </a:rPr>
-              <a:t> on a </a:t>
-            </a:r>
-            <a:r>
-              <a:rPr lang="it-IT" dirty="0" err="1" smtClean="0">
-                <a:effectLst>
-                  <a:outerShdw blurRad="38100" dist="38100" dir="2700000" algn="tl">
-                    <a:srgbClr val="000000">
-                      <a:alpha val="43137"/>
-                    </a:srgbClr>
-                  </a:outerShdw>
-                </a:effectLst>
-              </a:rPr>
-              <a:t>testing</a:t>
-            </a:r>
-            <a:r>
-              <a:rPr lang="it-IT" dirty="0" smtClean="0">
-                <a:effectLst>
-                  <a:outerShdw blurRad="38100" dist="38100" dir="2700000" algn="tl">
-                    <a:srgbClr val="000000">
-                      <a:alpha val="43137"/>
-                    </a:srgbClr>
-                  </a:outerShdw>
-                </a:effectLst>
-              </a:rPr>
-              <a:t> machine in the MAIS lab</a:t>
-            </a:r>
-          </a:p>
-          <a:p>
-            <a:r>
-              <a:rPr lang="it-IT" dirty="0" smtClean="0">
+              <a:t>Currently installed on a testing machine in the MAIS lab</a:t>
+            </a:r>
+          </a:p>
+          <a:p>
+            <a:r>
+              <a:rPr lang="en-US" dirty="0" smtClean="0">
                 <a:effectLst>
                   <a:outerShdw blurRad="38100" dist="38100" dir="2700000" algn="tl">
                     <a:srgbClr val="000000">
@@ -4938,86 +4208,13 @@
           <a:p>
             <a:pPr lvl="1"/>
             <a:r>
-              <a:rPr lang="it-IT" dirty="0" err="1" smtClean="0"/>
-              <a:t>Installed</a:t>
-            </a:r>
-            <a:r>
-              <a:rPr lang="it-IT" dirty="0" smtClean="0"/>
-              <a:t> </a:t>
-            </a:r>
-            <a:r>
-              <a:rPr lang="it-IT" dirty="0" err="1" smtClean="0"/>
-              <a:t>as</a:t>
-            </a:r>
-            <a:r>
-              <a:rPr lang="it-IT" dirty="0" smtClean="0"/>
-              <a:t> </a:t>
-            </a:r>
-            <a:r>
-              <a:rPr lang="it-IT" dirty="0" err="1" smtClean="0"/>
-              <a:t>user</a:t>
-            </a:r>
-            <a:r>
-              <a:rPr lang="it-IT" dirty="0" smtClean="0"/>
-              <a:t> </a:t>
-            </a:r>
-            <a:r>
-              <a:rPr lang="it-IT" dirty="0" err="1" smtClean="0"/>
-              <a:t>space</a:t>
-            </a:r>
-            <a:r>
-              <a:rPr lang="it-IT" dirty="0" smtClean="0"/>
-              <a:t> </a:t>
-            </a:r>
-            <a:r>
-              <a:rPr lang="it-IT" dirty="0" err="1" smtClean="0"/>
-              <a:t>module</a:t>
-            </a:r>
-            <a:r>
-              <a:rPr lang="it-IT" dirty="0" smtClean="0"/>
-              <a:t>, </a:t>
-            </a:r>
-            <a:r>
-              <a:rPr lang="it-IT" dirty="0" err="1" smtClean="0"/>
-              <a:t>serving</a:t>
-            </a:r>
-            <a:r>
-              <a:rPr lang="it-IT" dirty="0" smtClean="0"/>
-              <a:t> </a:t>
-            </a:r>
-            <a:r>
-              <a:rPr lang="it-IT" dirty="0" err="1" smtClean="0"/>
-              <a:t>as</a:t>
-            </a:r>
-            <a:r>
-              <a:rPr lang="it-IT" dirty="0" smtClean="0"/>
-              <a:t> </a:t>
-            </a:r>
-            <a:r>
-              <a:rPr lang="it-IT" dirty="0" err="1" smtClean="0"/>
-              <a:t>storage</a:t>
-            </a:r>
-            <a:r>
-              <a:rPr lang="it-IT" dirty="0" smtClean="0"/>
-              <a:t> </a:t>
-            </a:r>
-            <a:r>
-              <a:rPr lang="it-IT" dirty="0" err="1" smtClean="0"/>
-              <a:t>space</a:t>
-            </a:r>
-            <a:r>
-              <a:rPr lang="it-IT" dirty="0" smtClean="0"/>
-              <a:t> for </a:t>
-            </a:r>
-            <a:r>
-              <a:rPr lang="it-IT" dirty="0" err="1" smtClean="0"/>
-              <a:t>CouchDB</a:t>
-            </a:r>
-            <a:endParaRPr lang="it-IT" dirty="0" smtClean="0"/>
-          </a:p>
-          <a:p>
-            <a:r>
-              <a:rPr lang="it-IT" dirty="0" smtClean="0">
+              <a:rPr lang="en-US" dirty="0" smtClean="0"/>
+              <a:t>Installed as user space module, serving as storage space for CouchDB</a:t>
+            </a:r>
+          </a:p>
+          <a:p>
+            <a:r>
+              <a:rPr lang="en-US" dirty="0" smtClean="0">
                 <a:effectLst>
                   <a:outerShdw blurRad="38100" dist="38100" dir="2700000" algn="tl">
                     <a:srgbClr val="000000">
@@ -5026,10 +4223,33 @@
                   </a:outerShdw>
                 </a:effectLst>
               </a:rPr>
-              <a:t>PDB to JSON </a:t>
-            </a:r>
-            <a:r>
-              <a:rPr lang="it-IT" dirty="0" err="1" smtClean="0">
+              <a:t>PDB to JSON parser</a:t>
+            </a:r>
+          </a:p>
+          <a:p>
+            <a:pPr lvl="1"/>
+            <a:r>
+              <a:rPr lang="en-US" dirty="0" smtClean="0"/>
+              <a:t>Currently extracting all the necessary information from a PDB entity file. Very flat structure.</a:t>
+            </a:r>
+          </a:p>
+          <a:p>
+            <a:pPr lvl="1"/>
+            <a:r>
+              <a:rPr lang="en-US" dirty="0" smtClean="0"/>
+              <a:t>Ironing out the last bugs.</a:t>
+            </a:r>
+          </a:p>
+          <a:p>
+            <a:pPr lvl="1"/>
+            <a:r>
+              <a:rPr lang="en-US" dirty="0" smtClean="0"/>
+              <a:t>Work in progress for the monomers section (different standard used)</a:t>
+            </a:r>
+          </a:p>
+          <a:p>
+            <a:r>
+              <a:rPr lang="en-US" dirty="0" smtClean="0">
                 <a:effectLst>
                   <a:outerShdw blurRad="38100" dist="38100" dir="2700000" algn="tl">
                     <a:srgbClr val="000000">
@@ -5038,146 +4258,19 @@
                   </a:outerShdw>
                 </a:effectLst>
               </a:rPr>
-              <a:t>parser</a:t>
-            </a:r>
-            <a:endParaRPr lang="it-IT" dirty="0" smtClean="0">
-              <a:effectLst>
-                <a:outerShdw blurRad="38100" dist="38100" dir="2700000" algn="tl">
-                  <a:srgbClr val="000000">
-                    <a:alpha val="43137"/>
-                  </a:srgbClr>
-                </a:outerShdw>
-              </a:effectLst>
-            </a:endParaRPr>
+              <a:t>Background importer</a:t>
+            </a:r>
           </a:p>
           <a:p>
             <a:pPr lvl="1"/>
             <a:r>
-              <a:rPr lang="it-IT" dirty="0" err="1" smtClean="0"/>
-              <a:t>Currently</a:t>
-            </a:r>
-            <a:r>
-              <a:rPr lang="it-IT" dirty="0" smtClean="0"/>
-              <a:t> </a:t>
-            </a:r>
-            <a:r>
-              <a:rPr lang="it-IT" dirty="0" err="1" smtClean="0"/>
-              <a:t>extracting</a:t>
-            </a:r>
-            <a:r>
-              <a:rPr lang="it-IT" dirty="0" smtClean="0"/>
-              <a:t> </a:t>
-            </a:r>
-            <a:r>
-              <a:rPr lang="it-IT" dirty="0" err="1" smtClean="0"/>
-              <a:t>all</a:t>
-            </a:r>
-            <a:r>
-              <a:rPr lang="it-IT" dirty="0" smtClean="0"/>
-              <a:t> the </a:t>
-            </a:r>
-            <a:r>
-              <a:rPr lang="it-IT" dirty="0" err="1" smtClean="0"/>
-              <a:t>necessary</a:t>
-            </a:r>
-            <a:r>
-              <a:rPr lang="it-IT" dirty="0" smtClean="0"/>
-              <a:t> infos for a PDB </a:t>
-            </a:r>
-            <a:r>
-              <a:rPr lang="it-IT" dirty="0" err="1" smtClean="0"/>
-              <a:t>entity</a:t>
-            </a:r>
-            <a:r>
-              <a:rPr lang="it-IT" dirty="0" smtClean="0"/>
-              <a:t> file. </a:t>
-            </a:r>
-            <a:r>
-              <a:rPr lang="it-IT" dirty="0" err="1" smtClean="0"/>
-              <a:t>Very</a:t>
-            </a:r>
-            <a:r>
-              <a:rPr lang="it-IT" dirty="0" smtClean="0"/>
-              <a:t> </a:t>
-            </a:r>
-            <a:r>
-              <a:rPr lang="it-IT" dirty="0" err="1" smtClean="0"/>
-              <a:t>flat</a:t>
-            </a:r>
-            <a:r>
-              <a:rPr lang="it-IT" dirty="0" smtClean="0"/>
-              <a:t> </a:t>
-            </a:r>
-            <a:r>
-              <a:rPr lang="it-IT" dirty="0" err="1" smtClean="0"/>
-              <a:t>structure</a:t>
-            </a:r>
-            <a:r>
-              <a:rPr lang="it-IT" dirty="0" smtClean="0"/>
-              <a:t>.</a:t>
-            </a:r>
-          </a:p>
-          <a:p>
-            <a:pPr lvl="1"/>
-            <a:r>
-              <a:rPr lang="it-IT" dirty="0" err="1" smtClean="0"/>
-              <a:t>Ironing</a:t>
-            </a:r>
-            <a:r>
-              <a:rPr lang="it-IT" dirty="0" smtClean="0"/>
-              <a:t> out the last </a:t>
-            </a:r>
-            <a:r>
-              <a:rPr lang="it-IT" dirty="0" err="1" smtClean="0"/>
-              <a:t>bugs</a:t>
-            </a:r>
-            <a:r>
-              <a:rPr lang="it-IT" dirty="0" smtClean="0"/>
-              <a:t>.</a:t>
-            </a:r>
-          </a:p>
-          <a:p>
-            <a:pPr lvl="1"/>
-            <a:r>
-              <a:rPr lang="it-IT" dirty="0" smtClean="0"/>
-              <a:t>Work in progress for the </a:t>
-            </a:r>
-            <a:r>
-              <a:rPr lang="it-IT" dirty="0" err="1" smtClean="0"/>
-              <a:t>monomers</a:t>
-            </a:r>
-            <a:r>
-              <a:rPr lang="it-IT" dirty="0" smtClean="0"/>
-              <a:t> </a:t>
-            </a:r>
-            <a:r>
-              <a:rPr lang="it-IT" dirty="0" err="1" smtClean="0"/>
-              <a:t>section</a:t>
-            </a:r>
-            <a:r>
-              <a:rPr lang="it-IT" dirty="0" smtClean="0"/>
-              <a:t> (</a:t>
-            </a:r>
-            <a:r>
-              <a:rPr lang="it-IT" dirty="0" err="1" smtClean="0"/>
-              <a:t>different</a:t>
-            </a:r>
-            <a:r>
-              <a:rPr lang="it-IT" dirty="0" smtClean="0"/>
-              <a:t> standard </a:t>
-            </a:r>
-            <a:r>
-              <a:rPr lang="it-IT" dirty="0" err="1" smtClean="0"/>
-              <a:t>used</a:t>
-            </a:r>
-            <a:r>
-              <a:rPr lang="it-IT" dirty="0" smtClean="0"/>
-              <a:t>)</a:t>
-            </a:r>
-          </a:p>
-          <a:p>
-            <a:r>
-              <a:rPr lang="it-IT" dirty="0" smtClean="0">
+              <a:rPr lang="en-US" dirty="0" smtClean="0"/>
+              <a:t>Working nicely, can import thousand of proteins into CouchDB in minutes.</a:t>
+            </a:r>
+          </a:p>
+          <a:p>
+            <a:r>
+              <a:rPr lang="en-US" dirty="0" smtClean="0">
                 <a:effectLst>
                   <a:outerShdw blurRad="38100" dist="38100" dir="2700000" algn="tl">
                     <a:srgbClr val="000000">
@@ -5186,231 +4279,26 @@
                   </a:outerShdw>
                 </a:effectLst>
               </a:rPr>
-              <a:t>Background </a:t>
-            </a:r>
-            <a:r>
-              <a:rPr lang="it-IT" dirty="0" err="1" smtClean="0">
-                <a:effectLst>
-                  <a:outerShdw blurRad="38100" dist="38100" dir="2700000" algn="tl">
-                    <a:srgbClr val="000000">
-                      <a:alpha val="43137"/>
-                    </a:srgbClr>
-                  </a:outerShdw>
-                </a:effectLst>
-              </a:rPr>
-              <a:t>importer</a:t>
-            </a:r>
-            <a:endParaRPr lang="it-IT" dirty="0" smtClean="0">
-              <a:effectLst>
-                <a:outerShdw blurRad="38100" dist="38100" dir="2700000" algn="tl">
-                  <a:srgbClr val="000000">
-                    <a:alpha val="43137"/>
-                  </a:srgbClr>
-                </a:outerShdw>
-              </a:effectLst>
-            </a:endParaRPr>
+              <a:t>CouchDB api for retrieval and insertion</a:t>
+            </a:r>
           </a:p>
           <a:p>
             <a:pPr lvl="1"/>
             <a:r>
-              <a:rPr lang="it-IT" dirty="0" err="1" smtClean="0"/>
-              <a:t>Working</a:t>
-            </a:r>
-            <a:r>
-              <a:rPr lang="it-IT" dirty="0" smtClean="0"/>
-              <a:t> </a:t>
-            </a:r>
-            <a:r>
-              <a:rPr lang="it-IT" dirty="0" err="1" smtClean="0"/>
-              <a:t>nicely</a:t>
-            </a:r>
-            <a:r>
-              <a:rPr lang="it-IT" dirty="0" smtClean="0"/>
-              <a:t>, can import </a:t>
-            </a:r>
-            <a:r>
-              <a:rPr lang="it-IT" dirty="0" err="1" smtClean="0"/>
-              <a:t>thousand</a:t>
-            </a:r>
-            <a:r>
-              <a:rPr lang="it-IT" dirty="0" smtClean="0"/>
-              <a:t> of </a:t>
-            </a:r>
-            <a:r>
-              <a:rPr lang="it-IT" dirty="0" err="1" smtClean="0"/>
-              <a:t>proteins</a:t>
-            </a:r>
-            <a:r>
-              <a:rPr lang="it-IT" dirty="0" smtClean="0"/>
-              <a:t> </a:t>
-            </a:r>
-            <a:r>
-              <a:rPr lang="it-IT" dirty="0" err="1" smtClean="0"/>
-              <a:t>into</a:t>
-            </a:r>
-            <a:r>
-              <a:rPr lang="it-IT" dirty="0" smtClean="0"/>
-              <a:t> </a:t>
-            </a:r>
-            <a:r>
-              <a:rPr lang="it-IT" dirty="0" err="1" smtClean="0"/>
-              <a:t>CouchDB</a:t>
-            </a:r>
-            <a:r>
-              <a:rPr lang="it-IT" dirty="0" smtClean="0"/>
-              <a:t> in minutes.</a:t>
-            </a:r>
-          </a:p>
-          <a:p>
-            <a:r>
-              <a:rPr lang="it-IT" dirty="0" err="1" smtClean="0">
-                <a:effectLst>
-                  <a:outerShdw blurRad="38100" dist="38100" dir="2700000" algn="tl">
-                    <a:srgbClr val="000000">
-                      <a:alpha val="43137"/>
-                    </a:srgbClr>
-                  </a:outerShdw>
-                </a:effectLst>
-              </a:rPr>
-              <a:t>CouchDB</a:t>
-            </a:r>
-            <a:r>
-              <a:rPr lang="it-IT" dirty="0" smtClean="0">
-                <a:effectLst>
-                  <a:outerShdw blurRad="38100" dist="38100" dir="2700000" algn="tl">
-                    <a:srgbClr val="000000">
-                      <a:alpha val="43137"/>
-                    </a:srgbClr>
-                  </a:outerShdw>
-                </a:effectLst>
-              </a:rPr>
-              <a:t> api for </a:t>
-            </a:r>
-            <a:r>
-              <a:rPr lang="it-IT" dirty="0" err="1" smtClean="0">
-                <a:effectLst>
-                  <a:outerShdw blurRad="38100" dist="38100" dir="2700000" algn="tl">
-                    <a:srgbClr val="000000">
-                      <a:alpha val="43137"/>
-                    </a:srgbClr>
-                  </a:outerShdw>
-                </a:effectLst>
-              </a:rPr>
-              <a:t>retrieval</a:t>
-            </a:r>
-            <a:r>
-              <a:rPr lang="it-IT" dirty="0" smtClean="0">
-                <a:effectLst>
-                  <a:outerShdw blurRad="38100" dist="38100" dir="2700000" algn="tl">
-                    <a:srgbClr val="000000">
-                      <a:alpha val="43137"/>
-                    </a:srgbClr>
-                  </a:outerShdw>
-                </a:effectLst>
-              </a:rPr>
-              <a:t> and </a:t>
-            </a:r>
-            <a:r>
-              <a:rPr lang="it-IT" dirty="0" err="1" smtClean="0">
-                <a:effectLst>
-                  <a:outerShdw blurRad="38100" dist="38100" dir="2700000" algn="tl">
-                    <a:srgbClr val="000000">
-                      <a:alpha val="43137"/>
-                    </a:srgbClr>
-                  </a:outerShdw>
-                </a:effectLst>
-              </a:rPr>
-              <a:t>insertion</a:t>
-            </a:r>
-            <a:endParaRPr lang="it-IT" dirty="0" smtClean="0">
-              <a:effectLst>
-                <a:outerShdw blurRad="38100" dist="38100" dir="2700000" algn="tl">
-                  <a:srgbClr val="000000">
-                    <a:alpha val="43137"/>
-                  </a:srgbClr>
-                </a:outerShdw>
-              </a:effectLst>
-            </a:endParaRPr>
+              <a:rPr lang="en-US" dirty="0" smtClean="0"/>
+              <a:t>Currently in stable version</a:t>
+            </a:r>
           </a:p>
           <a:p>
             <a:pPr lvl="1"/>
             <a:r>
-              <a:rPr lang="it-IT" dirty="0" err="1" smtClean="0"/>
-              <a:t>Currently</a:t>
-            </a:r>
-            <a:r>
-              <a:rPr lang="it-IT" dirty="0" smtClean="0"/>
-              <a:t> in </a:t>
-            </a:r>
-            <a:r>
-              <a:rPr lang="it-IT" dirty="0" err="1" smtClean="0"/>
-              <a:t>stable</a:t>
-            </a:r>
-            <a:r>
-              <a:rPr lang="it-IT" dirty="0" smtClean="0"/>
-              <a:t> </a:t>
-            </a:r>
-            <a:r>
-              <a:rPr lang="it-IT" dirty="0" err="1" smtClean="0"/>
-              <a:t>version</a:t>
-            </a:r>
-            <a:endParaRPr lang="it-IT" dirty="0"/>
-          </a:p>
-          <a:p>
-            <a:pPr lvl="1"/>
-            <a:r>
-              <a:rPr lang="it-IT" dirty="0" smtClean="0"/>
-              <a:t>Can be </a:t>
-            </a:r>
-            <a:r>
-              <a:rPr lang="it-IT" dirty="0" err="1" smtClean="0"/>
-              <a:t>easily</a:t>
-            </a:r>
-            <a:r>
-              <a:rPr lang="it-IT" dirty="0" smtClean="0"/>
-              <a:t> </a:t>
-            </a:r>
-            <a:r>
-              <a:rPr lang="it-IT" dirty="0" err="1" smtClean="0"/>
-              <a:t>modified</a:t>
-            </a:r>
-            <a:r>
-              <a:rPr lang="it-IT" dirty="0" smtClean="0"/>
-              <a:t> to </a:t>
-            </a:r>
-            <a:r>
-              <a:rPr lang="it-IT" dirty="0" err="1" smtClean="0"/>
-              <a:t>allow</a:t>
-            </a:r>
-            <a:r>
-              <a:rPr lang="it-IT" dirty="0" smtClean="0"/>
-              <a:t> custom </a:t>
-            </a:r>
-            <a:r>
-              <a:rPr lang="it-IT" dirty="0" err="1" smtClean="0"/>
-              <a:t>query</a:t>
-            </a:r>
-            <a:r>
-              <a:rPr lang="it-IT" dirty="0" smtClean="0"/>
-              <a:t> </a:t>
-            </a:r>
-            <a:r>
-              <a:rPr lang="it-IT" dirty="0" err="1" smtClean="0"/>
-              <a:t>through</a:t>
-            </a:r>
-            <a:r>
-              <a:rPr lang="it-IT" dirty="0" smtClean="0"/>
-              <a:t> </a:t>
-            </a:r>
-            <a:r>
-              <a:rPr lang="it-IT" dirty="0" err="1" smtClean="0"/>
-              <a:t>MapReduce</a:t>
-            </a:r>
-            <a:endParaRPr lang="it-IT" dirty="0"/>
-          </a:p>
-          <a:p>
-            <a:r>
-              <a:rPr lang="it-IT" dirty="0" smtClean="0">
+              <a:rPr lang="en-US" dirty="0" smtClean="0"/>
+              <a:t>Can be easily modified to allow custom query through MapReduce</a:t>
+            </a:r>
+          </a:p>
+          <a:p>
+            <a:r>
+              <a:rPr lang="en-US" dirty="0" smtClean="0">
                 <a:effectLst>
                   <a:outerShdw blurRad="38100" dist="38100" dir="2700000" algn="tl">
                     <a:srgbClr val="000000">
@@ -5425,17 +4313,13 @@
           <a:p>
             <a:pPr lvl="1"/>
             <a:r>
-              <a:rPr lang="it-IT" dirty="0" err="1" smtClean="0"/>
-              <a:t>Testing</a:t>
-            </a:r>
-            <a:r>
-              <a:rPr lang="it-IT" dirty="0" smtClean="0"/>
-              <a:t> in progress</a:t>
-            </a:r>
-          </a:p>
-          <a:p>
-            <a:r>
-              <a:rPr lang="it-IT" dirty="0" smtClean="0">
+              <a:rPr lang="en-US" dirty="0" smtClean="0"/>
+              <a:t>Test in progress</a:t>
+            </a:r>
+          </a:p>
+          <a:p>
+            <a:r>
+              <a:rPr lang="en-US" dirty="0" smtClean="0">
                 <a:effectLst>
                   <a:outerShdw blurRad="38100" dist="38100" dir="2700000" algn="tl">
                     <a:srgbClr val="000000">
@@ -5450,22 +4334,21 @@
           <a:p>
             <a:pPr lvl="1"/>
             <a:r>
-              <a:rPr lang="it-IT" dirty="0" smtClean="0"/>
+              <a:rPr lang="en-US" dirty="0" smtClean="0"/>
               <a:t>Work in Progress</a:t>
             </a:r>
-            <a:endParaRPr lang="it-IT" dirty="0" smtClean="0"/>
           </a:p>
           <a:p>
             <a:pPr lvl="1">
               <a:buNone/>
             </a:pPr>
-            <a:endParaRPr lang="it-IT" dirty="0" smtClean="0"/>
+            <a:endParaRPr lang="en-US" dirty="0" smtClean="0"/>
           </a:p>
           <a:p>
             <a:pPr lvl="1">
               <a:buNone/>
             </a:pPr>
-            <a:endParaRPr lang="it-IT" dirty="0" smtClean="0"/>
+            <a:endParaRPr lang="en-US" dirty="0" smtClean="0"/>
           </a:p>
         </p:txBody>
       </p:sp>
@@ -5522,7 +4405,7 @@
           <a:lstStyle/>
           <a:p>
             <a:r>
-              <a:rPr lang="it-IT" dirty="0" err="1" smtClean="0">
+              <a:rPr lang="en-US" smtClean="0">
                 <a:solidFill>
                   <a:schemeClr val="accent2">
                     <a:lumMod val="75000"/>
@@ -5536,60 +4419,9 @@
                   </a:outerShdw>
                 </a:effectLst>
               </a:rPr>
-              <a:t>What’s</a:t>
-            </a:r>
-            <a:r>
-              <a:rPr lang="it-IT" dirty="0" smtClean="0">
-                <a:solidFill>
-                  <a:schemeClr val="accent2">
-                    <a:lumMod val="75000"/>
-                  </a:schemeClr>
-                </a:solidFill>
-                <a:effectLst>
-                  <a:outerShdw blurRad="50800" dist="38100" dir="2700000" algn="tl" rotWithShape="0">
-                    <a:srgbClr val="000000">
-                      <a:alpha val="26000"/>
-                    </a:srgbClr>
-                  </a:outerShdw>
-                </a:effectLst>
-              </a:rPr>
-              <a:t> </a:t>
-            </a:r>
-            <a:r>
-              <a:rPr lang="it-IT" dirty="0" err="1" smtClean="0">
-                <a:solidFill>
-                  <a:schemeClr val="accent2">
-                    <a:lumMod val="75000"/>
-                  </a:schemeClr>
-                </a:solidFill>
-                <a:effectLst>
-                  <a:outerShdw blurRad="50800" dist="38100" dir="2700000" algn="tl" rotWithShape="0">
-                    <a:srgbClr val="000000">
-                      <a:alpha val="26000"/>
-                    </a:srgbClr>
-                  </a:outerShdw>
-                </a:effectLst>
-              </a:rPr>
-              <a:t>next</a:t>
-            </a:r>
-            <a:r>
-              <a:rPr lang="it-IT" dirty="0" smtClean="0">
-                <a:solidFill>
-                  <a:schemeClr val="accent2">
-                    <a:lumMod val="75000"/>
-                  </a:schemeClr>
-                </a:solidFill>
-                <a:effectLst>
-                  <a:outerShdw blurRad="50800" dist="38100" dir="2700000" algn="tl" rotWithShape="0">
-                    <a:srgbClr val="000000">
-                      <a:alpha val="26000"/>
-                    </a:srgbClr>
-                  </a:outerShdw>
-                </a:effectLst>
-              </a:rPr>
-              <a:t>?</a:t>
-            </a:r>
-            <a:endParaRPr lang="it-IT" dirty="0"/>
+              <a:t>What’s next?</a:t>
+            </a:r>
+            <a:endParaRPr lang="en-US"/>
           </a:p>
         </p:txBody>
       </p:sp>
@@ -5611,12 +4443,12 @@
         </p:spPr>
         <p:txBody>
           <a:bodyPr>
-            <a:normAutofit fontScale="92500" lnSpcReduction="20000"/>
+            <a:normAutofit fontScale="77500" lnSpcReduction="20000"/>
           </a:bodyPr>
           <a:lstStyle/>
           <a:p>
             <a:r>
-              <a:rPr lang="it-IT" dirty="0" err="1" smtClean="0">
+              <a:rPr lang="en-US" dirty="0" smtClean="0">
                 <a:effectLst>
                   <a:outerShdw blurRad="38100" dist="38100" dir="2700000" algn="tl">
                     <a:srgbClr val="000000">
@@ -5625,10 +4457,12 @@
                   </a:outerShdw>
                 </a:effectLst>
               </a:rPr>
-              <a:t>Moving</a:t>
-            </a:r>
-            <a:r>
-              <a:rPr lang="it-IT" dirty="0" smtClean="0">
+              <a:t>Moving the instance on the Apple Storage Server</a:t>
+            </a:r>
+          </a:p>
+          <a:p>
+            <a:r>
+              <a:rPr lang="en-US" dirty="0" smtClean="0">
                 <a:effectLst>
                   <a:outerShdw blurRad="38100" dist="38100" dir="2700000" algn="tl">
                     <a:srgbClr val="000000">
@@ -5637,10 +4471,34 @@
                   </a:outerShdw>
                 </a:effectLst>
               </a:rPr>
-              <a:t> the </a:t>
-            </a:r>
-            <a:r>
-              <a:rPr lang="it-IT" dirty="0" err="1" smtClean="0">
+              <a:t>PDB to JSON parser</a:t>
+            </a:r>
+          </a:p>
+          <a:p>
+            <a:pPr lvl="1"/>
+            <a:r>
+              <a:rPr lang="en-US" dirty="0" smtClean="0"/>
+              <a:t>Less flat structure to be used easily with map-like </a:t>
+            </a:r>
+            <a:r>
+              <a:rPr lang="en-US" dirty="0" smtClean="0"/>
+              <a:t>JavaScript</a:t>
+            </a:r>
+            <a:r>
+              <a:rPr lang="en-US" dirty="0" smtClean="0"/>
+              <a:t> operators</a:t>
+            </a:r>
+          </a:p>
+          <a:p>
+            <a:pPr lvl="1"/>
+            <a:r>
+              <a:rPr lang="en-US" dirty="0" smtClean="0"/>
+              <a:t>Monomers</a:t>
+            </a:r>
+          </a:p>
+          <a:p>
+            <a:r>
+              <a:rPr lang="en-US" dirty="0" smtClean="0">
                 <a:effectLst>
                   <a:outerShdw blurRad="38100" dist="38100" dir="2700000" algn="tl">
                     <a:srgbClr val="000000">
@@ -5649,10 +4507,19 @@
                   </a:outerShdw>
                 </a:effectLst>
               </a:rPr>
-              <a:t>instance</a:t>
-            </a:r>
-            <a:r>
-              <a:rPr lang="it-IT" dirty="0" smtClean="0">
+              <a:t>CouchDB api for retrieval and insertion</a:t>
+            </a:r>
+          </a:p>
+          <a:p>
+            <a:pPr lvl="1"/>
+            <a:r>
+              <a:rPr lang="en-US" dirty="0" smtClean="0"/>
+              <a:t>More complex queries</a:t>
+            </a:r>
+          </a:p>
+          <a:p>
+            <a:r>
+              <a:rPr lang="en-US" dirty="0" smtClean="0">
                 <a:effectLst>
                   <a:outerShdw blurRad="38100" dist="38100" dir="2700000" algn="tl">
                     <a:srgbClr val="000000">
@@ -5661,35 +4528,16 @@
                   </a:outerShdw>
                 </a:effectLst>
               </a:rPr>
-              <a:t> on the Apple Storage Server</a:t>
-            </a:r>
-          </a:p>
-          <a:p>
-            <a:r>
-              <a:rPr lang="it-IT" dirty="0" smtClean="0">
-                <a:effectLst>
-                  <a:outerShdw blurRad="38100" dist="38100" dir="2700000" algn="tl">
-                    <a:srgbClr val="000000">
-                      <a:alpha val="43137"/>
-                    </a:srgbClr>
-                  </a:outerShdw>
-                </a:effectLst>
-              </a:rPr>
-              <a:t>PDB to JSON </a:t>
-            </a:r>
-            <a:r>
-              <a:rPr lang="it-IT" dirty="0" err="1" smtClean="0">
-                <a:effectLst>
-                  <a:outerShdw blurRad="38100" dist="38100" dir="2700000" algn="tl">
-                    <a:srgbClr val="000000">
-                      <a:alpha val="43137"/>
-                    </a:srgbClr>
-                  </a:outerShdw>
-                </a:effectLst>
-              </a:rPr>
-              <a:t>parser</a:t>
-            </a:r>
-            <a:endParaRPr lang="it-IT" dirty="0" smtClean="0">
+              <a:t>Secondary query cache</a:t>
+            </a:r>
+          </a:p>
+          <a:p>
+            <a:pPr lvl="1"/>
+            <a:r>
+              <a:rPr lang="en-US" dirty="0" smtClean="0"/>
+              <a:t>Use a RAM Key-Value storage like Redis to cache query results</a:t>
+            </a:r>
+            <a:endParaRPr lang="en-US" dirty="0">
               <a:effectLst>
                 <a:outerShdw blurRad="38100" dist="38100" dir="2700000" algn="tl">
                   <a:srgbClr val="000000">
@@ -5700,171 +4548,8 @@
             </a:endParaRPr>
           </a:p>
           <a:p>
-            <a:pPr lvl="1"/>
-            <a:r>
-              <a:rPr lang="it-IT" dirty="0" err="1" smtClean="0"/>
-              <a:t>Less</a:t>
-            </a:r>
-            <a:r>
-              <a:rPr lang="it-IT" dirty="0" smtClean="0"/>
-              <a:t> </a:t>
-            </a:r>
-            <a:r>
-              <a:rPr lang="it-IT" dirty="0" err="1" smtClean="0"/>
-              <a:t>flat</a:t>
-            </a:r>
-            <a:r>
-              <a:rPr lang="it-IT" dirty="0" smtClean="0"/>
-              <a:t> </a:t>
-            </a:r>
-            <a:r>
-              <a:rPr lang="it-IT" dirty="0" err="1" smtClean="0"/>
-              <a:t>structure</a:t>
-            </a:r>
-            <a:r>
-              <a:rPr lang="it-IT" dirty="0" smtClean="0"/>
-              <a:t> to be </a:t>
-            </a:r>
-            <a:r>
-              <a:rPr lang="it-IT" dirty="0" err="1" smtClean="0"/>
-              <a:t>used</a:t>
-            </a:r>
-            <a:r>
-              <a:rPr lang="it-IT" dirty="0" smtClean="0"/>
-              <a:t> </a:t>
-            </a:r>
-            <a:r>
-              <a:rPr lang="it-IT" dirty="0" err="1" smtClean="0"/>
-              <a:t>easily</a:t>
-            </a:r>
-            <a:r>
-              <a:rPr lang="it-IT" dirty="0" smtClean="0"/>
-              <a:t> with </a:t>
-            </a:r>
-            <a:r>
-              <a:rPr lang="it-IT" dirty="0" err="1" smtClean="0"/>
-              <a:t>map-like</a:t>
-            </a:r>
-            <a:r>
-              <a:rPr lang="it-IT" dirty="0" smtClean="0"/>
-              <a:t> </a:t>
-            </a:r>
-            <a:r>
-              <a:rPr lang="it-IT" dirty="0" err="1" smtClean="0"/>
-              <a:t>javascript</a:t>
-            </a:r>
-            <a:r>
-              <a:rPr lang="it-IT" dirty="0" smtClean="0"/>
-              <a:t> </a:t>
-            </a:r>
-            <a:r>
-              <a:rPr lang="it-IT" dirty="0" err="1" smtClean="0"/>
-              <a:t>operators</a:t>
-            </a:r>
-            <a:endParaRPr lang="it-IT" dirty="0" smtClean="0"/>
-          </a:p>
-          <a:p>
-            <a:pPr lvl="1"/>
-            <a:r>
-              <a:rPr lang="it-IT" dirty="0" err="1" smtClean="0"/>
-              <a:t>Monomers</a:t>
-            </a:r>
-            <a:endParaRPr lang="it-IT" dirty="0" smtClean="0"/>
-          </a:p>
-          <a:p>
-            <a:r>
-              <a:rPr lang="it-IT" dirty="0" err="1" smtClean="0">
-                <a:effectLst>
-                  <a:outerShdw blurRad="38100" dist="38100" dir="2700000" algn="tl">
-                    <a:srgbClr val="000000">
-                      <a:alpha val="43137"/>
-                    </a:srgbClr>
-                  </a:outerShdw>
-                </a:effectLst>
-              </a:rPr>
-              <a:t>CouchDB</a:t>
-            </a:r>
-            <a:r>
-              <a:rPr lang="it-IT" dirty="0" smtClean="0">
-                <a:effectLst>
-                  <a:outerShdw blurRad="38100" dist="38100" dir="2700000" algn="tl">
-                    <a:srgbClr val="000000">
-                      <a:alpha val="43137"/>
-                    </a:srgbClr>
-                  </a:outerShdw>
-                </a:effectLst>
-              </a:rPr>
-              <a:t> api for </a:t>
-            </a:r>
-            <a:r>
-              <a:rPr lang="it-IT" dirty="0" err="1" smtClean="0">
-                <a:effectLst>
-                  <a:outerShdw blurRad="38100" dist="38100" dir="2700000" algn="tl">
-                    <a:srgbClr val="000000">
-                      <a:alpha val="43137"/>
-                    </a:srgbClr>
-                  </a:outerShdw>
-                </a:effectLst>
-              </a:rPr>
-              <a:t>retrieval</a:t>
-            </a:r>
-            <a:r>
-              <a:rPr lang="it-IT" dirty="0" smtClean="0">
-                <a:effectLst>
-                  <a:outerShdw blurRad="38100" dist="38100" dir="2700000" algn="tl">
-                    <a:srgbClr val="000000">
-                      <a:alpha val="43137"/>
-                    </a:srgbClr>
-                  </a:outerShdw>
-                </a:effectLst>
-              </a:rPr>
-              <a:t> and </a:t>
-            </a:r>
-            <a:r>
-              <a:rPr lang="it-IT" dirty="0" err="1" smtClean="0">
-                <a:effectLst>
-                  <a:outerShdw blurRad="38100" dist="38100" dir="2700000" algn="tl">
-                    <a:srgbClr val="000000">
-                      <a:alpha val="43137"/>
-                    </a:srgbClr>
-                  </a:outerShdw>
-                </a:effectLst>
-              </a:rPr>
-              <a:t>insertion</a:t>
-            </a:r>
-            <a:endParaRPr lang="it-IT" dirty="0" smtClean="0">
-              <a:effectLst>
-                <a:outerShdw blurRad="38100" dist="38100" dir="2700000" algn="tl">
-                  <a:srgbClr val="000000">
-                    <a:alpha val="43137"/>
-                  </a:srgbClr>
-                </a:outerShdw>
-              </a:effectLst>
-            </a:endParaRPr>
-          </a:p>
-          <a:p>
-            <a:pPr lvl="1"/>
-            <a:r>
-              <a:rPr lang="it-IT" dirty="0" smtClean="0"/>
-              <a:t>More </a:t>
-            </a:r>
-            <a:r>
-              <a:rPr lang="it-IT" dirty="0" err="1" smtClean="0"/>
-              <a:t>complex</a:t>
-            </a:r>
-            <a:r>
-              <a:rPr lang="it-IT" dirty="0" smtClean="0"/>
-              <a:t> </a:t>
-            </a:r>
-            <a:r>
-              <a:rPr lang="it-IT" dirty="0" err="1" smtClean="0"/>
-              <a:t>queries</a:t>
-            </a:r>
-            <a:endParaRPr lang="it-IT" dirty="0"/>
-          </a:p>
-          <a:p>
-            <a:r>
-              <a:rPr lang="it-IT" dirty="0" smtClean="0">
+            <a:r>
+              <a:rPr lang="en-US" dirty="0" smtClean="0">
                 <a:effectLst>
                   <a:outerShdw blurRad="38100" dist="38100" dir="2700000" algn="tl">
                     <a:srgbClr val="000000">
@@ -5879,38 +4564,13 @@
           <a:p>
             <a:pPr lvl="1"/>
             <a:r>
-              <a:rPr lang="it-IT" dirty="0" err="1" smtClean="0"/>
-              <a:t>Exporting</a:t>
-            </a:r>
-            <a:r>
-              <a:rPr lang="it-IT" dirty="0" smtClean="0"/>
-              <a:t> </a:t>
-            </a:r>
-            <a:r>
-              <a:rPr lang="it-IT" dirty="0" err="1" smtClean="0"/>
-              <a:t>interface</a:t>
-            </a:r>
-            <a:r>
-              <a:rPr lang="it-IT" dirty="0" smtClean="0"/>
-              <a:t> for </a:t>
-            </a:r>
-            <a:r>
-              <a:rPr lang="it-IT" dirty="0" err="1" smtClean="0"/>
-              <a:t>complex</a:t>
-            </a:r>
-            <a:r>
-              <a:rPr lang="it-IT" dirty="0" smtClean="0"/>
-              <a:t> </a:t>
-            </a:r>
-            <a:r>
-              <a:rPr lang="it-IT" dirty="0" err="1" smtClean="0"/>
-              <a:t>queries</a:t>
-            </a:r>
-            <a:endParaRPr lang="it-IT" dirty="0" smtClean="0"/>
-          </a:p>
-          <a:p>
-            <a:r>
-              <a:rPr lang="it-IT" dirty="0" smtClean="0">
+              <a:rPr lang="en-US" dirty="0" smtClean="0"/>
+              <a:t>Exporting interface for user-defined complex queries</a:t>
+            </a:r>
+          </a:p>
+          <a:p>
+            <a:r>
+              <a:rPr lang="en-US" dirty="0" smtClean="0">
                 <a:effectLst>
                   <a:outerShdw blurRad="38100" dist="38100" dir="2700000" algn="tl">
                     <a:srgbClr val="000000">
@@ -5925,70 +4585,21 @@
           <a:p>
             <a:pPr lvl="1"/>
             <a:r>
-              <a:rPr lang="it-IT" dirty="0" err="1" smtClean="0"/>
-              <a:t>Easily</a:t>
-            </a:r>
-            <a:r>
-              <a:rPr lang="it-IT" dirty="0" smtClean="0"/>
-              <a:t> </a:t>
-            </a:r>
-            <a:r>
-              <a:rPr lang="it-IT" dirty="0" err="1" smtClean="0"/>
-              <a:t>administrate</a:t>
-            </a:r>
-            <a:r>
-              <a:rPr lang="it-IT" dirty="0" smtClean="0"/>
-              <a:t> the </a:t>
-            </a:r>
-            <a:r>
-              <a:rPr lang="it-IT" dirty="0" err="1" smtClean="0"/>
-              <a:t>whole</a:t>
-            </a:r>
-            <a:r>
-              <a:rPr lang="it-IT" dirty="0" smtClean="0"/>
-              <a:t> </a:t>
-            </a:r>
-            <a:r>
-              <a:rPr lang="it-IT" dirty="0" err="1" smtClean="0"/>
-              <a:t>system</a:t>
-            </a:r>
-            <a:r>
-              <a:rPr lang="it-IT" dirty="0" smtClean="0"/>
-              <a:t> </a:t>
-            </a:r>
-            <a:r>
-              <a:rPr lang="it-IT" dirty="0" err="1" smtClean="0"/>
-              <a:t>through</a:t>
-            </a:r>
-            <a:r>
-              <a:rPr lang="it-IT" dirty="0" smtClean="0"/>
-              <a:t> a </a:t>
-            </a:r>
-            <a:r>
-              <a:rPr lang="it-IT" dirty="0" err="1" smtClean="0"/>
-              <a:t>nice</a:t>
-            </a:r>
-            <a:r>
-              <a:rPr lang="it-IT" dirty="0" smtClean="0"/>
-              <a:t> HTML </a:t>
-            </a:r>
-            <a:r>
-              <a:rPr lang="it-IT" dirty="0" err="1" smtClean="0"/>
-              <a:t>interface</a:t>
-            </a:r>
-            <a:endParaRPr lang="it-IT" dirty="0" smtClean="0"/>
+              <a:rPr lang="en-US" dirty="0" smtClean="0"/>
+              <a:t>Easily administrate the whole system through a nice HTML5 interface</a:t>
+            </a:r>
           </a:p>
           <a:p>
             <a:pPr lvl="1">
               <a:buNone/>
             </a:pPr>
-            <a:endParaRPr lang="it-IT" dirty="0" smtClean="0"/>
+            <a:endParaRPr lang="en-US" dirty="0" smtClean="0"/>
           </a:p>
           <a:p>
             <a:pPr lvl="1">
               <a:buNone/>
             </a:pPr>
-            <a:endParaRPr lang="it-IT" dirty="0" smtClean="0"/>
+            <a:endParaRPr lang="en-US" dirty="0" smtClean="0"/>
           </a:p>
         </p:txBody>
       </p:sp>
